--- a/CarRentalManagementSystemPresentation.pptx
+++ b/CarRentalManagementSystemPresentation.pptx
@@ -1,40 +1,48 @@
 
 <file path=ppt/presentation.xml><?xml version="1.0" encoding="utf-8"?>
-<p:presentation xmlns:a="http://schemas.openxmlformats.org/drawingml/2006/main" xmlns:r="http://schemas.openxmlformats.org/officeDocument/2006/relationships" xmlns:p="http://schemas.openxmlformats.org/presentationml/2006/main" saveSubsetFonts="1" embedTrueTypeFonts="true">
+<p:presentation xmlns:a="http://schemas.openxmlformats.org/drawingml/2006/main" xmlns:r="http://schemas.openxmlformats.org/officeDocument/2006/relationships" xmlns:p="http://schemas.openxmlformats.org/presentationml/2006/main" embedTrueTypeFonts="1" saveSubsetFonts="1">
   <p:sldMasterIdLst>
     <p:sldMasterId id="2147483648" r:id="rId1"/>
   </p:sldMasterIdLst>
   <p:sldIdLst>
-    <p:sldId id="256" r:id="rId6"/>
-    <p:sldId id="257" r:id="rId7"/>
-    <p:sldId id="258" r:id="rId8"/>
-    <p:sldId id="259" r:id="rId9"/>
-    <p:sldId id="260" r:id="rId10"/>
-    <p:sldId id="261" r:id="rId11"/>
-    <p:sldId id="262" r:id="rId12"/>
-    <p:sldId id="263" r:id="rId13"/>
-    <p:sldId id="264" r:id="rId14"/>
-    <p:sldId id="265" r:id="rId15"/>
-    <p:sldId id="266" r:id="rId16"/>
+    <p:sldId id="256" r:id="rId2"/>
+    <p:sldId id="257" r:id="rId3"/>
+    <p:sldId id="258" r:id="rId4"/>
+    <p:sldId id="259" r:id="rId5"/>
+    <p:sldId id="260" r:id="rId6"/>
+    <p:sldId id="261" r:id="rId7"/>
+    <p:sldId id="262" r:id="rId8"/>
+    <p:sldId id="263" r:id="rId9"/>
+    <p:sldId id="264" r:id="rId10"/>
+    <p:sldId id="265" r:id="rId11"/>
+    <p:sldId id="266" r:id="rId12"/>
   </p:sldIdLst>
   <p:sldSz cx="18288000" cy="10287000"/>
   <p:notesSz cx="6858000" cy="9144000"/>
   <p:embeddedFontLst>
     <p:embeddedFont>
-      <p:font typeface="Raleway" charset="1" panose="00000000000000000000"/>
-      <p:regular r:id="rId17"/>
+      <p:font typeface="Raleway" pitchFamily="2" charset="77"/>
+      <p:regular r:id="rId13"/>
+      <p:bold r:id="rId14"/>
+      <p:italic r:id="rId15"/>
+      <p:boldItalic r:id="rId16"/>
     </p:embeddedFont>
     <p:embeddedFont>
-      <p:font typeface="Roboto Bold" charset="1" panose="02000000000000000000"/>
-      <p:regular r:id="rId18"/>
+      <p:font typeface="Raleway Light" pitchFamily="2" charset="77"/>
+      <p:regular r:id="rId17"/>
+      <p:italic r:id="rId18"/>
     </p:embeddedFont>
     <p:embeddedFont>
-      <p:font typeface="Roboto" charset="1" panose="02000000000000000000"/>
+      <p:font typeface="Roboto" panose="02000000000000000000" pitchFamily="2" charset="0"/>
       <p:regular r:id="rId19"/>
+      <p:bold r:id="rId20"/>
+      <p:italic r:id="rId21"/>
+      <p:boldItalic r:id="rId22"/>
     </p:embeddedFont>
     <p:embeddedFont>
-      <p:font typeface="Raleway Light" charset="1" panose="00000000000000000000"/>
-      <p:regular r:id="rId20"/>
+      <p:font typeface="Roboto Bold" panose="02000000000000000000" pitchFamily="2" charset="0"/>
+      <p:regular r:id="rId23"/>
+      <p:bold r:id="rId24"/>
     </p:embeddedFont>
   </p:embeddedFontLst>
   <p:defaultTextStyle>
@@ -132,6 +140,22 @@
       </a:defRPr>
     </a:lvl9pPr>
   </p:defaultTextStyle>
+  <p:extLst>
+    <p:ext uri="{EFAFB233-063F-42B5-8137-9DF3F51BA10A}">
+      <p15:sldGuideLst xmlns:p15="http://schemas.microsoft.com/office/powerpoint/2012/main">
+        <p15:guide id="1" orient="horz" pos="2160">
+          <p15:clr>
+            <a:srgbClr val="A4A3A4"/>
+          </p15:clr>
+        </p15:guide>
+        <p15:guide id="2" pos="2880">
+          <p15:clr>
+            <a:srgbClr val="A4A3A4"/>
+          </p15:clr>
+        </p15:guide>
+      </p15:sldGuideLst>
+    </p:ext>
+  </p:extLst>
 </p:presentation>
 </file>
 
@@ -173,10 +197,9 @@
           <a:lstStyle/>
           <a:p>
             <a:r>
-              <a:rPr lang="en-US" smtClean="0"/>
+              <a:rPr lang="en-US"/>
               <a:t>Click to edit Master title style</a:t>
             </a:r>
-            <a:endParaRPr lang="en-US"/>
           </a:p>
         </p:txBody>
       </p:sp>
@@ -292,10 +315,9 @@
           </a:lstStyle>
           <a:p>
             <a:r>
-              <a:rPr lang="en-US" smtClean="0"/>
+              <a:rPr lang="en-US"/>
               <a:t>Click to edit Master subtitle style</a:t>
             </a:r>
-            <a:endParaRPr lang="en-US"/>
           </a:p>
         </p:txBody>
       </p:sp>
@@ -317,7 +339,7 @@
             <a:fld id="{1D8BD707-D9CF-40AE-B4C6-C98DA3205C09}" type="datetimeFigureOut">
               <a:rPr lang="en-US" smtClean="0"/>
               <a:pPr/>
-              <a:t>8/1/2011</a:t>
+              <a:t>11/26/25</a:t>
             </a:fld>
             <a:endParaRPr lang="en-US"/>
           </a:p>
@@ -407,10 +429,9 @@
           <a:lstStyle/>
           <a:p>
             <a:r>
-              <a:rPr lang="en-US" smtClean="0"/>
+              <a:rPr lang="en-US"/>
               <a:t>Click to edit Master title style</a:t>
             </a:r>
-            <a:endParaRPr lang="en-US"/>
           </a:p>
         </p:txBody>
       </p:sp>
@@ -431,38 +452,37 @@
           <a:p>
             <a:pPr lvl="0"/>
             <a:r>
-              <a:rPr lang="en-US" smtClean="0"/>
+              <a:rPr lang="en-US"/>
               <a:t>Click to edit Master text styles</a:t>
             </a:r>
           </a:p>
           <a:p>
             <a:pPr lvl="1"/>
             <a:r>
-              <a:rPr lang="en-US" smtClean="0"/>
+              <a:rPr lang="en-US"/>
               <a:t>Second level</a:t>
             </a:r>
           </a:p>
           <a:p>
             <a:pPr lvl="2"/>
             <a:r>
-              <a:rPr lang="en-US" smtClean="0"/>
+              <a:rPr lang="en-US"/>
               <a:t>Third level</a:t>
             </a:r>
           </a:p>
           <a:p>
             <a:pPr lvl="3"/>
             <a:r>
-              <a:rPr lang="en-US" smtClean="0"/>
+              <a:rPr lang="en-US"/>
               <a:t>Fourth level</a:t>
             </a:r>
           </a:p>
           <a:p>
             <a:pPr lvl="4"/>
             <a:r>
-              <a:rPr lang="en-US" smtClean="0"/>
+              <a:rPr lang="en-US"/>
               <a:t>Fifth level</a:t>
             </a:r>
-            <a:endParaRPr lang="en-US"/>
           </a:p>
         </p:txBody>
       </p:sp>
@@ -484,7 +504,7 @@
             <a:fld id="{1D8BD707-D9CF-40AE-B4C6-C98DA3205C09}" type="datetimeFigureOut">
               <a:rPr lang="en-US" smtClean="0"/>
               <a:pPr/>
-              <a:t>8/1/2011</a:t>
+              <a:t>11/26/25</a:t>
             </a:fld>
             <a:endParaRPr lang="en-US"/>
           </a:p>
@@ -579,10 +599,9 @@
           <a:lstStyle/>
           <a:p>
             <a:r>
-              <a:rPr lang="en-US" smtClean="0"/>
+              <a:rPr lang="en-US"/>
               <a:t>Click to edit Master title style</a:t>
             </a:r>
-            <a:endParaRPr lang="en-US"/>
           </a:p>
         </p:txBody>
       </p:sp>
@@ -608,38 +627,37 @@
           <a:p>
             <a:pPr lvl="0"/>
             <a:r>
-              <a:rPr lang="en-US" smtClean="0"/>
+              <a:rPr lang="en-US"/>
               <a:t>Click to edit Master text styles</a:t>
             </a:r>
           </a:p>
           <a:p>
             <a:pPr lvl="1"/>
             <a:r>
-              <a:rPr lang="en-US" smtClean="0"/>
+              <a:rPr lang="en-US"/>
               <a:t>Second level</a:t>
             </a:r>
           </a:p>
           <a:p>
             <a:pPr lvl="2"/>
             <a:r>
-              <a:rPr lang="en-US" smtClean="0"/>
+              <a:rPr lang="en-US"/>
               <a:t>Third level</a:t>
             </a:r>
           </a:p>
           <a:p>
             <a:pPr lvl="3"/>
             <a:r>
-              <a:rPr lang="en-US" smtClean="0"/>
+              <a:rPr lang="en-US"/>
               <a:t>Fourth level</a:t>
             </a:r>
           </a:p>
           <a:p>
             <a:pPr lvl="4"/>
             <a:r>
-              <a:rPr lang="en-US" smtClean="0"/>
+              <a:rPr lang="en-US"/>
               <a:t>Fifth level</a:t>
             </a:r>
-            <a:endParaRPr lang="en-US"/>
           </a:p>
         </p:txBody>
       </p:sp>
@@ -661,7 +679,7 @@
             <a:fld id="{1D8BD707-D9CF-40AE-B4C6-C98DA3205C09}" type="datetimeFigureOut">
               <a:rPr lang="en-US" smtClean="0"/>
               <a:pPr/>
-              <a:t>8/1/2011</a:t>
+              <a:t>11/26/25</a:t>
             </a:fld>
             <a:endParaRPr lang="en-US"/>
           </a:p>
@@ -751,10 +769,9 @@
           <a:lstStyle/>
           <a:p>
             <a:r>
-              <a:rPr lang="en-US" smtClean="0"/>
+              <a:rPr lang="en-US"/>
               <a:t>Click to edit Master title style</a:t>
             </a:r>
-            <a:endParaRPr lang="en-US"/>
           </a:p>
         </p:txBody>
       </p:sp>
@@ -775,38 +792,37 @@
           <a:p>
             <a:pPr lvl="0"/>
             <a:r>
-              <a:rPr lang="en-US" smtClean="0"/>
+              <a:rPr lang="en-US"/>
               <a:t>Click to edit Master text styles</a:t>
             </a:r>
           </a:p>
           <a:p>
             <a:pPr lvl="1"/>
             <a:r>
-              <a:rPr lang="en-US" smtClean="0"/>
+              <a:rPr lang="en-US"/>
               <a:t>Second level</a:t>
             </a:r>
           </a:p>
           <a:p>
             <a:pPr lvl="2"/>
             <a:r>
-              <a:rPr lang="en-US" smtClean="0"/>
+              <a:rPr lang="en-US"/>
               <a:t>Third level</a:t>
             </a:r>
           </a:p>
           <a:p>
             <a:pPr lvl="3"/>
             <a:r>
-              <a:rPr lang="en-US" smtClean="0"/>
+              <a:rPr lang="en-US"/>
               <a:t>Fourth level</a:t>
             </a:r>
           </a:p>
           <a:p>
             <a:pPr lvl="4"/>
             <a:r>
-              <a:rPr lang="en-US" smtClean="0"/>
+              <a:rPr lang="en-US"/>
               <a:t>Fifth level</a:t>
             </a:r>
-            <a:endParaRPr lang="en-US"/>
           </a:p>
         </p:txBody>
       </p:sp>
@@ -828,7 +844,7 @@
             <a:fld id="{1D8BD707-D9CF-40AE-B4C6-C98DA3205C09}" type="datetimeFigureOut">
               <a:rPr lang="en-US" smtClean="0"/>
               <a:pPr/>
-              <a:t>8/1/2011</a:t>
+              <a:t>11/26/25</a:t>
             </a:fld>
             <a:endParaRPr lang="en-US"/>
           </a:p>
@@ -927,10 +943,9 @@
           </a:lstStyle>
           <a:p>
             <a:r>
-              <a:rPr lang="en-US" smtClean="0"/>
+              <a:rPr lang="en-US"/>
               <a:t>Click to edit Master title style</a:t>
             </a:r>
-            <a:endParaRPr lang="en-US"/>
           </a:p>
         </p:txBody>
       </p:sp>
@@ -1047,7 +1062,7 @@
           <a:p>
             <a:pPr lvl="0"/>
             <a:r>
-              <a:rPr lang="en-US" smtClean="0"/>
+              <a:rPr lang="en-US"/>
               <a:t>Click to edit Master text styles</a:t>
             </a:r>
           </a:p>
@@ -1071,7 +1086,7 @@
             <a:fld id="{1D8BD707-D9CF-40AE-B4C6-C98DA3205C09}" type="datetimeFigureOut">
               <a:rPr lang="en-US" smtClean="0"/>
               <a:pPr/>
-              <a:t>8/1/2011</a:t>
+              <a:t>11/26/25</a:t>
             </a:fld>
             <a:endParaRPr lang="en-US"/>
           </a:p>
@@ -1161,10 +1176,9 @@
           <a:lstStyle/>
           <a:p>
             <a:r>
-              <a:rPr lang="en-US" smtClean="0"/>
+              <a:rPr lang="en-US"/>
               <a:t>Click to edit Master title style</a:t>
             </a:r>
-            <a:endParaRPr lang="en-US"/>
           </a:p>
         </p:txBody>
       </p:sp>
@@ -1218,38 +1232,37 @@
           <a:p>
             <a:pPr lvl="0"/>
             <a:r>
-              <a:rPr lang="en-US" smtClean="0"/>
+              <a:rPr lang="en-US"/>
               <a:t>Click to edit Master text styles</a:t>
             </a:r>
           </a:p>
           <a:p>
             <a:pPr lvl="1"/>
             <a:r>
-              <a:rPr lang="en-US" smtClean="0"/>
+              <a:rPr lang="en-US"/>
               <a:t>Second level</a:t>
             </a:r>
           </a:p>
           <a:p>
             <a:pPr lvl="2"/>
             <a:r>
-              <a:rPr lang="en-US" smtClean="0"/>
+              <a:rPr lang="en-US"/>
               <a:t>Third level</a:t>
             </a:r>
           </a:p>
           <a:p>
             <a:pPr lvl="3"/>
             <a:r>
-              <a:rPr lang="en-US" smtClean="0"/>
+              <a:rPr lang="en-US"/>
               <a:t>Fourth level</a:t>
             </a:r>
           </a:p>
           <a:p>
             <a:pPr lvl="4"/>
             <a:r>
-              <a:rPr lang="en-US" smtClean="0"/>
+              <a:rPr lang="en-US"/>
               <a:t>Fifth level</a:t>
             </a:r>
-            <a:endParaRPr lang="en-US"/>
           </a:p>
         </p:txBody>
       </p:sp>
@@ -1303,38 +1316,37 @@
           <a:p>
             <a:pPr lvl="0"/>
             <a:r>
-              <a:rPr lang="en-US" smtClean="0"/>
+              <a:rPr lang="en-US"/>
               <a:t>Click to edit Master text styles</a:t>
             </a:r>
           </a:p>
           <a:p>
             <a:pPr lvl="1"/>
             <a:r>
-              <a:rPr lang="en-US" smtClean="0"/>
+              <a:rPr lang="en-US"/>
               <a:t>Second level</a:t>
             </a:r>
           </a:p>
           <a:p>
             <a:pPr lvl="2"/>
             <a:r>
-              <a:rPr lang="en-US" smtClean="0"/>
+              <a:rPr lang="en-US"/>
               <a:t>Third level</a:t>
             </a:r>
           </a:p>
           <a:p>
             <a:pPr lvl="3"/>
             <a:r>
-              <a:rPr lang="en-US" smtClean="0"/>
+              <a:rPr lang="en-US"/>
               <a:t>Fourth level</a:t>
             </a:r>
           </a:p>
           <a:p>
             <a:pPr lvl="4"/>
             <a:r>
-              <a:rPr lang="en-US" smtClean="0"/>
+              <a:rPr lang="en-US"/>
               <a:t>Fifth level</a:t>
             </a:r>
-            <a:endParaRPr lang="en-US"/>
           </a:p>
         </p:txBody>
       </p:sp>
@@ -1356,7 +1368,7 @@
             <a:fld id="{1D8BD707-D9CF-40AE-B4C6-C98DA3205C09}" type="datetimeFigureOut">
               <a:rPr lang="en-US" smtClean="0"/>
               <a:pPr/>
-              <a:t>8/1/2011</a:t>
+              <a:t>11/26/25</a:t>
             </a:fld>
             <a:endParaRPr lang="en-US"/>
           </a:p>
@@ -1450,10 +1462,9 @@
           </a:lstStyle>
           <a:p>
             <a:r>
-              <a:rPr lang="en-US" smtClean="0"/>
+              <a:rPr lang="en-US"/>
               <a:t>Click to edit Master title style</a:t>
             </a:r>
-            <a:endParaRPr lang="en-US"/>
           </a:p>
         </p:txBody>
       </p:sp>
@@ -1516,7 +1527,7 @@
           <a:p>
             <a:pPr lvl="0"/>
             <a:r>
-              <a:rPr lang="en-US" smtClean="0"/>
+              <a:rPr lang="en-US"/>
               <a:t>Click to edit Master text styles</a:t>
             </a:r>
           </a:p>
@@ -1572,38 +1583,37 @@
           <a:p>
             <a:pPr lvl="0"/>
             <a:r>
-              <a:rPr lang="en-US" smtClean="0"/>
+              <a:rPr lang="en-US"/>
               <a:t>Click to edit Master text styles</a:t>
             </a:r>
           </a:p>
           <a:p>
             <a:pPr lvl="1"/>
             <a:r>
-              <a:rPr lang="en-US" smtClean="0"/>
+              <a:rPr lang="en-US"/>
               <a:t>Second level</a:t>
             </a:r>
           </a:p>
           <a:p>
             <a:pPr lvl="2"/>
             <a:r>
-              <a:rPr lang="en-US" smtClean="0"/>
+              <a:rPr lang="en-US"/>
               <a:t>Third level</a:t>
             </a:r>
           </a:p>
           <a:p>
             <a:pPr lvl="3"/>
             <a:r>
-              <a:rPr lang="en-US" smtClean="0"/>
+              <a:rPr lang="en-US"/>
               <a:t>Fourth level</a:t>
             </a:r>
           </a:p>
           <a:p>
             <a:pPr lvl="4"/>
             <a:r>
-              <a:rPr lang="en-US" smtClean="0"/>
+              <a:rPr lang="en-US"/>
               <a:t>Fifth level</a:t>
             </a:r>
-            <a:endParaRPr lang="en-US"/>
           </a:p>
         </p:txBody>
       </p:sp>
@@ -1666,7 +1676,7 @@
           <a:p>
             <a:pPr lvl="0"/>
             <a:r>
-              <a:rPr lang="en-US" smtClean="0"/>
+              <a:rPr lang="en-US"/>
               <a:t>Click to edit Master text styles</a:t>
             </a:r>
           </a:p>
@@ -1722,38 +1732,37 @@
           <a:p>
             <a:pPr lvl="0"/>
             <a:r>
-              <a:rPr lang="en-US" smtClean="0"/>
+              <a:rPr lang="en-US"/>
               <a:t>Click to edit Master text styles</a:t>
             </a:r>
           </a:p>
           <a:p>
             <a:pPr lvl="1"/>
             <a:r>
-              <a:rPr lang="en-US" smtClean="0"/>
+              <a:rPr lang="en-US"/>
               <a:t>Second level</a:t>
             </a:r>
           </a:p>
           <a:p>
             <a:pPr lvl="2"/>
             <a:r>
-              <a:rPr lang="en-US" smtClean="0"/>
+              <a:rPr lang="en-US"/>
               <a:t>Third level</a:t>
             </a:r>
           </a:p>
           <a:p>
             <a:pPr lvl="3"/>
             <a:r>
-              <a:rPr lang="en-US" smtClean="0"/>
+              <a:rPr lang="en-US"/>
               <a:t>Fourth level</a:t>
             </a:r>
           </a:p>
           <a:p>
             <a:pPr lvl="4"/>
             <a:r>
-              <a:rPr lang="en-US" smtClean="0"/>
+              <a:rPr lang="en-US"/>
               <a:t>Fifth level</a:t>
             </a:r>
-            <a:endParaRPr lang="en-US"/>
           </a:p>
         </p:txBody>
       </p:sp>
@@ -1775,7 +1784,7 @@
             <a:fld id="{1D8BD707-D9CF-40AE-B4C6-C98DA3205C09}" type="datetimeFigureOut">
               <a:rPr lang="en-US" smtClean="0"/>
               <a:pPr/>
-              <a:t>8/1/2011</a:t>
+              <a:t>11/26/25</a:t>
             </a:fld>
             <a:endParaRPr lang="en-US"/>
           </a:p>
@@ -1865,10 +1874,9 @@
           <a:lstStyle/>
           <a:p>
             <a:r>
-              <a:rPr lang="en-US" smtClean="0"/>
+              <a:rPr lang="en-US"/>
               <a:t>Click to edit Master title style</a:t>
             </a:r>
-            <a:endParaRPr lang="en-US"/>
           </a:p>
         </p:txBody>
       </p:sp>
@@ -1890,7 +1898,7 @@
             <a:fld id="{1D8BD707-D9CF-40AE-B4C6-C98DA3205C09}" type="datetimeFigureOut">
               <a:rPr lang="en-US" smtClean="0"/>
               <a:pPr/>
-              <a:t>8/1/2011</a:t>
+              <a:t>11/26/25</a:t>
             </a:fld>
             <a:endParaRPr lang="en-US"/>
           </a:p>
@@ -1982,7 +1990,7 @@
             <a:fld id="{1D8BD707-D9CF-40AE-B4C6-C98DA3205C09}" type="datetimeFigureOut">
               <a:rPr lang="en-US" smtClean="0"/>
               <a:pPr/>
-              <a:t>8/1/2011</a:t>
+              <a:t>11/26/25</a:t>
             </a:fld>
             <a:endParaRPr lang="en-US"/>
           </a:p>
@@ -2081,10 +2089,9 @@
           </a:lstStyle>
           <a:p>
             <a:r>
-              <a:rPr lang="en-US" smtClean="0"/>
+              <a:rPr lang="en-US"/>
               <a:t>Click to edit Master title style</a:t>
             </a:r>
-            <a:endParaRPr lang="en-US"/>
           </a:p>
         </p:txBody>
       </p:sp>
@@ -2138,38 +2145,37 @@
           <a:p>
             <a:pPr lvl="0"/>
             <a:r>
-              <a:rPr lang="en-US" smtClean="0"/>
+              <a:rPr lang="en-US"/>
               <a:t>Click to edit Master text styles</a:t>
             </a:r>
           </a:p>
           <a:p>
             <a:pPr lvl="1"/>
             <a:r>
-              <a:rPr lang="en-US" smtClean="0"/>
+              <a:rPr lang="en-US"/>
               <a:t>Second level</a:t>
             </a:r>
           </a:p>
           <a:p>
             <a:pPr lvl="2"/>
             <a:r>
-              <a:rPr lang="en-US" smtClean="0"/>
+              <a:rPr lang="en-US"/>
               <a:t>Third level</a:t>
             </a:r>
           </a:p>
           <a:p>
             <a:pPr lvl="3"/>
             <a:r>
-              <a:rPr lang="en-US" smtClean="0"/>
+              <a:rPr lang="en-US"/>
               <a:t>Fourth level</a:t>
             </a:r>
           </a:p>
           <a:p>
             <a:pPr lvl="4"/>
             <a:r>
-              <a:rPr lang="en-US" smtClean="0"/>
+              <a:rPr lang="en-US"/>
               <a:t>Fifth level</a:t>
             </a:r>
-            <a:endParaRPr lang="en-US"/>
           </a:p>
         </p:txBody>
       </p:sp>
@@ -2232,7 +2238,7 @@
           <a:p>
             <a:pPr lvl="0"/>
             <a:r>
-              <a:rPr lang="en-US" smtClean="0"/>
+              <a:rPr lang="en-US"/>
               <a:t>Click to edit Master text styles</a:t>
             </a:r>
           </a:p>
@@ -2256,7 +2262,7 @@
             <a:fld id="{1D8BD707-D9CF-40AE-B4C6-C98DA3205C09}" type="datetimeFigureOut">
               <a:rPr lang="en-US" smtClean="0"/>
               <a:pPr/>
-              <a:t>8/1/2011</a:t>
+              <a:t>11/26/25</a:t>
             </a:fld>
             <a:endParaRPr lang="en-US"/>
           </a:p>
@@ -2355,10 +2361,9 @@
           </a:lstStyle>
           <a:p>
             <a:r>
-              <a:rPr lang="en-US" smtClean="0"/>
+              <a:rPr lang="en-US"/>
               <a:t>Click to edit Master title style</a:t>
             </a:r>
-            <a:endParaRPr lang="en-US"/>
           </a:p>
         </p:txBody>
       </p:sp>
@@ -2482,7 +2487,7 @@
           <a:p>
             <a:pPr lvl="0"/>
             <a:r>
-              <a:rPr lang="en-US" smtClean="0"/>
+              <a:rPr lang="en-US"/>
               <a:t>Click to edit Master text styles</a:t>
             </a:r>
           </a:p>
@@ -2506,7 +2511,7 @@
             <a:fld id="{1D8BD707-D9CF-40AE-B4C6-C98DA3205C09}" type="datetimeFigureOut">
               <a:rPr lang="en-US" smtClean="0"/>
               <a:pPr/>
-              <a:t>8/1/2011</a:t>
+              <a:t>11/26/25</a:t>
             </a:fld>
             <a:endParaRPr lang="en-US"/>
           </a:p>
@@ -2611,10 +2616,9 @@
           <a:lstStyle/>
           <a:p>
             <a:r>
-              <a:rPr lang="en-US" smtClean="0"/>
+              <a:rPr lang="en-US"/>
               <a:t>Click to edit Master title style</a:t>
             </a:r>
-            <a:endParaRPr lang="en-US"/>
           </a:p>
         </p:txBody>
       </p:sp>
@@ -2645,38 +2649,37 @@
           <a:p>
             <a:pPr lvl="0"/>
             <a:r>
-              <a:rPr lang="en-US" smtClean="0"/>
+              <a:rPr lang="en-US"/>
               <a:t>Click to edit Master text styles</a:t>
             </a:r>
           </a:p>
           <a:p>
             <a:pPr lvl="1"/>
             <a:r>
-              <a:rPr lang="en-US" smtClean="0"/>
+              <a:rPr lang="en-US"/>
               <a:t>Second level</a:t>
             </a:r>
           </a:p>
           <a:p>
             <a:pPr lvl="2"/>
             <a:r>
-              <a:rPr lang="en-US" smtClean="0"/>
+              <a:rPr lang="en-US"/>
               <a:t>Third level</a:t>
             </a:r>
           </a:p>
           <a:p>
             <a:pPr lvl="3"/>
             <a:r>
-              <a:rPr lang="en-US" smtClean="0"/>
+              <a:rPr lang="en-US"/>
               <a:t>Fourth level</a:t>
             </a:r>
           </a:p>
           <a:p>
             <a:pPr lvl="4"/>
             <a:r>
-              <a:rPr lang="en-US" smtClean="0"/>
+              <a:rPr lang="en-US"/>
               <a:t>Fifth level</a:t>
             </a:r>
-            <a:endParaRPr lang="en-US"/>
           </a:p>
         </p:txBody>
       </p:sp>
@@ -2716,7 +2719,7 @@
             <a:fld id="{1D8BD707-D9CF-40AE-B4C6-C98DA3205C09}" type="datetimeFigureOut">
               <a:rPr lang="en-US" smtClean="0"/>
               <a:pPr/>
-              <a:t>8/1/2011</a:t>
+              <a:t>11/26/25</a:t>
             </a:fld>
             <a:endParaRPr lang="en-US"/>
           </a:p>
@@ -3071,7 +3074,7 @@
 </file>
 
 <file path=ppt/slides/slide1.xml><?xml version="1.0" encoding="utf-8"?>
-<p:sld xmlns:p="http://schemas.openxmlformats.org/presentationml/2006/main" xmlns:a="http://schemas.openxmlformats.org/drawingml/2006/main" xmlns:r="http://schemas.openxmlformats.org/officeDocument/2006/relationships">
+<p:sld xmlns:a="http://schemas.openxmlformats.org/drawingml/2006/main" xmlns:r="http://schemas.openxmlformats.org/officeDocument/2006/relationships" xmlns:p="http://schemas.openxmlformats.org/presentationml/2006/main">
   <p:cSld>
     <p:spTree>
       <p:nvGrpSpPr>
@@ -3089,12 +3092,12 @@
       </p:grpSpPr>
       <p:grpSp>
         <p:nvGrpSpPr>
-          <p:cNvPr name="Group 2" id="2"/>
+          <p:cNvPr id="2" name="Group 2"/>
           <p:cNvGrpSpPr/>
           <p:nvPr/>
         </p:nvGrpSpPr>
         <p:grpSpPr>
-          <a:xfrm rot="0">
+          <a:xfrm>
             <a:off x="0" y="0"/>
             <a:ext cx="18288000" cy="10287000"/>
             <a:chOff x="0" y="0"/>
@@ -3103,12 +3106,12 @@
         </p:grpSpPr>
         <p:sp>
           <p:nvSpPr>
-            <p:cNvPr name="Freeform 3" id="3"/>
+            <p:cNvPr id="3" name="Freeform 3"/>
             <p:cNvSpPr/>
             <p:nvPr/>
           </p:nvSpPr>
           <p:spPr>
-            <a:xfrm flipH="false" flipV="false" rot="0">
+            <a:xfrm>
               <a:off x="0" y="0"/>
               <a:ext cx="24384000" cy="13716000"/>
             </a:xfrm>
@@ -3117,9 +3120,9 @@
               <a:gdLst/>
               <a:ahLst/>
               <a:cxnLst/>
-              <a:rect r="r" b="b" t="t" l="l"/>
+              <a:rect l="l" t="t" r="r" b="b"/>
               <a:pathLst>
-                <a:path h="13716000" w="24384000">
+                <a:path w="24384000" h="13716000">
                   <a:moveTo>
                     <a:pt x="0" y="0"/>
                   </a:moveTo>
@@ -3145,16 +3148,23 @@
               </a:solidFill>
             </a:ln>
           </p:spPr>
+          <p:txBody>
+            <a:bodyPr/>
+            <a:lstStyle/>
+            <a:p>
+              <a:endParaRPr lang="en-US"/>
+            </a:p>
+          </p:txBody>
         </p:sp>
       </p:grpSp>
       <p:grpSp>
         <p:nvGrpSpPr>
-          <p:cNvPr name="Group 4" id="4"/>
+          <p:cNvPr id="4" name="Group 4"/>
           <p:cNvGrpSpPr/>
           <p:nvPr/>
         </p:nvGrpSpPr>
         <p:grpSpPr>
-          <a:xfrm rot="0">
+          <a:xfrm>
             <a:off x="0" y="0"/>
             <a:ext cx="18288000" cy="10287000"/>
             <a:chOff x="0" y="0"/>
@@ -3163,12 +3173,12 @@
         </p:grpSpPr>
         <p:sp>
           <p:nvSpPr>
-            <p:cNvPr name="Freeform 5" id="5"/>
+            <p:cNvPr id="5" name="Freeform 5"/>
             <p:cNvSpPr/>
             <p:nvPr/>
           </p:nvSpPr>
           <p:spPr>
-            <a:xfrm flipH="false" flipV="false" rot="0">
+            <a:xfrm>
               <a:off x="0" y="0"/>
               <a:ext cx="24384000" cy="13716000"/>
             </a:xfrm>
@@ -3177,9 +3187,9 @@
               <a:gdLst/>
               <a:ahLst/>
               <a:cxnLst/>
-              <a:rect r="r" b="b" t="t" l="l"/>
+              <a:rect l="l" t="t" r="r" b="b"/>
               <a:pathLst>
-                <a:path h="13716000" w="24384000">
+                <a:path w="24384000" h="13716000">
                   <a:moveTo>
                     <a:pt x="0" y="0"/>
                   </a:moveTo>
@@ -3207,16 +3217,23 @@
               </a:solidFill>
             </a:ln>
           </p:spPr>
+          <p:txBody>
+            <a:bodyPr/>
+            <a:lstStyle/>
+            <a:p>
+              <a:endParaRPr lang="en-US"/>
+            </a:p>
+          </p:txBody>
         </p:sp>
       </p:grpSp>
       <p:grpSp>
         <p:nvGrpSpPr>
-          <p:cNvPr name="Group 6" id="6"/>
+          <p:cNvPr id="6" name="Group 6"/>
           <p:cNvGrpSpPr/>
           <p:nvPr/>
         </p:nvGrpSpPr>
         <p:grpSpPr>
-          <a:xfrm rot="0">
+          <a:xfrm>
             <a:off x="11430000" y="0"/>
             <a:ext cx="6858000" cy="10287000"/>
             <a:chOff x="0" y="0"/>
@@ -3225,12 +3242,12 @@
         </p:grpSpPr>
         <p:sp>
           <p:nvSpPr>
-            <p:cNvPr name="Freeform 7" id="7" descr="preencoded.png"/>
+            <p:cNvPr id="7" name="Freeform 7" descr="preencoded.png"/>
             <p:cNvSpPr/>
             <p:nvPr/>
           </p:nvSpPr>
           <p:spPr>
-            <a:xfrm flipH="false" flipV="false" rot="0">
+            <a:xfrm>
               <a:off x="0" y="0"/>
               <a:ext cx="9144000" cy="13716000"/>
             </a:xfrm>
@@ -3239,9 +3256,9 @@
               <a:gdLst/>
               <a:ahLst/>
               <a:cxnLst/>
-              <a:rect r="r" b="b" t="t" l="l"/>
+              <a:rect l="l" t="t" r="r" b="b"/>
               <a:pathLst>
-                <a:path h="13716000" w="9144000">
+                <a:path w="9144000" h="13716000">
                   <a:moveTo>
                     <a:pt x="0" y="0"/>
                   </a:moveTo>
@@ -3264,20 +3281,27 @@
             <a:blipFill>
               <a:blip r:embed="rId2"/>
               <a:stretch>
-                <a:fillRect l="0" t="0" r="0" b="0"/>
+                <a:fillRect/>
               </a:stretch>
             </a:blipFill>
           </p:spPr>
+          <p:txBody>
+            <a:bodyPr/>
+            <a:lstStyle/>
+            <a:p>
+              <a:endParaRPr lang="en-US"/>
+            </a:p>
+          </p:txBody>
         </p:sp>
       </p:grpSp>
       <p:grpSp>
         <p:nvGrpSpPr>
-          <p:cNvPr name="Group 8" id="8"/>
+          <p:cNvPr id="8" name="Group 8"/>
           <p:cNvGrpSpPr/>
           <p:nvPr/>
         </p:nvGrpSpPr>
         <p:grpSpPr>
-          <a:xfrm rot="0">
+          <a:xfrm>
             <a:off x="11784360" y="3570238"/>
             <a:ext cx="6149131" cy="3146375"/>
             <a:chOff x="0" y="0"/>
@@ -3286,12 +3310,12 @@
         </p:grpSpPr>
         <p:sp>
           <p:nvSpPr>
-            <p:cNvPr name="Freeform 9" id="9" descr="preencoded.png"/>
+            <p:cNvPr id="9" name="Freeform 9" descr="preencoded.png"/>
             <p:cNvSpPr/>
             <p:nvPr/>
           </p:nvSpPr>
           <p:spPr>
-            <a:xfrm flipH="false" flipV="false" rot="0">
+            <a:xfrm>
               <a:off x="0" y="0"/>
               <a:ext cx="8198866" cy="4195191"/>
             </a:xfrm>
@@ -3300,9 +3324,9 @@
               <a:gdLst/>
               <a:ahLst/>
               <a:cxnLst/>
-              <a:rect r="r" b="b" t="t" l="l"/>
+              <a:rect l="l" t="t" r="r" b="b"/>
               <a:pathLst>
-                <a:path h="4195191" w="8198866">
+                <a:path w="8198866" h="4195191">
                   <a:moveTo>
                     <a:pt x="0" y="0"/>
                   </a:moveTo>
@@ -3325,29 +3349,36 @@
             <a:blipFill>
               <a:blip r:embed="rId3"/>
               <a:stretch>
-                <a:fillRect l="-1" t="0" r="0" b="0"/>
+                <a:fillRect l="-1"/>
               </a:stretch>
             </a:blipFill>
           </p:spPr>
+          <p:txBody>
+            <a:bodyPr/>
+            <a:lstStyle/>
+            <a:p>
+              <a:endParaRPr lang="en-US"/>
+            </a:p>
+          </p:txBody>
         </p:sp>
       </p:grpSp>
       <p:sp>
         <p:nvSpPr>
-          <p:cNvPr name="TextBox 10" id="10"/>
-          <p:cNvSpPr txBox="true"/>
+          <p:cNvPr id="10" name="TextBox 10"/>
+          <p:cNvSpPr txBox="1"/>
           <p:nvPr/>
         </p:nvSpPr>
         <p:spPr>
-          <a:xfrm rot="0">
+          <a:xfrm>
             <a:off x="992238" y="2671465"/>
-            <a:ext cx="10213917" cy="1747837"/>
+            <a:ext cx="10213918" cy="823110"/>
           </a:xfrm>
           <a:prstGeom prst="rect">
             <a:avLst/>
           </a:prstGeom>
         </p:spPr>
         <p:txBody>
-          <a:bodyPr anchor="t" rtlCol="false" tIns="0" lIns="0" bIns="0" rIns="0">
+          <a:bodyPr wrap="square" lIns="0" tIns="0" rIns="0" bIns="0" rtlCol="0" anchor="t">
             <a:spAutoFit/>
           </a:bodyPr>
           <a:lstStyle/>
@@ -3358,7 +3389,7 @@
               </a:lnSpc>
             </a:pPr>
             <a:r>
-              <a:rPr lang="en-US" sz="5562">
+              <a:rPr lang="en-US" sz="5200" dirty="0">
                 <a:solidFill>
                   <a:srgbClr val="1B1B27"/>
                 </a:solidFill>
@@ -3374,12 +3405,12 @@
       </p:sp>
       <p:sp>
         <p:nvSpPr>
-          <p:cNvPr name="TextBox 11" id="11"/>
-          <p:cNvSpPr txBox="true"/>
+          <p:cNvPr id="11" name="TextBox 11"/>
+          <p:cNvSpPr txBox="1"/>
           <p:nvPr/>
         </p:nvSpPr>
         <p:spPr>
-          <a:xfrm rot="0">
+          <a:xfrm>
             <a:off x="992238" y="4556820"/>
             <a:ext cx="7458670" cy="471487"/>
           </a:xfrm>
@@ -3388,7 +3419,7 @@
           </a:prstGeom>
         </p:spPr>
         <p:txBody>
-          <a:bodyPr anchor="t" rtlCol="false" tIns="0" lIns="0" bIns="0" rIns="0">
+          <a:bodyPr lIns="0" tIns="0" rIns="0" bIns="0" rtlCol="0" anchor="t">
             <a:spAutoFit/>
           </a:bodyPr>
           <a:lstStyle/>
@@ -3415,12 +3446,12 @@
       </p:sp>
       <p:sp>
         <p:nvSpPr>
-          <p:cNvPr name="TextBox 12" id="12"/>
-          <p:cNvSpPr txBox="true"/>
+          <p:cNvPr id="12" name="TextBox 12"/>
+          <p:cNvSpPr txBox="1"/>
           <p:nvPr/>
         </p:nvSpPr>
         <p:spPr>
-          <a:xfrm rot="0">
+          <a:xfrm>
             <a:off x="992238" y="5358259"/>
             <a:ext cx="9445526" cy="1002506"/>
           </a:xfrm>
@@ -3429,7 +3460,7 @@
           </a:prstGeom>
         </p:spPr>
         <p:txBody>
-          <a:bodyPr anchor="t" rtlCol="false" tIns="0" lIns="0" bIns="0" rIns="0">
+          <a:bodyPr lIns="0" tIns="0" rIns="0" bIns="0" rtlCol="0" anchor="t">
             <a:spAutoFit/>
           </a:bodyPr>
           <a:lstStyle/>
@@ -3440,7 +3471,7 @@
               </a:lnSpc>
             </a:pPr>
             <a:r>
-              <a:rPr lang="en-US" sz="2187" b="true">
+              <a:rPr lang="en-US" sz="2187" b="1">
                 <a:solidFill>
                   <a:srgbClr val="3C3939"/>
                 </a:solidFill>
@@ -3468,12 +3499,12 @@
       </p:sp>
       <p:sp>
         <p:nvSpPr>
-          <p:cNvPr name="TextBox 13" id="13"/>
-          <p:cNvSpPr txBox="true"/>
+          <p:cNvPr id="13" name="TextBox 13"/>
+          <p:cNvSpPr txBox="1"/>
           <p:nvPr/>
         </p:nvSpPr>
         <p:spPr>
-          <a:xfrm rot="0">
+          <a:xfrm>
             <a:off x="992237" y="5997957"/>
             <a:ext cx="9445526" cy="871617"/>
           </a:xfrm>
@@ -3482,7 +3513,7 @@
           </a:prstGeom>
         </p:spPr>
         <p:txBody>
-          <a:bodyPr anchor="t" rtlCol="false" tIns="0" lIns="0" bIns="0" rIns="0">
+          <a:bodyPr lIns="0" tIns="0" rIns="0" bIns="0" rtlCol="0" anchor="t">
             <a:spAutoFit/>
           </a:bodyPr>
           <a:lstStyle/>
@@ -3493,7 +3524,7 @@
               </a:lnSpc>
             </a:pPr>
             <a:r>
-              <a:rPr lang="en-US" sz="2187" b="true">
+              <a:rPr lang="en-US" sz="2187" b="1">
                 <a:solidFill>
                   <a:srgbClr val="3C3939"/>
                 </a:solidFill>
@@ -3547,7 +3578,7 @@
 </file>
 
 <file path=ppt/slides/slide10.xml><?xml version="1.0" encoding="utf-8"?>
-<p:sld xmlns:p="http://schemas.openxmlformats.org/presentationml/2006/main" xmlns:a="http://schemas.openxmlformats.org/drawingml/2006/main" xmlns:r="http://schemas.openxmlformats.org/officeDocument/2006/relationships">
+<p:sld xmlns:a="http://schemas.openxmlformats.org/drawingml/2006/main" xmlns:r="http://schemas.openxmlformats.org/officeDocument/2006/relationships" xmlns:p="http://schemas.openxmlformats.org/presentationml/2006/main">
   <p:cSld>
     <p:spTree>
       <p:nvGrpSpPr>
@@ -3565,12 +3596,12 @@
       </p:grpSpPr>
       <p:grpSp>
         <p:nvGrpSpPr>
-          <p:cNvPr name="Group 2" id="2"/>
+          <p:cNvPr id="2" name="Group 2"/>
           <p:cNvGrpSpPr/>
           <p:nvPr/>
         </p:nvGrpSpPr>
         <p:grpSpPr>
-          <a:xfrm rot="0">
+          <a:xfrm>
             <a:off x="0" y="0"/>
             <a:ext cx="18288000" cy="10287000"/>
             <a:chOff x="0" y="0"/>
@@ -3579,12 +3610,12 @@
         </p:grpSpPr>
         <p:sp>
           <p:nvSpPr>
-            <p:cNvPr name="Freeform 3" id="3"/>
+            <p:cNvPr id="3" name="Freeform 3"/>
             <p:cNvSpPr/>
             <p:nvPr/>
           </p:nvSpPr>
           <p:spPr>
-            <a:xfrm flipH="false" flipV="false" rot="0">
+            <a:xfrm>
               <a:off x="0" y="0"/>
               <a:ext cx="24384000" cy="13716000"/>
             </a:xfrm>
@@ -3593,9 +3624,9 @@
               <a:gdLst/>
               <a:ahLst/>
               <a:cxnLst/>
-              <a:rect r="r" b="b" t="t" l="l"/>
+              <a:rect l="l" t="t" r="r" b="b"/>
               <a:pathLst>
-                <a:path h="13716000" w="24384000">
+                <a:path w="24384000" h="13716000">
                   <a:moveTo>
                     <a:pt x="0" y="0"/>
                   </a:moveTo>
@@ -3621,16 +3652,23 @@
               </a:solidFill>
             </a:ln>
           </p:spPr>
+          <p:txBody>
+            <a:bodyPr/>
+            <a:lstStyle/>
+            <a:p>
+              <a:endParaRPr lang="en-US"/>
+            </a:p>
+          </p:txBody>
         </p:sp>
       </p:grpSp>
       <p:grpSp>
         <p:nvGrpSpPr>
-          <p:cNvPr name="Group 4" id="4"/>
+          <p:cNvPr id="4" name="Group 4"/>
           <p:cNvGrpSpPr/>
           <p:nvPr/>
         </p:nvGrpSpPr>
         <p:grpSpPr>
-          <a:xfrm rot="0">
+          <a:xfrm>
             <a:off x="0" y="0"/>
             <a:ext cx="18288000" cy="10287000"/>
             <a:chOff x="0" y="0"/>
@@ -3639,12 +3677,12 @@
         </p:grpSpPr>
         <p:sp>
           <p:nvSpPr>
-            <p:cNvPr name="Freeform 5" id="5"/>
+            <p:cNvPr id="5" name="Freeform 5"/>
             <p:cNvSpPr/>
             <p:nvPr/>
           </p:nvSpPr>
           <p:spPr>
-            <a:xfrm flipH="false" flipV="false" rot="0">
+            <a:xfrm>
               <a:off x="0" y="0"/>
               <a:ext cx="24384000" cy="13716000"/>
             </a:xfrm>
@@ -3653,9 +3691,9 @@
               <a:gdLst/>
               <a:ahLst/>
               <a:cxnLst/>
-              <a:rect r="r" b="b" t="t" l="l"/>
+              <a:rect l="l" t="t" r="r" b="b"/>
               <a:pathLst>
-                <a:path h="13716000" w="24384000">
+                <a:path w="24384000" h="13716000">
                   <a:moveTo>
                     <a:pt x="0" y="0"/>
                   </a:moveTo>
@@ -3683,16 +3721,23 @@
               </a:solidFill>
             </a:ln>
           </p:spPr>
+          <p:txBody>
+            <a:bodyPr/>
+            <a:lstStyle/>
+            <a:p>
+              <a:endParaRPr lang="en-US"/>
+            </a:p>
+          </p:txBody>
         </p:sp>
       </p:grpSp>
       <p:sp>
         <p:nvSpPr>
-          <p:cNvPr name="TextBox 6" id="6"/>
-          <p:cNvSpPr txBox="true"/>
+          <p:cNvPr id="6" name="TextBox 6"/>
+          <p:cNvSpPr txBox="1"/>
           <p:nvPr/>
         </p:nvSpPr>
         <p:spPr>
-          <a:xfrm rot="0">
+          <a:xfrm>
             <a:off x="780157" y="593972"/>
             <a:ext cx="5572869" cy="715715"/>
           </a:xfrm>
@@ -3701,7 +3746,7 @@
           </a:prstGeom>
         </p:spPr>
         <p:txBody>
-          <a:bodyPr anchor="t" rtlCol="false" tIns="0" lIns="0" bIns="0" rIns="0">
+          <a:bodyPr lIns="0" tIns="0" rIns="0" bIns="0" rtlCol="0" anchor="t">
             <a:spAutoFit/>
           </a:bodyPr>
           <a:lstStyle/>
@@ -3728,12 +3773,12 @@
       </p:sp>
       <p:sp>
         <p:nvSpPr>
-          <p:cNvPr name="TextBox 7" id="7"/>
-          <p:cNvSpPr txBox="true"/>
+          <p:cNvPr id="7" name="TextBox 7"/>
+          <p:cNvSpPr txBox="1"/>
           <p:nvPr/>
         </p:nvSpPr>
         <p:spPr>
-          <a:xfrm rot="0">
+          <a:xfrm>
             <a:off x="780157" y="1596330"/>
             <a:ext cx="11145887" cy="1440805"/>
           </a:xfrm>
@@ -3742,7 +3787,7 @@
           </a:prstGeom>
         </p:spPr>
         <p:txBody>
-          <a:bodyPr anchor="t" rtlCol="false" tIns="0" lIns="0" bIns="0" rIns="0">
+          <a:bodyPr lIns="0" tIns="0" rIns="0" bIns="0" rtlCol="0" anchor="t">
             <a:spAutoFit/>
           </a:bodyPr>
           <a:lstStyle/>
@@ -3769,12 +3814,12 @@
       </p:sp>
       <p:sp>
         <p:nvSpPr>
-          <p:cNvPr name="TextBox 8" id="8"/>
-          <p:cNvSpPr txBox="true"/>
+          <p:cNvPr id="8" name="TextBox 8"/>
+          <p:cNvSpPr txBox="1"/>
           <p:nvPr/>
         </p:nvSpPr>
         <p:spPr>
-          <a:xfrm rot="0">
+          <a:xfrm>
             <a:off x="3096071" y="4144416"/>
             <a:ext cx="2786360" cy="357783"/>
           </a:xfrm>
@@ -3783,7 +3828,7 @@
           </a:prstGeom>
         </p:spPr>
         <p:txBody>
-          <a:bodyPr anchor="t" rtlCol="false" tIns="0" lIns="0" bIns="0" rIns="0">
+          <a:bodyPr lIns="0" tIns="0" rIns="0" bIns="0" rtlCol="0" anchor="t">
             <a:spAutoFit/>
           </a:bodyPr>
           <a:lstStyle/>
@@ -3810,12 +3855,12 @@
       </p:sp>
       <p:sp>
         <p:nvSpPr>
-          <p:cNvPr name="TextBox 9" id="9"/>
-          <p:cNvSpPr txBox="true"/>
+          <p:cNvPr id="9" name="TextBox 9"/>
+          <p:cNvSpPr txBox="1"/>
           <p:nvPr/>
         </p:nvSpPr>
         <p:spPr>
-          <a:xfrm rot="0">
+          <a:xfrm>
             <a:off x="780157" y="4569173"/>
             <a:ext cx="5102275" cy="779860"/>
           </a:xfrm>
@@ -3824,7 +3869,7 @@
           </a:prstGeom>
         </p:spPr>
         <p:txBody>
-          <a:bodyPr anchor="t" rtlCol="false" tIns="0" lIns="0" bIns="0" rIns="0">
+          <a:bodyPr lIns="0" tIns="0" rIns="0" bIns="0" rtlCol="0" anchor="t">
             <a:spAutoFit/>
           </a:bodyPr>
           <a:lstStyle/>
@@ -3851,12 +3896,12 @@
       </p:sp>
       <p:grpSp>
         <p:nvGrpSpPr>
-          <p:cNvPr name="Group 10" id="10"/>
+          <p:cNvPr id="10" name="Group 10"/>
           <p:cNvGrpSpPr/>
           <p:nvPr/>
         </p:nvGrpSpPr>
         <p:grpSpPr>
-          <a:xfrm rot="0">
+          <a:xfrm>
             <a:off x="6216700" y="3371404"/>
             <a:ext cx="5854601" cy="5854601"/>
             <a:chOff x="0" y="0"/>
@@ -3865,12 +3910,12 @@
         </p:grpSpPr>
         <p:sp>
           <p:nvSpPr>
-            <p:cNvPr name="Freeform 11" id="11" descr="preencoded.png"/>
+            <p:cNvPr id="11" name="Freeform 11" descr="preencoded.png"/>
             <p:cNvSpPr/>
             <p:nvPr/>
           </p:nvSpPr>
           <p:spPr>
-            <a:xfrm flipH="false" flipV="false" rot="0">
+            <a:xfrm>
               <a:off x="0" y="0"/>
               <a:ext cx="7806182" cy="7806182"/>
             </a:xfrm>
@@ -3879,9 +3924,9 @@
               <a:gdLst/>
               <a:ahLst/>
               <a:cxnLst/>
-              <a:rect r="r" b="b" t="t" l="l"/>
+              <a:rect l="l" t="t" r="r" b="b"/>
               <a:pathLst>
-                <a:path h="7806182" w="7806182">
+                <a:path w="7806182" h="7806182">
                   <a:moveTo>
                     <a:pt x="0" y="0"/>
                   </a:moveTo>
@@ -3904,20 +3949,27 @@
             <a:blipFill>
               <a:blip r:embed="rId2"/>
               <a:stretch>
-                <a:fillRect l="0" t="0" r="0" b="0"/>
+                <a:fillRect/>
               </a:stretch>
             </a:blipFill>
           </p:spPr>
+          <p:txBody>
+            <a:bodyPr/>
+            <a:lstStyle/>
+            <a:p>
+              <a:endParaRPr lang="en-US"/>
+            </a:p>
+          </p:txBody>
         </p:sp>
       </p:grpSp>
       <p:sp>
         <p:nvSpPr>
-          <p:cNvPr name="Freeform 12" id="12" descr="preencoded.png"/>
+          <p:cNvPr id="12" name="Freeform 12" descr="preencoded.png"/>
           <p:cNvSpPr/>
           <p:nvPr/>
         </p:nvSpPr>
         <p:spPr>
-          <a:xfrm flipH="false" flipV="false" rot="0">
+          <a:xfrm>
             <a:off x="7528172" y="4682877"/>
             <a:ext cx="333524" cy="333524"/>
           </a:xfrm>
@@ -3926,9 +3978,9 @@
             <a:gdLst/>
             <a:ahLst/>
             <a:cxnLst/>
-            <a:rect r="r" b="b" t="t" l="l"/>
+            <a:rect l="l" t="t" r="r" b="b"/>
             <a:pathLst>
-              <a:path h="333524" w="333524">
+              <a:path w="333524" h="333524">
                 <a:moveTo>
                   <a:pt x="0" y="0"/>
                 </a:moveTo>
@@ -3957,19 +4009,26 @@
               </a:extLst>
             </a:blip>
             <a:stretch>
-              <a:fillRect l="0" t="-9722" r="0" b="-9722"/>
+              <a:fillRect t="-9722" b="-9722"/>
             </a:stretch>
           </a:blipFill>
         </p:spPr>
-      </p:sp>
-      <p:sp>
-        <p:nvSpPr>
-          <p:cNvPr name="TextBox 13" id="13"/>
-          <p:cNvSpPr txBox="true"/>
+        <p:txBody>
+          <a:bodyPr/>
+          <a:lstStyle/>
+          <a:p>
+            <a:endParaRPr lang="en-US"/>
+          </a:p>
+        </p:txBody>
+      </p:sp>
+      <p:sp>
+        <p:nvSpPr>
+          <p:cNvPr id="13" name="TextBox 13"/>
+          <p:cNvSpPr txBox="1"/>
           <p:nvPr/>
         </p:nvSpPr>
         <p:spPr>
-          <a:xfrm rot="0">
+          <a:xfrm>
             <a:off x="12405569" y="4144416"/>
             <a:ext cx="2786360" cy="357783"/>
           </a:xfrm>
@@ -3978,7 +4037,7 @@
           </a:prstGeom>
         </p:spPr>
         <p:txBody>
-          <a:bodyPr anchor="t" rtlCol="false" tIns="0" lIns="0" bIns="0" rIns="0">
+          <a:bodyPr lIns="0" tIns="0" rIns="0" bIns="0" rtlCol="0" anchor="t">
             <a:spAutoFit/>
           </a:bodyPr>
           <a:lstStyle/>
@@ -4005,12 +4064,12 @@
       </p:sp>
       <p:sp>
         <p:nvSpPr>
-          <p:cNvPr name="TextBox 14" id="14"/>
-          <p:cNvSpPr txBox="true"/>
+          <p:cNvPr id="14" name="TextBox 14"/>
+          <p:cNvSpPr txBox="1"/>
           <p:nvPr/>
         </p:nvSpPr>
         <p:spPr>
-          <a:xfrm rot="0">
+          <a:xfrm>
             <a:off x="12405569" y="4569173"/>
             <a:ext cx="5102275" cy="779860"/>
           </a:xfrm>
@@ -4019,7 +4078,7 @@
           </a:prstGeom>
         </p:spPr>
         <p:txBody>
-          <a:bodyPr anchor="t" rtlCol="false" tIns="0" lIns="0" bIns="0" rIns="0">
+          <a:bodyPr lIns="0" tIns="0" rIns="0" bIns="0" rtlCol="0" anchor="t">
             <a:spAutoFit/>
           </a:bodyPr>
           <a:lstStyle/>
@@ -4046,12 +4105,12 @@
       </p:sp>
       <p:grpSp>
         <p:nvGrpSpPr>
-          <p:cNvPr name="Group 15" id="15"/>
+          <p:cNvPr id="15" name="Group 15"/>
           <p:cNvGrpSpPr/>
           <p:nvPr/>
         </p:nvGrpSpPr>
         <p:grpSpPr>
-          <a:xfrm rot="0">
+          <a:xfrm>
             <a:off x="6216700" y="3371404"/>
             <a:ext cx="5854601" cy="5854601"/>
             <a:chOff x="0" y="0"/>
@@ -4060,12 +4119,12 @@
         </p:grpSpPr>
         <p:sp>
           <p:nvSpPr>
-            <p:cNvPr name="Freeform 16" id="16" descr="preencoded.png"/>
+            <p:cNvPr id="16" name="Freeform 16" descr="preencoded.png"/>
             <p:cNvSpPr/>
             <p:nvPr/>
           </p:nvSpPr>
           <p:spPr>
-            <a:xfrm flipH="false" flipV="false" rot="0">
+            <a:xfrm>
               <a:off x="0" y="0"/>
               <a:ext cx="7806182" cy="7806182"/>
             </a:xfrm>
@@ -4074,9 +4133,9 @@
               <a:gdLst/>
               <a:ahLst/>
               <a:cxnLst/>
-              <a:rect r="r" b="b" t="t" l="l"/>
+              <a:rect l="l" t="t" r="r" b="b"/>
               <a:pathLst>
-                <a:path h="7806182" w="7806182">
+                <a:path w="7806182" h="7806182">
                   <a:moveTo>
                     <a:pt x="0" y="0"/>
                   </a:moveTo>
@@ -4099,20 +4158,27 @@
             <a:blipFill>
               <a:blip r:embed="rId5"/>
               <a:stretch>
-                <a:fillRect l="0" t="0" r="0" b="0"/>
+                <a:fillRect/>
               </a:stretch>
             </a:blipFill>
           </p:spPr>
+          <p:txBody>
+            <a:bodyPr/>
+            <a:lstStyle/>
+            <a:p>
+              <a:endParaRPr lang="en-US"/>
+            </a:p>
+          </p:txBody>
         </p:sp>
       </p:grpSp>
       <p:sp>
         <p:nvSpPr>
-          <p:cNvPr name="Freeform 17" id="17" descr="preencoded.png"/>
+          <p:cNvPr id="17" name="Freeform 17" descr="preencoded.png"/>
           <p:cNvSpPr/>
           <p:nvPr/>
         </p:nvSpPr>
         <p:spPr>
-          <a:xfrm flipH="false" flipV="false" rot="0">
+          <a:xfrm>
             <a:off x="10426005" y="4682877"/>
             <a:ext cx="333524" cy="333524"/>
           </a:xfrm>
@@ -4121,9 +4187,9 @@
             <a:gdLst/>
             <a:ahLst/>
             <a:cxnLst/>
-            <a:rect r="r" b="b" t="t" l="l"/>
+            <a:rect l="l" t="t" r="r" b="b"/>
             <a:pathLst>
-              <a:path h="333524" w="333524">
+              <a:path w="333524" h="333524">
                 <a:moveTo>
                   <a:pt x="0" y="0"/>
                 </a:moveTo>
@@ -4152,19 +4218,26 @@
               </a:extLst>
             </a:blip>
             <a:stretch>
-              <a:fillRect l="-1388" t="0" r="-1388" b="0"/>
+              <a:fillRect l="-1388" r="-1388"/>
             </a:stretch>
           </a:blipFill>
         </p:spPr>
-      </p:sp>
-      <p:sp>
-        <p:nvSpPr>
-          <p:cNvPr name="TextBox 18" id="18"/>
-          <p:cNvSpPr txBox="true"/>
+        <p:txBody>
+          <a:bodyPr/>
+          <a:lstStyle/>
+          <a:p>
+            <a:endParaRPr lang="en-US"/>
+          </a:p>
+        </p:txBody>
+      </p:sp>
+      <p:sp>
+        <p:nvSpPr>
+          <p:cNvPr id="18" name="TextBox 18"/>
+          <p:cNvSpPr txBox="1"/>
           <p:nvPr/>
         </p:nvSpPr>
         <p:spPr>
-          <a:xfrm rot="0">
+          <a:xfrm>
             <a:off x="12405569" y="7417148"/>
             <a:ext cx="2786360" cy="357783"/>
           </a:xfrm>
@@ -4173,7 +4246,7 @@
           </a:prstGeom>
         </p:spPr>
         <p:txBody>
-          <a:bodyPr anchor="t" rtlCol="false" tIns="0" lIns="0" bIns="0" rIns="0">
+          <a:bodyPr lIns="0" tIns="0" rIns="0" bIns="0" rtlCol="0" anchor="t">
             <a:spAutoFit/>
           </a:bodyPr>
           <a:lstStyle/>
@@ -4200,12 +4273,12 @@
       </p:sp>
       <p:sp>
         <p:nvSpPr>
-          <p:cNvPr name="TextBox 19" id="19"/>
-          <p:cNvSpPr txBox="true"/>
+          <p:cNvPr id="19" name="TextBox 19"/>
+          <p:cNvSpPr txBox="1"/>
           <p:nvPr/>
         </p:nvSpPr>
         <p:spPr>
-          <a:xfrm rot="0">
+          <a:xfrm>
             <a:off x="12405569" y="7841902"/>
             <a:ext cx="5102275" cy="423267"/>
           </a:xfrm>
@@ -4214,7 +4287,7 @@
           </a:prstGeom>
         </p:spPr>
         <p:txBody>
-          <a:bodyPr anchor="t" rtlCol="false" tIns="0" lIns="0" bIns="0" rIns="0">
+          <a:bodyPr lIns="0" tIns="0" rIns="0" bIns="0" rtlCol="0" anchor="t">
             <a:spAutoFit/>
           </a:bodyPr>
           <a:lstStyle/>
@@ -4241,12 +4314,12 @@
       </p:sp>
       <p:grpSp>
         <p:nvGrpSpPr>
-          <p:cNvPr name="Group 20" id="20"/>
+          <p:cNvPr id="20" name="Group 20"/>
           <p:cNvGrpSpPr/>
           <p:nvPr/>
         </p:nvGrpSpPr>
         <p:grpSpPr>
-          <a:xfrm rot="0">
+          <a:xfrm>
             <a:off x="6216700" y="3371404"/>
             <a:ext cx="5854601" cy="5854601"/>
             <a:chOff x="0" y="0"/>
@@ -4255,12 +4328,12 @@
         </p:grpSpPr>
         <p:sp>
           <p:nvSpPr>
-            <p:cNvPr name="Freeform 21" id="21" descr="preencoded.png"/>
+            <p:cNvPr id="21" name="Freeform 21" descr="preencoded.png"/>
             <p:cNvSpPr/>
             <p:nvPr/>
           </p:nvSpPr>
           <p:spPr>
-            <a:xfrm flipH="false" flipV="false" rot="0">
+            <a:xfrm>
               <a:off x="0" y="0"/>
               <a:ext cx="7806182" cy="7806182"/>
             </a:xfrm>
@@ -4269,9 +4342,9 @@
               <a:gdLst/>
               <a:ahLst/>
               <a:cxnLst/>
-              <a:rect r="r" b="b" t="t" l="l"/>
+              <a:rect l="l" t="t" r="r" b="b"/>
               <a:pathLst>
-                <a:path h="7806182" w="7806182">
+                <a:path w="7806182" h="7806182">
                   <a:moveTo>
                     <a:pt x="0" y="0"/>
                   </a:moveTo>
@@ -4294,20 +4367,27 @@
             <a:blipFill>
               <a:blip r:embed="rId8"/>
               <a:stretch>
-                <a:fillRect l="0" t="0" r="0" b="0"/>
+                <a:fillRect/>
               </a:stretch>
             </a:blipFill>
           </p:spPr>
+          <p:txBody>
+            <a:bodyPr/>
+            <a:lstStyle/>
+            <a:p>
+              <a:endParaRPr lang="en-US"/>
+            </a:p>
+          </p:txBody>
         </p:sp>
       </p:grpSp>
       <p:sp>
         <p:nvSpPr>
-          <p:cNvPr name="Freeform 22" id="22" descr="preencoded.png"/>
+          <p:cNvPr id="22" name="Freeform 22" descr="preencoded.png"/>
           <p:cNvSpPr/>
           <p:nvPr/>
         </p:nvSpPr>
         <p:spPr>
-          <a:xfrm flipH="false" flipV="false" rot="0">
+          <a:xfrm>
             <a:off x="10426005" y="7580710"/>
             <a:ext cx="333524" cy="333524"/>
           </a:xfrm>
@@ -4316,9 +4396,9 @@
             <a:gdLst/>
             <a:ahLst/>
             <a:cxnLst/>
-            <a:rect r="r" b="b" t="t" l="l"/>
+            <a:rect l="l" t="t" r="r" b="b"/>
             <a:pathLst>
-              <a:path h="333524" w="333524">
+              <a:path w="333524" h="333524">
                 <a:moveTo>
                   <a:pt x="0" y="0"/>
                 </a:moveTo>
@@ -4347,19 +4427,26 @@
               </a:extLst>
             </a:blip>
             <a:stretch>
-              <a:fillRect l="0" t="-52777" r="0" b="-52777"/>
+              <a:fillRect t="-52777" b="-52777"/>
             </a:stretch>
           </a:blipFill>
         </p:spPr>
-      </p:sp>
-      <p:sp>
-        <p:nvSpPr>
-          <p:cNvPr name="TextBox 23" id="23"/>
-          <p:cNvSpPr txBox="true"/>
+        <p:txBody>
+          <a:bodyPr/>
+          <a:lstStyle/>
+          <a:p>
+            <a:endParaRPr lang="en-US"/>
+          </a:p>
+        </p:txBody>
+      </p:sp>
+      <p:sp>
+        <p:nvSpPr>
+          <p:cNvPr id="23" name="TextBox 23"/>
+          <p:cNvSpPr txBox="1"/>
           <p:nvPr/>
         </p:nvSpPr>
         <p:spPr>
-          <a:xfrm rot="0">
+          <a:xfrm>
             <a:off x="3096071" y="7238851"/>
             <a:ext cx="2786360" cy="357783"/>
           </a:xfrm>
@@ -4368,7 +4455,7 @@
           </a:prstGeom>
         </p:spPr>
         <p:txBody>
-          <a:bodyPr anchor="t" rtlCol="false" tIns="0" lIns="0" bIns="0" rIns="0">
+          <a:bodyPr lIns="0" tIns="0" rIns="0" bIns="0" rtlCol="0" anchor="t">
             <a:spAutoFit/>
           </a:bodyPr>
           <a:lstStyle/>
@@ -4395,12 +4482,12 @@
       </p:sp>
       <p:sp>
         <p:nvSpPr>
-          <p:cNvPr name="TextBox 24" id="24"/>
-          <p:cNvSpPr txBox="true"/>
+          <p:cNvPr id="24" name="TextBox 24"/>
+          <p:cNvSpPr txBox="1"/>
           <p:nvPr/>
         </p:nvSpPr>
         <p:spPr>
-          <a:xfrm rot="0">
+          <a:xfrm>
             <a:off x="780157" y="7663606"/>
             <a:ext cx="5102275" cy="779860"/>
           </a:xfrm>
@@ -4409,7 +4496,7 @@
           </a:prstGeom>
         </p:spPr>
         <p:txBody>
-          <a:bodyPr anchor="t" rtlCol="false" tIns="0" lIns="0" bIns="0" rIns="0">
+          <a:bodyPr lIns="0" tIns="0" rIns="0" bIns="0" rtlCol="0" anchor="t">
             <a:spAutoFit/>
           </a:bodyPr>
           <a:lstStyle/>
@@ -4436,12 +4523,12 @@
       </p:sp>
       <p:grpSp>
         <p:nvGrpSpPr>
-          <p:cNvPr name="Group 25" id="25"/>
+          <p:cNvPr id="25" name="Group 25"/>
           <p:cNvGrpSpPr/>
           <p:nvPr/>
         </p:nvGrpSpPr>
         <p:grpSpPr>
-          <a:xfrm rot="0">
+          <a:xfrm>
             <a:off x="6216700" y="3371404"/>
             <a:ext cx="5854601" cy="5854601"/>
             <a:chOff x="0" y="0"/>
@@ -4450,12 +4537,12 @@
         </p:grpSpPr>
         <p:sp>
           <p:nvSpPr>
-            <p:cNvPr name="Freeform 26" id="26" descr="preencoded.png"/>
+            <p:cNvPr id="26" name="Freeform 26" descr="preencoded.png"/>
             <p:cNvSpPr/>
             <p:nvPr/>
           </p:nvSpPr>
           <p:spPr>
-            <a:xfrm flipH="false" flipV="false" rot="0">
+            <a:xfrm>
               <a:off x="0" y="0"/>
               <a:ext cx="7806182" cy="7806182"/>
             </a:xfrm>
@@ -4464,9 +4551,9 @@
               <a:gdLst/>
               <a:ahLst/>
               <a:cxnLst/>
-              <a:rect r="r" b="b" t="t" l="l"/>
+              <a:rect l="l" t="t" r="r" b="b"/>
               <a:pathLst>
-                <a:path h="7806182" w="7806182">
+                <a:path w="7806182" h="7806182">
                   <a:moveTo>
                     <a:pt x="0" y="0"/>
                   </a:moveTo>
@@ -4489,20 +4576,27 @@
             <a:blipFill>
               <a:blip r:embed="rId11"/>
               <a:stretch>
-                <a:fillRect l="0" t="0" r="0" b="0"/>
+                <a:fillRect/>
               </a:stretch>
             </a:blipFill>
           </p:spPr>
+          <p:txBody>
+            <a:bodyPr/>
+            <a:lstStyle/>
+            <a:p>
+              <a:endParaRPr lang="en-US"/>
+            </a:p>
+          </p:txBody>
         </p:sp>
       </p:grpSp>
       <p:sp>
         <p:nvSpPr>
-          <p:cNvPr name="Freeform 27" id="27" descr="preencoded.png"/>
+          <p:cNvPr id="27" name="Freeform 27" descr="preencoded.png"/>
           <p:cNvSpPr/>
           <p:nvPr/>
         </p:nvSpPr>
         <p:spPr>
-          <a:xfrm flipH="false" flipV="false" rot="0">
+          <a:xfrm>
             <a:off x="7528172" y="7580710"/>
             <a:ext cx="333524" cy="333524"/>
           </a:xfrm>
@@ -4511,9 +4605,9 @@
             <a:gdLst/>
             <a:ahLst/>
             <a:cxnLst/>
-            <a:rect r="r" b="b" t="t" l="l"/>
+            <a:rect l="l" t="t" r="r" b="b"/>
             <a:pathLst>
-              <a:path h="333524" w="333524">
+              <a:path w="333524" h="333524">
                 <a:moveTo>
                   <a:pt x="0" y="0"/>
                 </a:moveTo>
@@ -4542,19 +4636,26 @@
               </a:extLst>
             </a:blip>
             <a:stretch>
-              <a:fillRect l="0" t="-11111" r="0" b="-11111"/>
+              <a:fillRect t="-11111" b="-11111"/>
             </a:stretch>
           </a:blipFill>
         </p:spPr>
+        <p:txBody>
+          <a:bodyPr/>
+          <a:lstStyle/>
+          <a:p>
+            <a:endParaRPr lang="en-US"/>
+          </a:p>
+        </p:txBody>
       </p:sp>
       <p:grpSp>
         <p:nvGrpSpPr>
-          <p:cNvPr name="Group 28" id="28"/>
+          <p:cNvPr id="28" name="Group 28"/>
           <p:cNvGrpSpPr/>
           <p:nvPr/>
         </p:nvGrpSpPr>
         <p:grpSpPr>
-          <a:xfrm rot="0">
+          <a:xfrm>
             <a:off x="780157" y="9476780"/>
             <a:ext cx="16727686" cy="946994"/>
             <a:chOff x="0" y="0"/>
@@ -4563,12 +4664,12 @@
         </p:grpSpPr>
         <p:sp>
           <p:nvSpPr>
-            <p:cNvPr name="Freeform 29" id="29"/>
+            <p:cNvPr id="29" name="Freeform 29"/>
             <p:cNvSpPr/>
             <p:nvPr/>
           </p:nvSpPr>
           <p:spPr>
-            <a:xfrm flipH="false" flipV="false" rot="0">
+            <a:xfrm>
               <a:off x="0" y="0"/>
               <a:ext cx="22303612" cy="1262634"/>
             </a:xfrm>
@@ -4577,9 +4678,9 @@
               <a:gdLst/>
               <a:ahLst/>
               <a:cxnLst/>
-              <a:rect r="r" b="b" t="t" l="l"/>
+              <a:rect l="l" t="t" r="r" b="b"/>
               <a:pathLst>
-                <a:path h="1262634" w="22303612">
+                <a:path w="22303612" h="1262634">
                   <a:moveTo>
                     <a:pt x="0" y="124841"/>
                   </a:moveTo>
@@ -4625,16 +4726,23 @@
               </a:solidFill>
             </a:ln>
           </p:spPr>
+          <p:txBody>
+            <a:bodyPr/>
+            <a:lstStyle/>
+            <a:p>
+              <a:endParaRPr lang="en-US"/>
+            </a:p>
+          </p:txBody>
         </p:sp>
       </p:grpSp>
       <p:grpSp>
         <p:nvGrpSpPr>
-          <p:cNvPr name="Group 30" id="30"/>
+          <p:cNvPr id="30" name="Group 30"/>
           <p:cNvGrpSpPr/>
           <p:nvPr/>
         </p:nvGrpSpPr>
         <p:grpSpPr>
-          <a:xfrm rot="0">
+          <a:xfrm>
             <a:off x="1002952" y="9807922"/>
             <a:ext cx="278606" cy="222796"/>
             <a:chOff x="0" y="0"/>
@@ -4643,12 +4751,12 @@
         </p:grpSpPr>
         <p:sp>
           <p:nvSpPr>
-            <p:cNvPr name="Freeform 31" id="31" descr="preencoded.png"/>
+            <p:cNvPr id="31" name="Freeform 31" descr="preencoded.png"/>
             <p:cNvSpPr/>
             <p:nvPr/>
           </p:nvSpPr>
           <p:spPr>
-            <a:xfrm flipH="false" flipV="false" rot="0">
+            <a:xfrm>
               <a:off x="0" y="0"/>
               <a:ext cx="371475" cy="297053"/>
             </a:xfrm>
@@ -4657,9 +4765,9 @@
               <a:gdLst/>
               <a:ahLst/>
               <a:cxnLst/>
-              <a:rect r="r" b="b" t="t" l="l"/>
+              <a:rect l="l" t="t" r="r" b="b"/>
               <a:pathLst>
-                <a:path h="297053" w="371475">
+                <a:path w="371475" h="297053">
                   <a:moveTo>
                     <a:pt x="0" y="0"/>
                   </a:moveTo>
@@ -4682,20 +4790,27 @@
             <a:blipFill>
               <a:blip r:embed="rId14"/>
               <a:stretch>
-                <a:fillRect l="-414" t="0" r="-414" b="-2"/>
+                <a:fillRect l="-414" r="-414" b="-2"/>
               </a:stretch>
             </a:blipFill>
           </p:spPr>
+          <p:txBody>
+            <a:bodyPr/>
+            <a:lstStyle/>
+            <a:p>
+              <a:endParaRPr lang="en-US"/>
+            </a:p>
+          </p:txBody>
         </p:sp>
       </p:grpSp>
       <p:sp>
         <p:nvSpPr>
-          <p:cNvPr name="TextBox 32" id="32"/>
-          <p:cNvSpPr txBox="true"/>
+          <p:cNvPr id="32" name="TextBox 32"/>
+          <p:cNvSpPr txBox="1"/>
           <p:nvPr/>
         </p:nvSpPr>
         <p:spPr>
-          <a:xfrm rot="0">
+          <a:xfrm>
             <a:off x="1504355" y="9688562"/>
             <a:ext cx="15780692" cy="423268"/>
           </a:xfrm>
@@ -4704,7 +4819,7 @@
           </a:prstGeom>
         </p:spPr>
         <p:txBody>
-          <a:bodyPr anchor="t" rtlCol="false" tIns="0" lIns="0" bIns="0" rIns="0">
+          <a:bodyPr lIns="0" tIns="0" rIns="0" bIns="0" rtlCol="0" anchor="t">
             <a:spAutoFit/>
           </a:bodyPr>
           <a:lstStyle/>
@@ -4715,7 +4830,7 @@
               </a:lnSpc>
             </a:pPr>
             <a:r>
-              <a:rPr lang="en-US" sz="1750" b="true">
+              <a:rPr lang="en-US" sz="1750" b="1">
                 <a:solidFill>
                   <a:srgbClr val="000000"/>
                 </a:solidFill>
@@ -4750,7 +4865,7 @@
 </file>
 
 <file path=ppt/slides/slide11.xml><?xml version="1.0" encoding="utf-8"?>
-<p:sld xmlns:p="http://schemas.openxmlformats.org/presentationml/2006/main" xmlns:a="http://schemas.openxmlformats.org/drawingml/2006/main">
+<p:sld xmlns:a="http://schemas.openxmlformats.org/drawingml/2006/main" xmlns:r="http://schemas.openxmlformats.org/officeDocument/2006/relationships" xmlns:p="http://schemas.openxmlformats.org/presentationml/2006/main">
   <p:cSld>
     <p:spTree>
       <p:nvGrpSpPr>
@@ -4768,12 +4883,12 @@
       </p:grpSpPr>
       <p:grpSp>
         <p:nvGrpSpPr>
-          <p:cNvPr name="Group 2" id="2"/>
+          <p:cNvPr id="2" name="Group 2"/>
           <p:cNvGrpSpPr/>
           <p:nvPr/>
         </p:nvGrpSpPr>
         <p:grpSpPr>
-          <a:xfrm rot="0">
+          <a:xfrm>
             <a:off x="0" y="0"/>
             <a:ext cx="18288000" cy="10287000"/>
             <a:chOff x="0" y="0"/>
@@ -4782,12 +4897,12 @@
         </p:grpSpPr>
         <p:sp>
           <p:nvSpPr>
-            <p:cNvPr name="Freeform 3" id="3"/>
+            <p:cNvPr id="3" name="Freeform 3"/>
             <p:cNvSpPr/>
             <p:nvPr/>
           </p:nvSpPr>
           <p:spPr>
-            <a:xfrm flipH="false" flipV="false" rot="0">
+            <a:xfrm>
               <a:off x="0" y="0"/>
               <a:ext cx="24384000" cy="13716000"/>
             </a:xfrm>
@@ -4796,9 +4911,9 @@
               <a:gdLst/>
               <a:ahLst/>
               <a:cxnLst/>
-              <a:rect r="r" b="b" t="t" l="l"/>
+              <a:rect l="l" t="t" r="r" b="b"/>
               <a:pathLst>
-                <a:path h="13716000" w="24384000">
+                <a:path w="24384000" h="13716000">
                   <a:moveTo>
                     <a:pt x="0" y="0"/>
                   </a:moveTo>
@@ -4824,16 +4939,23 @@
               </a:solidFill>
             </a:ln>
           </p:spPr>
+          <p:txBody>
+            <a:bodyPr/>
+            <a:lstStyle/>
+            <a:p>
+              <a:endParaRPr lang="en-US"/>
+            </a:p>
+          </p:txBody>
         </p:sp>
       </p:grpSp>
       <p:grpSp>
         <p:nvGrpSpPr>
-          <p:cNvPr name="Group 4" id="4"/>
+          <p:cNvPr id="4" name="Group 4"/>
           <p:cNvGrpSpPr/>
           <p:nvPr/>
         </p:nvGrpSpPr>
         <p:grpSpPr>
-          <a:xfrm rot="0">
+          <a:xfrm>
             <a:off x="0" y="0"/>
             <a:ext cx="18288000" cy="10287000"/>
             <a:chOff x="0" y="0"/>
@@ -4842,12 +4964,12 @@
         </p:grpSpPr>
         <p:sp>
           <p:nvSpPr>
-            <p:cNvPr name="Freeform 5" id="5"/>
+            <p:cNvPr id="5" name="Freeform 5"/>
             <p:cNvSpPr/>
             <p:nvPr/>
           </p:nvSpPr>
           <p:spPr>
-            <a:xfrm flipH="false" flipV="false" rot="0">
+            <a:xfrm>
               <a:off x="0" y="0"/>
               <a:ext cx="24384000" cy="13716000"/>
             </a:xfrm>
@@ -4856,9 +4978,9 @@
               <a:gdLst/>
               <a:ahLst/>
               <a:cxnLst/>
-              <a:rect r="r" b="b" t="t" l="l"/>
+              <a:rect l="l" t="t" r="r" b="b"/>
               <a:pathLst>
-                <a:path h="13716000" w="24384000">
+                <a:path w="24384000" h="13716000">
                   <a:moveTo>
                     <a:pt x="0" y="0"/>
                   </a:moveTo>
@@ -4886,16 +5008,23 @@
               </a:solidFill>
             </a:ln>
           </p:spPr>
+          <p:txBody>
+            <a:bodyPr/>
+            <a:lstStyle/>
+            <a:p>
+              <a:endParaRPr lang="en-US"/>
+            </a:p>
+          </p:txBody>
         </p:sp>
       </p:grpSp>
       <p:sp>
         <p:nvSpPr>
-          <p:cNvPr name="TextBox 6" id="6"/>
-          <p:cNvSpPr txBox="true"/>
+          <p:cNvPr id="6" name="TextBox 6"/>
+          <p:cNvSpPr txBox="1"/>
           <p:nvPr/>
         </p:nvSpPr>
         <p:spPr>
-          <a:xfrm rot="0">
+          <a:xfrm>
             <a:off x="5599808" y="4671864"/>
             <a:ext cx="7088237" cy="914549"/>
           </a:xfrm>
@@ -4904,7 +5033,7 @@
           </a:prstGeom>
         </p:spPr>
         <p:txBody>
-          <a:bodyPr anchor="t" rtlCol="false" tIns="0" lIns="0" bIns="0" rIns="0">
+          <a:bodyPr lIns="0" tIns="0" rIns="0" bIns="0" rtlCol="0" anchor="t">
             <a:spAutoFit/>
           </a:bodyPr>
           <a:lstStyle/>
@@ -4938,7 +5067,7 @@
 </file>
 
 <file path=ppt/slides/slide2.xml><?xml version="1.0" encoding="utf-8"?>
-<p:sld xmlns:p="http://schemas.openxmlformats.org/presentationml/2006/main" xmlns:a="http://schemas.openxmlformats.org/drawingml/2006/main">
+<p:sld xmlns:a="http://schemas.openxmlformats.org/drawingml/2006/main" xmlns:r="http://schemas.openxmlformats.org/officeDocument/2006/relationships" xmlns:p="http://schemas.openxmlformats.org/presentationml/2006/main">
   <p:cSld>
     <p:spTree>
       <p:nvGrpSpPr>
@@ -4956,12 +5085,12 @@
       </p:grpSpPr>
       <p:grpSp>
         <p:nvGrpSpPr>
-          <p:cNvPr name="Group 2" id="2"/>
+          <p:cNvPr id="2" name="Group 2"/>
           <p:cNvGrpSpPr/>
           <p:nvPr/>
         </p:nvGrpSpPr>
         <p:grpSpPr>
-          <a:xfrm rot="0">
+          <a:xfrm>
             <a:off x="0" y="0"/>
             <a:ext cx="18288000" cy="10287000"/>
             <a:chOff x="0" y="0"/>
@@ -4970,12 +5099,12 @@
         </p:grpSpPr>
         <p:sp>
           <p:nvSpPr>
-            <p:cNvPr name="Freeform 3" id="3"/>
+            <p:cNvPr id="3" name="Freeform 3"/>
             <p:cNvSpPr/>
             <p:nvPr/>
           </p:nvSpPr>
           <p:spPr>
-            <a:xfrm flipH="false" flipV="false" rot="0">
+            <a:xfrm>
               <a:off x="0" y="0"/>
               <a:ext cx="24384000" cy="13716000"/>
             </a:xfrm>
@@ -4984,9 +5113,9 @@
               <a:gdLst/>
               <a:ahLst/>
               <a:cxnLst/>
-              <a:rect r="r" b="b" t="t" l="l"/>
+              <a:rect l="l" t="t" r="r" b="b"/>
               <a:pathLst>
-                <a:path h="13716000" w="24384000">
+                <a:path w="24384000" h="13716000">
                   <a:moveTo>
                     <a:pt x="0" y="0"/>
                   </a:moveTo>
@@ -5012,16 +5141,23 @@
               </a:solidFill>
             </a:ln>
           </p:spPr>
+          <p:txBody>
+            <a:bodyPr/>
+            <a:lstStyle/>
+            <a:p>
+              <a:endParaRPr lang="en-US"/>
+            </a:p>
+          </p:txBody>
         </p:sp>
       </p:grpSp>
       <p:grpSp>
         <p:nvGrpSpPr>
-          <p:cNvPr name="Group 4" id="4"/>
+          <p:cNvPr id="4" name="Group 4"/>
           <p:cNvGrpSpPr/>
           <p:nvPr/>
         </p:nvGrpSpPr>
         <p:grpSpPr>
-          <a:xfrm rot="0">
+          <a:xfrm>
             <a:off x="0" y="0"/>
             <a:ext cx="18288000" cy="10287000"/>
             <a:chOff x="0" y="0"/>
@@ -5030,12 +5166,12 @@
         </p:grpSpPr>
         <p:sp>
           <p:nvSpPr>
-            <p:cNvPr name="Freeform 5" id="5"/>
+            <p:cNvPr id="5" name="Freeform 5"/>
             <p:cNvSpPr/>
             <p:nvPr/>
           </p:nvSpPr>
           <p:spPr>
-            <a:xfrm flipH="false" flipV="false" rot="0">
+            <a:xfrm>
               <a:off x="0" y="0"/>
               <a:ext cx="24384000" cy="13716000"/>
             </a:xfrm>
@@ -5044,9 +5180,9 @@
               <a:gdLst/>
               <a:ahLst/>
               <a:cxnLst/>
-              <a:rect r="r" b="b" t="t" l="l"/>
+              <a:rect l="l" t="t" r="r" b="b"/>
               <a:pathLst>
-                <a:path h="13716000" w="24384000">
+                <a:path w="24384000" h="13716000">
                   <a:moveTo>
                     <a:pt x="0" y="0"/>
                   </a:moveTo>
@@ -5074,16 +5210,23 @@
               </a:solidFill>
             </a:ln>
           </p:spPr>
+          <p:txBody>
+            <a:bodyPr/>
+            <a:lstStyle/>
+            <a:p>
+              <a:endParaRPr lang="en-US"/>
+            </a:p>
+          </p:txBody>
         </p:sp>
       </p:grpSp>
       <p:sp>
         <p:nvSpPr>
-          <p:cNvPr name="TextBox 6" id="6"/>
-          <p:cNvSpPr txBox="true"/>
+          <p:cNvPr id="6" name="TextBox 6"/>
+          <p:cNvSpPr txBox="1"/>
           <p:nvPr/>
         </p:nvSpPr>
         <p:spPr>
-          <a:xfrm rot="0">
+          <a:xfrm>
             <a:off x="992238" y="2067222"/>
             <a:ext cx="7088237" cy="914549"/>
           </a:xfrm>
@@ -5092,7 +5235,7 @@
           </a:prstGeom>
         </p:spPr>
         <p:txBody>
-          <a:bodyPr anchor="t" rtlCol="false" tIns="0" lIns="0" bIns="0" rIns="0">
+          <a:bodyPr lIns="0" tIns="0" rIns="0" bIns="0" rtlCol="0" anchor="t">
             <a:spAutoFit/>
           </a:bodyPr>
           <a:lstStyle/>
@@ -5119,12 +5262,12 @@
       </p:sp>
       <p:sp>
         <p:nvSpPr>
-          <p:cNvPr name="TextBox 7" id="7"/>
-          <p:cNvSpPr txBox="true"/>
+          <p:cNvPr id="7" name="TextBox 7"/>
+          <p:cNvSpPr txBox="1"/>
           <p:nvPr/>
         </p:nvSpPr>
         <p:spPr>
-          <a:xfrm rot="0">
+          <a:xfrm>
             <a:off x="992238" y="3661916"/>
             <a:ext cx="4252912" cy="560189"/>
           </a:xfrm>
@@ -5133,7 +5276,7 @@
           </a:prstGeom>
         </p:spPr>
         <p:txBody>
-          <a:bodyPr anchor="t" rtlCol="false" tIns="0" lIns="0" bIns="0" rIns="0">
+          <a:bodyPr lIns="0" tIns="0" rIns="0" bIns="0" rtlCol="0" anchor="t">
             <a:spAutoFit/>
           </a:bodyPr>
           <a:lstStyle/>
@@ -5160,12 +5303,12 @@
       </p:sp>
       <p:sp>
         <p:nvSpPr>
-          <p:cNvPr name="TextBox 8" id="8"/>
-          <p:cNvSpPr txBox="true"/>
+          <p:cNvPr id="8" name="TextBox 8"/>
+          <p:cNvSpPr txBox="1"/>
           <p:nvPr/>
         </p:nvSpPr>
         <p:spPr>
-          <a:xfrm rot="0">
+          <a:xfrm>
             <a:off x="992238" y="4410372"/>
             <a:ext cx="7805886" cy="1456135"/>
           </a:xfrm>
@@ -5174,7 +5317,7 @@
           </a:prstGeom>
         </p:spPr>
         <p:txBody>
-          <a:bodyPr anchor="t" rtlCol="false" tIns="0" lIns="0" bIns="0" rIns="0">
+          <a:bodyPr lIns="0" tIns="0" rIns="0" bIns="0" rtlCol="0" anchor="t">
             <a:spAutoFit/>
           </a:bodyPr>
           <a:lstStyle/>
@@ -5201,12 +5344,12 @@
       </p:sp>
       <p:sp>
         <p:nvSpPr>
-          <p:cNvPr name="TextBox 9" id="9"/>
-          <p:cNvSpPr txBox="true"/>
+          <p:cNvPr id="9" name="TextBox 9"/>
+          <p:cNvSpPr txBox="1"/>
           <p:nvPr/>
         </p:nvSpPr>
         <p:spPr>
-          <a:xfrm rot="0">
+          <a:xfrm>
             <a:off x="992238" y="6026349"/>
             <a:ext cx="7805886" cy="1909762"/>
           </a:xfrm>
@@ -5215,7 +5358,7 @@
           </a:prstGeom>
         </p:spPr>
         <p:txBody>
-          <a:bodyPr anchor="t" rtlCol="false" tIns="0" lIns="0" bIns="0" rIns="0">
+          <a:bodyPr lIns="0" tIns="0" rIns="0" bIns="0" rtlCol="0" anchor="t">
             <a:spAutoFit/>
           </a:bodyPr>
           <a:lstStyle/>
@@ -5242,21 +5385,21 @@
       </p:sp>
       <p:sp>
         <p:nvSpPr>
-          <p:cNvPr name="TextBox 10" id="10"/>
-          <p:cNvSpPr txBox="true"/>
+          <p:cNvPr id="10" name="TextBox 10"/>
+          <p:cNvSpPr txBox="1"/>
           <p:nvPr/>
         </p:nvSpPr>
         <p:spPr>
-          <a:xfrm rot="0">
+          <a:xfrm>
             <a:off x="9499401" y="3661916"/>
-            <a:ext cx="4622899" cy="560189"/>
+            <a:ext cx="4749999" cy="495905"/>
           </a:xfrm>
           <a:prstGeom prst="rect">
             <a:avLst/>
           </a:prstGeom>
         </p:spPr>
         <p:txBody>
-          <a:bodyPr anchor="t" rtlCol="false" tIns="0" lIns="0" bIns="0" rIns="0">
+          <a:bodyPr wrap="square" lIns="0" tIns="0" rIns="0" bIns="0" rtlCol="0" anchor="t">
             <a:spAutoFit/>
           </a:bodyPr>
           <a:lstStyle/>
@@ -5267,7 +5410,7 @@
               </a:lnSpc>
             </a:pPr>
             <a:r>
-              <a:rPr lang="en-US" sz="3312">
+              <a:rPr lang="en-US" sz="3312" dirty="0">
                 <a:solidFill>
                   <a:srgbClr val="1B1B27"/>
                 </a:solidFill>
@@ -5283,12 +5426,12 @@
       </p:sp>
       <p:sp>
         <p:nvSpPr>
-          <p:cNvPr name="TextBox 11" id="11"/>
-          <p:cNvSpPr txBox="true"/>
+          <p:cNvPr id="11" name="TextBox 11"/>
+          <p:cNvSpPr txBox="1"/>
           <p:nvPr/>
         </p:nvSpPr>
         <p:spPr>
-          <a:xfrm rot="0">
+          <a:xfrm>
             <a:off x="9499401" y="4410372"/>
             <a:ext cx="7805886" cy="548879"/>
           </a:xfrm>
@@ -5297,12 +5440,12 @@
           </a:prstGeom>
         </p:spPr>
         <p:txBody>
-          <a:bodyPr anchor="t" rtlCol="false" tIns="0" lIns="0" bIns="0" rIns="0">
+          <a:bodyPr lIns="0" tIns="0" rIns="0" bIns="0" rtlCol="0" anchor="t">
             <a:spAutoFit/>
           </a:bodyPr>
           <a:lstStyle/>
           <a:p>
-            <a:pPr algn="l" marL="329902" indent="-164951" lvl="1">
+            <a:pPr marL="329902" lvl="1" indent="-164951" algn="l">
               <a:lnSpc>
                 <a:spcPts val="3562"/>
               </a:lnSpc>
@@ -5310,7 +5453,7 @@
               <a:buChar char="•"/>
             </a:pPr>
             <a:r>
-              <a:rPr lang="en-US" b="true" sz="2187">
+              <a:rPr lang="en-US" sz="2187" b="1">
                 <a:solidFill>
                   <a:srgbClr val="3C3939"/>
                 </a:solidFill>
@@ -5338,12 +5481,12 @@
       </p:sp>
       <p:sp>
         <p:nvSpPr>
-          <p:cNvPr name="TextBox 12" id="12"/>
-          <p:cNvSpPr txBox="true"/>
+          <p:cNvPr id="12" name="TextBox 12"/>
+          <p:cNvSpPr txBox="1"/>
           <p:nvPr/>
         </p:nvSpPr>
         <p:spPr>
-          <a:xfrm rot="0">
+          <a:xfrm>
             <a:off x="9499401" y="4963120"/>
             <a:ext cx="7805886" cy="548879"/>
           </a:xfrm>
@@ -5352,12 +5495,12 @@
           </a:prstGeom>
         </p:spPr>
         <p:txBody>
-          <a:bodyPr anchor="t" rtlCol="false" tIns="0" lIns="0" bIns="0" rIns="0">
+          <a:bodyPr lIns="0" tIns="0" rIns="0" bIns="0" rtlCol="0" anchor="t">
             <a:spAutoFit/>
           </a:bodyPr>
           <a:lstStyle/>
           <a:p>
-            <a:pPr algn="l" marL="329902" indent="-164951" lvl="1">
+            <a:pPr marL="329902" lvl="1" indent="-164951" algn="l">
               <a:lnSpc>
                 <a:spcPts val="3562"/>
               </a:lnSpc>
@@ -5365,7 +5508,7 @@
               <a:buChar char="•"/>
             </a:pPr>
             <a:r>
-              <a:rPr lang="en-US" b="true" sz="2187">
+              <a:rPr lang="en-US" sz="2187" b="1">
                 <a:solidFill>
                   <a:srgbClr val="3C3939"/>
                 </a:solidFill>
@@ -5393,12 +5536,12 @@
       </p:sp>
       <p:sp>
         <p:nvSpPr>
-          <p:cNvPr name="TextBox 13" id="13"/>
-          <p:cNvSpPr txBox="true"/>
+          <p:cNvPr id="13" name="TextBox 13"/>
+          <p:cNvSpPr txBox="1"/>
           <p:nvPr/>
         </p:nvSpPr>
         <p:spPr>
-          <a:xfrm rot="0">
+          <a:xfrm>
             <a:off x="9499401" y="5515868"/>
             <a:ext cx="7805886" cy="548879"/>
           </a:xfrm>
@@ -5407,12 +5550,12 @@
           </a:prstGeom>
         </p:spPr>
         <p:txBody>
-          <a:bodyPr anchor="t" rtlCol="false" tIns="0" lIns="0" bIns="0" rIns="0">
+          <a:bodyPr lIns="0" tIns="0" rIns="0" bIns="0" rtlCol="0" anchor="t">
             <a:spAutoFit/>
           </a:bodyPr>
           <a:lstStyle/>
           <a:p>
-            <a:pPr algn="l" marL="329902" indent="-164951" lvl="1">
+            <a:pPr marL="329902" lvl="1" indent="-164951" algn="l">
               <a:lnSpc>
                 <a:spcPts val="3562"/>
               </a:lnSpc>
@@ -5420,7 +5563,7 @@
               <a:buChar char="•"/>
             </a:pPr>
             <a:r>
-              <a:rPr lang="en-US" b="true" sz="2187">
+              <a:rPr lang="en-US" sz="2187" b="1">
                 <a:solidFill>
                   <a:srgbClr val="3C3939"/>
                 </a:solidFill>
@@ -5448,12 +5591,12 @@
       </p:sp>
       <p:sp>
         <p:nvSpPr>
-          <p:cNvPr name="TextBox 14" id="14"/>
-          <p:cNvSpPr txBox="true"/>
+          <p:cNvPr id="14" name="TextBox 14"/>
+          <p:cNvSpPr txBox="1"/>
           <p:nvPr/>
         </p:nvSpPr>
         <p:spPr>
-          <a:xfrm rot="0">
+          <a:xfrm>
             <a:off x="9499401" y="6068616"/>
             <a:ext cx="7805886" cy="548879"/>
           </a:xfrm>
@@ -5462,12 +5605,12 @@
           </a:prstGeom>
         </p:spPr>
         <p:txBody>
-          <a:bodyPr anchor="t" rtlCol="false" tIns="0" lIns="0" bIns="0" rIns="0">
+          <a:bodyPr lIns="0" tIns="0" rIns="0" bIns="0" rtlCol="0" anchor="t">
             <a:spAutoFit/>
           </a:bodyPr>
           <a:lstStyle/>
           <a:p>
-            <a:pPr algn="l" marL="329902" indent="-164951" lvl="1">
+            <a:pPr marL="329902" lvl="1" indent="-164951" algn="l">
               <a:lnSpc>
                 <a:spcPts val="3562"/>
               </a:lnSpc>
@@ -5475,7 +5618,7 @@
               <a:buChar char="•"/>
             </a:pPr>
             <a:r>
-              <a:rPr lang="en-US" b="true" sz="2187">
+              <a:rPr lang="en-US" sz="2187" b="1">
                 <a:solidFill>
                   <a:srgbClr val="3C3939"/>
                 </a:solidFill>
@@ -5510,7 +5653,7 @@
 </file>
 
 <file path=ppt/slides/slide3.xml><?xml version="1.0" encoding="utf-8"?>
-<p:sld xmlns:p="http://schemas.openxmlformats.org/presentationml/2006/main" xmlns:a="http://schemas.openxmlformats.org/drawingml/2006/main">
+<p:sld xmlns:a="http://schemas.openxmlformats.org/drawingml/2006/main" xmlns:r="http://schemas.openxmlformats.org/officeDocument/2006/relationships" xmlns:p="http://schemas.openxmlformats.org/presentationml/2006/main">
   <p:cSld>
     <p:spTree>
       <p:nvGrpSpPr>
@@ -5528,12 +5671,12 @@
       </p:grpSpPr>
       <p:grpSp>
         <p:nvGrpSpPr>
-          <p:cNvPr name="Group 2" id="2"/>
+          <p:cNvPr id="2" name="Group 2"/>
           <p:cNvGrpSpPr/>
           <p:nvPr/>
         </p:nvGrpSpPr>
         <p:grpSpPr>
-          <a:xfrm rot="0">
+          <a:xfrm>
             <a:off x="0" y="0"/>
             <a:ext cx="18288000" cy="10287000"/>
             <a:chOff x="0" y="0"/>
@@ -5542,12 +5685,12 @@
         </p:grpSpPr>
         <p:sp>
           <p:nvSpPr>
-            <p:cNvPr name="Freeform 3" id="3"/>
+            <p:cNvPr id="3" name="Freeform 3"/>
             <p:cNvSpPr/>
             <p:nvPr/>
           </p:nvSpPr>
           <p:spPr>
-            <a:xfrm flipH="false" flipV="false" rot="0">
+            <a:xfrm>
               <a:off x="0" y="0"/>
               <a:ext cx="24384000" cy="13716000"/>
             </a:xfrm>
@@ -5556,9 +5699,9 @@
               <a:gdLst/>
               <a:ahLst/>
               <a:cxnLst/>
-              <a:rect r="r" b="b" t="t" l="l"/>
+              <a:rect l="l" t="t" r="r" b="b"/>
               <a:pathLst>
-                <a:path h="13716000" w="24384000">
+                <a:path w="24384000" h="13716000">
                   <a:moveTo>
                     <a:pt x="0" y="0"/>
                   </a:moveTo>
@@ -5584,16 +5727,23 @@
               </a:solidFill>
             </a:ln>
           </p:spPr>
+          <p:txBody>
+            <a:bodyPr/>
+            <a:lstStyle/>
+            <a:p>
+              <a:endParaRPr lang="en-US"/>
+            </a:p>
+          </p:txBody>
         </p:sp>
       </p:grpSp>
       <p:grpSp>
         <p:nvGrpSpPr>
-          <p:cNvPr name="Group 4" id="4"/>
+          <p:cNvPr id="4" name="Group 4"/>
           <p:cNvGrpSpPr/>
           <p:nvPr/>
         </p:nvGrpSpPr>
         <p:grpSpPr>
-          <a:xfrm rot="0">
+          <a:xfrm>
             <a:off x="0" y="0"/>
             <a:ext cx="18288000" cy="10287000"/>
             <a:chOff x="0" y="0"/>
@@ -5602,12 +5752,12 @@
         </p:grpSpPr>
         <p:sp>
           <p:nvSpPr>
-            <p:cNvPr name="Freeform 5" id="5"/>
+            <p:cNvPr id="5" name="Freeform 5"/>
             <p:cNvSpPr/>
             <p:nvPr/>
           </p:nvSpPr>
           <p:spPr>
-            <a:xfrm flipH="false" flipV="false" rot="0">
+            <a:xfrm>
               <a:off x="0" y="0"/>
               <a:ext cx="24384000" cy="13716000"/>
             </a:xfrm>
@@ -5616,9 +5766,9 @@
               <a:gdLst/>
               <a:ahLst/>
               <a:cxnLst/>
-              <a:rect r="r" b="b" t="t" l="l"/>
+              <a:rect l="l" t="t" r="r" b="b"/>
               <a:pathLst>
-                <a:path h="13716000" w="24384000">
+                <a:path w="24384000" h="13716000">
                   <a:moveTo>
                     <a:pt x="0" y="0"/>
                   </a:moveTo>
@@ -5646,25 +5796,32 @@
               </a:solidFill>
             </a:ln>
           </p:spPr>
+          <p:txBody>
+            <a:bodyPr/>
+            <a:lstStyle/>
+            <a:p>
+              <a:endParaRPr lang="en-US"/>
+            </a:p>
+          </p:txBody>
         </p:sp>
       </p:grpSp>
       <p:sp>
         <p:nvSpPr>
-          <p:cNvPr name="TextBox 6" id="6"/>
-          <p:cNvSpPr txBox="true"/>
+          <p:cNvPr id="6" name="TextBox 6"/>
+          <p:cNvSpPr txBox="1"/>
           <p:nvPr/>
         </p:nvSpPr>
         <p:spPr>
-          <a:xfrm rot="0">
+          <a:xfrm>
             <a:off x="992238" y="2339429"/>
-            <a:ext cx="8213377" cy="914549"/>
+            <a:ext cx="8913762" cy="834267"/>
           </a:xfrm>
           <a:prstGeom prst="rect">
             <a:avLst/>
           </a:prstGeom>
         </p:spPr>
         <p:txBody>
-          <a:bodyPr anchor="t" rtlCol="false" tIns="0" lIns="0" bIns="0" rIns="0">
+          <a:bodyPr wrap="square" lIns="0" tIns="0" rIns="0" bIns="0" rtlCol="0" anchor="t">
             <a:spAutoFit/>
           </a:bodyPr>
           <a:lstStyle/>
@@ -5675,7 +5832,7 @@
               </a:lnSpc>
             </a:pPr>
             <a:r>
-              <a:rPr lang="en-US" sz="5562">
+              <a:rPr lang="en-US" sz="5562" dirty="0">
                 <a:solidFill>
                   <a:srgbClr val="1B1B27"/>
                 </a:solidFill>
@@ -5691,12 +5848,12 @@
       </p:sp>
       <p:grpSp>
         <p:nvGrpSpPr>
-          <p:cNvPr name="Group 7" id="7"/>
+          <p:cNvPr id="7" name="Group 7"/>
           <p:cNvGrpSpPr/>
           <p:nvPr/>
         </p:nvGrpSpPr>
         <p:grpSpPr>
-          <a:xfrm rot="0">
+          <a:xfrm>
             <a:off x="987475" y="3674417"/>
             <a:ext cx="5254973" cy="3023146"/>
             <a:chOff x="0" y="0"/>
@@ -5705,12 +5862,12 @@
         </p:grpSpPr>
         <p:sp>
           <p:nvSpPr>
-            <p:cNvPr name="Freeform 8" id="8"/>
+            <p:cNvPr id="8" name="Freeform 8"/>
             <p:cNvSpPr/>
             <p:nvPr/>
           </p:nvSpPr>
           <p:spPr>
-            <a:xfrm flipH="false" flipV="false" rot="0">
+            <a:xfrm>
               <a:off x="6350" y="6350"/>
               <a:ext cx="6993890" cy="4018153"/>
             </a:xfrm>
@@ -5719,9 +5876,9 @@
               <a:gdLst/>
               <a:ahLst/>
               <a:cxnLst/>
-              <a:rect r="r" b="b" t="t" l="l"/>
+              <a:rect l="l" t="t" r="r" b="b"/>
               <a:pathLst>
-                <a:path h="4018153" w="6993890">
+                <a:path w="6993890" h="4018153">
                   <a:moveTo>
                     <a:pt x="0" y="158750"/>
                   </a:moveTo>
@@ -5767,15 +5924,22 @@
               </a:solidFill>
             </a:ln>
           </p:spPr>
+          <p:txBody>
+            <a:bodyPr/>
+            <a:lstStyle/>
+            <a:p>
+              <a:endParaRPr lang="en-US"/>
+            </a:p>
+          </p:txBody>
         </p:sp>
         <p:sp>
           <p:nvSpPr>
-            <p:cNvPr name="Freeform 9" id="9"/>
+            <p:cNvPr id="9" name="Freeform 9"/>
             <p:cNvSpPr/>
             <p:nvPr/>
           </p:nvSpPr>
           <p:spPr>
-            <a:xfrm flipH="false" flipV="false" rot="0">
+            <a:xfrm>
               <a:off x="0" y="0"/>
               <a:ext cx="7006590" cy="4030853"/>
             </a:xfrm>
@@ -5784,9 +5948,9 @@
               <a:gdLst/>
               <a:ahLst/>
               <a:cxnLst/>
-              <a:rect r="r" b="b" t="t" l="l"/>
+              <a:rect l="l" t="t" r="r" b="b"/>
               <a:pathLst>
-                <a:path h="4030853" w="7006590">
+                <a:path w="7006590" h="4030853">
                   <a:moveTo>
                     <a:pt x="0" y="165100"/>
                   </a:moveTo>
@@ -5918,16 +6082,23 @@
               </a:solidFill>
             </a:ln>
           </p:spPr>
+          <p:txBody>
+            <a:bodyPr/>
+            <a:lstStyle/>
+            <a:p>
+              <a:endParaRPr lang="en-US"/>
+            </a:p>
+          </p:txBody>
         </p:sp>
       </p:grpSp>
       <p:sp>
         <p:nvSpPr>
-          <p:cNvPr name="TextBox 10" id="10"/>
-          <p:cNvSpPr txBox="true"/>
+          <p:cNvPr id="10" name="TextBox 10"/>
+          <p:cNvSpPr txBox="1"/>
           <p:nvPr/>
         </p:nvSpPr>
         <p:spPr>
-          <a:xfrm rot="0">
+          <a:xfrm>
             <a:off x="1285280" y="3943647"/>
             <a:ext cx="3544044" cy="471487"/>
           </a:xfrm>
@@ -5936,7 +6107,7 @@
           </a:prstGeom>
         </p:spPr>
         <p:txBody>
-          <a:bodyPr anchor="t" rtlCol="false" tIns="0" lIns="0" bIns="0" rIns="0">
+          <a:bodyPr lIns="0" tIns="0" rIns="0" bIns="0" rtlCol="0" anchor="t">
             <a:spAutoFit/>
           </a:bodyPr>
           <a:lstStyle/>
@@ -5963,12 +6134,12 @@
       </p:sp>
       <p:sp>
         <p:nvSpPr>
-          <p:cNvPr name="TextBox 11" id="11"/>
-          <p:cNvSpPr txBox="true"/>
+          <p:cNvPr id="11" name="TextBox 11"/>
+          <p:cNvSpPr txBox="1"/>
           <p:nvPr/>
         </p:nvSpPr>
         <p:spPr>
-          <a:xfrm rot="0">
+          <a:xfrm>
             <a:off x="1285280" y="4489996"/>
             <a:ext cx="4659362" cy="1909762"/>
           </a:xfrm>
@@ -5977,7 +6148,7 @@
           </a:prstGeom>
         </p:spPr>
         <p:txBody>
-          <a:bodyPr anchor="t" rtlCol="false" tIns="0" lIns="0" bIns="0" rIns="0">
+          <a:bodyPr lIns="0" tIns="0" rIns="0" bIns="0" rtlCol="0" anchor="t">
             <a:spAutoFit/>
           </a:bodyPr>
           <a:lstStyle/>
@@ -6004,12 +6175,12 @@
       </p:sp>
       <p:grpSp>
         <p:nvGrpSpPr>
-          <p:cNvPr name="Group 12" id="12"/>
+          <p:cNvPr id="12" name="Group 12"/>
           <p:cNvGrpSpPr/>
           <p:nvPr/>
         </p:nvGrpSpPr>
         <p:grpSpPr>
-          <a:xfrm rot="0">
+          <a:xfrm>
             <a:off x="6516440" y="3674417"/>
             <a:ext cx="5254973" cy="3023146"/>
             <a:chOff x="0" y="0"/>
@@ -6018,12 +6189,12 @@
         </p:grpSpPr>
         <p:sp>
           <p:nvSpPr>
-            <p:cNvPr name="Freeform 13" id="13"/>
+            <p:cNvPr id="13" name="Freeform 13"/>
             <p:cNvSpPr/>
             <p:nvPr/>
           </p:nvSpPr>
           <p:spPr>
-            <a:xfrm flipH="false" flipV="false" rot="0">
+            <a:xfrm>
               <a:off x="6350" y="6350"/>
               <a:ext cx="6993890" cy="4018153"/>
             </a:xfrm>
@@ -6032,9 +6203,9 @@
               <a:gdLst/>
               <a:ahLst/>
               <a:cxnLst/>
-              <a:rect r="r" b="b" t="t" l="l"/>
+              <a:rect l="l" t="t" r="r" b="b"/>
               <a:pathLst>
-                <a:path h="4018153" w="6993890">
+                <a:path w="6993890" h="4018153">
                   <a:moveTo>
                     <a:pt x="0" y="158750"/>
                   </a:moveTo>
@@ -6080,15 +6251,22 @@
               </a:solidFill>
             </a:ln>
           </p:spPr>
+          <p:txBody>
+            <a:bodyPr/>
+            <a:lstStyle/>
+            <a:p>
+              <a:endParaRPr lang="en-US"/>
+            </a:p>
+          </p:txBody>
         </p:sp>
         <p:sp>
           <p:nvSpPr>
-            <p:cNvPr name="Freeform 14" id="14"/>
+            <p:cNvPr id="14" name="Freeform 14"/>
             <p:cNvSpPr/>
             <p:nvPr/>
           </p:nvSpPr>
           <p:spPr>
-            <a:xfrm flipH="false" flipV="false" rot="0">
+            <a:xfrm>
               <a:off x="0" y="0"/>
               <a:ext cx="7006590" cy="4030853"/>
             </a:xfrm>
@@ -6097,9 +6275,9 @@
               <a:gdLst/>
               <a:ahLst/>
               <a:cxnLst/>
-              <a:rect r="r" b="b" t="t" l="l"/>
+              <a:rect l="l" t="t" r="r" b="b"/>
               <a:pathLst>
-                <a:path h="4030853" w="7006590">
+                <a:path w="7006590" h="4030853">
                   <a:moveTo>
                     <a:pt x="0" y="165100"/>
                   </a:moveTo>
@@ -6231,16 +6409,23 @@
               </a:solidFill>
             </a:ln>
           </p:spPr>
+          <p:txBody>
+            <a:bodyPr/>
+            <a:lstStyle/>
+            <a:p>
+              <a:endParaRPr lang="en-US"/>
+            </a:p>
+          </p:txBody>
         </p:sp>
       </p:grpSp>
       <p:sp>
         <p:nvSpPr>
-          <p:cNvPr name="TextBox 15" id="15"/>
-          <p:cNvSpPr txBox="true"/>
+          <p:cNvPr id="15" name="TextBox 15"/>
+          <p:cNvSpPr txBox="1"/>
           <p:nvPr/>
         </p:nvSpPr>
         <p:spPr>
-          <a:xfrm rot="0">
+          <a:xfrm>
             <a:off x="6814245" y="3943647"/>
             <a:ext cx="3544044" cy="471487"/>
           </a:xfrm>
@@ -6249,7 +6434,7 @@
           </a:prstGeom>
         </p:spPr>
         <p:txBody>
-          <a:bodyPr anchor="t" rtlCol="false" tIns="0" lIns="0" bIns="0" rIns="0">
+          <a:bodyPr lIns="0" tIns="0" rIns="0" bIns="0" rtlCol="0" anchor="t">
             <a:spAutoFit/>
           </a:bodyPr>
           <a:lstStyle/>
@@ -6276,12 +6461,12 @@
       </p:sp>
       <p:sp>
         <p:nvSpPr>
-          <p:cNvPr name="TextBox 16" id="16"/>
-          <p:cNvSpPr txBox="true"/>
+          <p:cNvPr id="16" name="TextBox 16"/>
+          <p:cNvSpPr txBox="1"/>
           <p:nvPr/>
         </p:nvSpPr>
         <p:spPr>
-          <a:xfrm rot="0">
+          <a:xfrm>
             <a:off x="6814245" y="4489996"/>
             <a:ext cx="4659362" cy="1909762"/>
           </a:xfrm>
@@ -6290,7 +6475,7 @@
           </a:prstGeom>
         </p:spPr>
         <p:txBody>
-          <a:bodyPr anchor="t" rtlCol="false" tIns="0" lIns="0" bIns="0" rIns="0">
+          <a:bodyPr lIns="0" tIns="0" rIns="0" bIns="0" rtlCol="0" anchor="t">
             <a:spAutoFit/>
           </a:bodyPr>
           <a:lstStyle/>
@@ -6317,12 +6502,12 @@
       </p:sp>
       <p:grpSp>
         <p:nvGrpSpPr>
-          <p:cNvPr name="Group 17" id="17"/>
+          <p:cNvPr id="17" name="Group 17"/>
           <p:cNvGrpSpPr/>
           <p:nvPr/>
         </p:nvGrpSpPr>
         <p:grpSpPr>
-          <a:xfrm rot="0">
+          <a:xfrm>
             <a:off x="12045404" y="3674417"/>
             <a:ext cx="5254973" cy="3023146"/>
             <a:chOff x="0" y="0"/>
@@ -6331,12 +6516,12 @@
         </p:grpSpPr>
         <p:sp>
           <p:nvSpPr>
-            <p:cNvPr name="Freeform 18" id="18"/>
+            <p:cNvPr id="18" name="Freeform 18"/>
             <p:cNvSpPr/>
             <p:nvPr/>
           </p:nvSpPr>
           <p:spPr>
-            <a:xfrm flipH="false" flipV="false" rot="0">
+            <a:xfrm>
               <a:off x="6350" y="6350"/>
               <a:ext cx="6993890" cy="4018153"/>
             </a:xfrm>
@@ -6345,9 +6530,9 @@
               <a:gdLst/>
               <a:ahLst/>
               <a:cxnLst/>
-              <a:rect r="r" b="b" t="t" l="l"/>
+              <a:rect l="l" t="t" r="r" b="b"/>
               <a:pathLst>
-                <a:path h="4018153" w="6993890">
+                <a:path w="6993890" h="4018153">
                   <a:moveTo>
                     <a:pt x="0" y="158750"/>
                   </a:moveTo>
@@ -6393,15 +6578,22 @@
               </a:solidFill>
             </a:ln>
           </p:spPr>
+          <p:txBody>
+            <a:bodyPr/>
+            <a:lstStyle/>
+            <a:p>
+              <a:endParaRPr lang="en-US"/>
+            </a:p>
+          </p:txBody>
         </p:sp>
         <p:sp>
           <p:nvSpPr>
-            <p:cNvPr name="Freeform 19" id="19"/>
+            <p:cNvPr id="19" name="Freeform 19"/>
             <p:cNvSpPr/>
             <p:nvPr/>
           </p:nvSpPr>
           <p:spPr>
-            <a:xfrm flipH="false" flipV="false" rot="0">
+            <a:xfrm>
               <a:off x="0" y="0"/>
               <a:ext cx="7006590" cy="4030853"/>
             </a:xfrm>
@@ -6410,9 +6602,9 @@
               <a:gdLst/>
               <a:ahLst/>
               <a:cxnLst/>
-              <a:rect r="r" b="b" t="t" l="l"/>
+              <a:rect l="l" t="t" r="r" b="b"/>
               <a:pathLst>
-                <a:path h="4030853" w="7006590">
+                <a:path w="7006590" h="4030853">
                   <a:moveTo>
                     <a:pt x="0" y="165100"/>
                   </a:moveTo>
@@ -6544,16 +6736,23 @@
               </a:solidFill>
             </a:ln>
           </p:spPr>
+          <p:txBody>
+            <a:bodyPr/>
+            <a:lstStyle/>
+            <a:p>
+              <a:endParaRPr lang="en-US"/>
+            </a:p>
+          </p:txBody>
         </p:sp>
       </p:grpSp>
       <p:sp>
         <p:nvSpPr>
-          <p:cNvPr name="TextBox 20" id="20"/>
-          <p:cNvSpPr txBox="true"/>
+          <p:cNvPr id="20" name="TextBox 20"/>
+          <p:cNvSpPr txBox="1"/>
           <p:nvPr/>
         </p:nvSpPr>
         <p:spPr>
-          <a:xfrm rot="0">
+          <a:xfrm>
             <a:off x="12343210" y="3943647"/>
             <a:ext cx="3559225" cy="471487"/>
           </a:xfrm>
@@ -6562,7 +6761,7 @@
           </a:prstGeom>
         </p:spPr>
         <p:txBody>
-          <a:bodyPr anchor="t" rtlCol="false" tIns="0" lIns="0" bIns="0" rIns="0">
+          <a:bodyPr lIns="0" tIns="0" rIns="0" bIns="0" rtlCol="0" anchor="t">
             <a:spAutoFit/>
           </a:bodyPr>
           <a:lstStyle/>
@@ -6589,12 +6788,12 @@
       </p:sp>
       <p:sp>
         <p:nvSpPr>
-          <p:cNvPr name="TextBox 21" id="21"/>
-          <p:cNvSpPr txBox="true"/>
+          <p:cNvPr id="21" name="TextBox 21"/>
+          <p:cNvSpPr txBox="1"/>
           <p:nvPr/>
         </p:nvSpPr>
         <p:spPr>
-          <a:xfrm rot="0">
+          <a:xfrm>
             <a:off x="12343210" y="4489996"/>
             <a:ext cx="4659362" cy="1909762"/>
           </a:xfrm>
@@ -6603,7 +6802,7 @@
           </a:prstGeom>
         </p:spPr>
         <p:txBody>
-          <a:bodyPr anchor="t" rtlCol="false" tIns="0" lIns="0" bIns="0" rIns="0">
+          <a:bodyPr lIns="0" tIns="0" rIns="0" bIns="0" rtlCol="0" anchor="t">
             <a:spAutoFit/>
           </a:bodyPr>
           <a:lstStyle/>
@@ -6630,12 +6829,12 @@
       </p:sp>
       <p:sp>
         <p:nvSpPr>
-          <p:cNvPr name="TextBox 22" id="22"/>
-          <p:cNvSpPr txBox="true"/>
+          <p:cNvPr id="22" name="TextBox 22"/>
+          <p:cNvSpPr txBox="1"/>
           <p:nvPr/>
         </p:nvSpPr>
         <p:spPr>
-          <a:xfrm rot="0">
+          <a:xfrm>
             <a:off x="992238" y="6916490"/>
             <a:ext cx="16303526" cy="1002506"/>
           </a:xfrm>
@@ -6644,7 +6843,7 @@
           </a:prstGeom>
         </p:spPr>
         <p:txBody>
-          <a:bodyPr anchor="t" rtlCol="false" tIns="0" lIns="0" bIns="0" rIns="0">
+          <a:bodyPr lIns="0" tIns="0" rIns="0" bIns="0" rtlCol="0" anchor="t">
             <a:spAutoFit/>
           </a:bodyPr>
           <a:lstStyle/>
@@ -6678,7 +6877,7 @@
 </file>
 
 <file path=ppt/slides/slide4.xml><?xml version="1.0" encoding="utf-8"?>
-<p:sld xmlns:p="http://schemas.openxmlformats.org/presentationml/2006/main" xmlns:a="http://schemas.openxmlformats.org/drawingml/2006/main">
+<p:sld xmlns:a="http://schemas.openxmlformats.org/drawingml/2006/main" xmlns:r="http://schemas.openxmlformats.org/officeDocument/2006/relationships" xmlns:p="http://schemas.openxmlformats.org/presentationml/2006/main">
   <p:cSld>
     <p:spTree>
       <p:nvGrpSpPr>
@@ -6696,12 +6895,12 @@
       </p:grpSpPr>
       <p:grpSp>
         <p:nvGrpSpPr>
-          <p:cNvPr name="Group 2" id="2"/>
+          <p:cNvPr id="2" name="Group 2"/>
           <p:cNvGrpSpPr/>
           <p:nvPr/>
         </p:nvGrpSpPr>
         <p:grpSpPr>
-          <a:xfrm rot="0">
+          <a:xfrm>
             <a:off x="0" y="0"/>
             <a:ext cx="18288000" cy="10287000"/>
             <a:chOff x="0" y="0"/>
@@ -6710,12 +6909,12 @@
         </p:grpSpPr>
         <p:sp>
           <p:nvSpPr>
-            <p:cNvPr name="Freeform 3" id="3"/>
+            <p:cNvPr id="3" name="Freeform 3"/>
             <p:cNvSpPr/>
             <p:nvPr/>
           </p:nvSpPr>
           <p:spPr>
-            <a:xfrm flipH="false" flipV="false" rot="0">
+            <a:xfrm>
               <a:off x="0" y="0"/>
               <a:ext cx="24384000" cy="13716000"/>
             </a:xfrm>
@@ -6724,9 +6923,9 @@
               <a:gdLst/>
               <a:ahLst/>
               <a:cxnLst/>
-              <a:rect r="r" b="b" t="t" l="l"/>
+              <a:rect l="l" t="t" r="r" b="b"/>
               <a:pathLst>
-                <a:path h="13716000" w="24384000">
+                <a:path w="24384000" h="13716000">
                   <a:moveTo>
                     <a:pt x="0" y="0"/>
                   </a:moveTo>
@@ -6752,16 +6951,23 @@
               </a:solidFill>
             </a:ln>
           </p:spPr>
+          <p:txBody>
+            <a:bodyPr/>
+            <a:lstStyle/>
+            <a:p>
+              <a:endParaRPr lang="en-US"/>
+            </a:p>
+          </p:txBody>
         </p:sp>
       </p:grpSp>
       <p:grpSp>
         <p:nvGrpSpPr>
-          <p:cNvPr name="Group 4" id="4"/>
+          <p:cNvPr id="4" name="Group 4"/>
           <p:cNvGrpSpPr/>
           <p:nvPr/>
         </p:nvGrpSpPr>
         <p:grpSpPr>
-          <a:xfrm rot="0">
+          <a:xfrm>
             <a:off x="0" y="0"/>
             <a:ext cx="18288000" cy="10287000"/>
             <a:chOff x="0" y="0"/>
@@ -6770,12 +6976,12 @@
         </p:grpSpPr>
         <p:sp>
           <p:nvSpPr>
-            <p:cNvPr name="Freeform 5" id="5"/>
+            <p:cNvPr id="5" name="Freeform 5"/>
             <p:cNvSpPr/>
             <p:nvPr/>
           </p:nvSpPr>
           <p:spPr>
-            <a:xfrm flipH="false" flipV="false" rot="0">
+            <a:xfrm>
               <a:off x="0" y="0"/>
               <a:ext cx="24384000" cy="13716000"/>
             </a:xfrm>
@@ -6784,9 +6990,9 @@
               <a:gdLst/>
               <a:ahLst/>
               <a:cxnLst/>
-              <a:rect r="r" b="b" t="t" l="l"/>
+              <a:rect l="l" t="t" r="r" b="b"/>
               <a:pathLst>
-                <a:path h="13716000" w="24384000">
+                <a:path w="24384000" h="13716000">
                   <a:moveTo>
                     <a:pt x="0" y="0"/>
                   </a:moveTo>
@@ -6814,25 +7020,32 @@
               </a:solidFill>
             </a:ln>
           </p:spPr>
+          <p:txBody>
+            <a:bodyPr/>
+            <a:lstStyle/>
+            <a:p>
+              <a:endParaRPr lang="en-US"/>
+            </a:p>
+          </p:txBody>
         </p:sp>
       </p:grpSp>
       <p:sp>
         <p:nvSpPr>
-          <p:cNvPr name="TextBox 6" id="6"/>
-          <p:cNvSpPr txBox="true"/>
+          <p:cNvPr id="6" name="TextBox 6"/>
+          <p:cNvSpPr txBox="1"/>
           <p:nvPr/>
         </p:nvSpPr>
         <p:spPr>
-          <a:xfrm rot="0">
+          <a:xfrm>
             <a:off x="992238" y="1540817"/>
-            <a:ext cx="8885932" cy="914549"/>
+            <a:ext cx="9142362" cy="834267"/>
           </a:xfrm>
           <a:prstGeom prst="rect">
             <a:avLst/>
           </a:prstGeom>
         </p:spPr>
         <p:txBody>
-          <a:bodyPr anchor="t" rtlCol="false" tIns="0" lIns="0" bIns="0" rIns="0">
+          <a:bodyPr wrap="square" lIns="0" tIns="0" rIns="0" bIns="0" rtlCol="0" anchor="t">
             <a:spAutoFit/>
           </a:bodyPr>
           <a:lstStyle/>
@@ -6843,7 +7056,7 @@
               </a:lnSpc>
             </a:pPr>
             <a:r>
-              <a:rPr lang="en-US" sz="5562">
+              <a:rPr lang="en-US" sz="5562" dirty="0">
                 <a:solidFill>
                   <a:srgbClr val="1B1B27"/>
                 </a:solidFill>
@@ -6859,12 +7072,12 @@
       </p:sp>
       <p:grpSp>
         <p:nvGrpSpPr>
-          <p:cNvPr name="Group 7" id="7"/>
+          <p:cNvPr id="7" name="Group 7"/>
           <p:cNvGrpSpPr/>
           <p:nvPr/>
         </p:nvGrpSpPr>
         <p:grpSpPr>
-          <a:xfrm rot="0">
+          <a:xfrm>
             <a:off x="973188" y="3003351"/>
             <a:ext cx="8048030" cy="2743944"/>
             <a:chOff x="0" y="0"/>
@@ -6873,12 +7086,12 @@
         </p:grpSpPr>
         <p:sp>
           <p:nvSpPr>
-            <p:cNvPr name="Freeform 8" id="8"/>
+            <p:cNvPr id="8" name="Freeform 8"/>
             <p:cNvSpPr/>
             <p:nvPr/>
           </p:nvSpPr>
           <p:spPr>
-            <a:xfrm flipH="false" flipV="false" rot="0">
+            <a:xfrm>
               <a:off x="25400" y="25400"/>
               <a:ext cx="10679938" cy="3607816"/>
             </a:xfrm>
@@ -6887,9 +7100,9 @@
               <a:gdLst/>
               <a:ahLst/>
               <a:cxnLst/>
-              <a:rect r="r" b="b" t="t" l="l"/>
+              <a:rect l="l" t="t" r="r" b="b"/>
               <a:pathLst>
-                <a:path h="3607816" w="10679938">
+                <a:path w="10679938" h="3607816">
                   <a:moveTo>
                     <a:pt x="0" y="243840"/>
                   </a:moveTo>
@@ -6937,15 +7150,22 @@
               </a:solidFill>
             </a:ln>
           </p:spPr>
+          <p:txBody>
+            <a:bodyPr/>
+            <a:lstStyle/>
+            <a:p>
+              <a:endParaRPr lang="en-US"/>
+            </a:p>
+          </p:txBody>
         </p:sp>
         <p:sp>
           <p:nvSpPr>
-            <p:cNvPr name="Freeform 9" id="9"/>
+            <p:cNvPr id="9" name="Freeform 9"/>
             <p:cNvSpPr/>
             <p:nvPr/>
           </p:nvSpPr>
           <p:spPr>
-            <a:xfrm flipH="false" flipV="false" rot="0">
+            <a:xfrm>
               <a:off x="0" y="0"/>
               <a:ext cx="10730738" cy="3658616"/>
             </a:xfrm>
@@ -6954,9 +7174,9 @@
               <a:gdLst/>
               <a:ahLst/>
               <a:cxnLst/>
-              <a:rect r="r" b="b" t="t" l="l"/>
+              <a:rect l="l" t="t" r="r" b="b"/>
               <a:pathLst>
-                <a:path h="3658616" w="10730738">
+                <a:path w="10730738" h="3658616">
                   <a:moveTo>
                     <a:pt x="0" y="269240"/>
                   </a:moveTo>
@@ -7088,16 +7308,23 @@
               </a:solidFill>
             </a:ln>
           </p:spPr>
+          <p:txBody>
+            <a:bodyPr/>
+            <a:lstStyle/>
+            <a:p>
+              <a:endParaRPr lang="en-US"/>
+            </a:p>
+          </p:txBody>
         </p:sp>
       </p:grpSp>
       <p:grpSp>
         <p:nvGrpSpPr>
-          <p:cNvPr name="Group 10" id="10"/>
+          <p:cNvPr id="10" name="Group 10"/>
           <p:cNvGrpSpPr/>
           <p:nvPr/>
         </p:nvGrpSpPr>
         <p:grpSpPr>
-          <a:xfrm rot="0">
+          <a:xfrm>
             <a:off x="954138" y="3022401"/>
             <a:ext cx="152400" cy="2705844"/>
             <a:chOff x="0" y="0"/>
@@ -7106,12 +7333,12 @@
         </p:grpSpPr>
         <p:sp>
           <p:nvSpPr>
-            <p:cNvPr name="Freeform 11" id="11"/>
+            <p:cNvPr id="11" name="Freeform 11"/>
             <p:cNvSpPr/>
             <p:nvPr/>
           </p:nvSpPr>
           <p:spPr>
-            <a:xfrm flipH="false" flipV="false" rot="0">
+            <a:xfrm>
               <a:off x="0" y="0"/>
               <a:ext cx="203200" cy="3607816"/>
             </a:xfrm>
@@ -7120,9 +7347,9 @@
               <a:gdLst/>
               <a:ahLst/>
               <a:cxnLst/>
-              <a:rect r="r" b="b" t="t" l="l"/>
+              <a:rect l="l" t="t" r="r" b="b"/>
               <a:pathLst>
-                <a:path h="3607816" w="203200">
+                <a:path w="203200" h="3607816">
                   <a:moveTo>
                     <a:pt x="0" y="101600"/>
                   </a:moveTo>
@@ -7162,16 +7389,23 @@
               </a:solidFill>
             </a:ln>
           </p:spPr>
+          <p:txBody>
+            <a:bodyPr/>
+            <a:lstStyle/>
+            <a:p>
+              <a:endParaRPr lang="en-US"/>
+            </a:p>
+          </p:txBody>
         </p:sp>
       </p:grpSp>
       <p:sp>
         <p:nvSpPr>
-          <p:cNvPr name="TextBox 12" id="12"/>
-          <p:cNvSpPr txBox="true"/>
+          <p:cNvPr id="12" name="TextBox 12"/>
+          <p:cNvSpPr txBox="1"/>
           <p:nvPr/>
         </p:nvSpPr>
         <p:spPr>
-          <a:xfrm rot="0">
+          <a:xfrm>
             <a:off x="1428155" y="3315444"/>
             <a:ext cx="4809976" cy="560189"/>
           </a:xfrm>
@@ -7180,7 +7414,7 @@
           </a:prstGeom>
         </p:spPr>
         <p:txBody>
-          <a:bodyPr anchor="t" rtlCol="false" tIns="0" lIns="0" bIns="0" rIns="0">
+          <a:bodyPr lIns="0" tIns="0" rIns="0" bIns="0" rtlCol="0" anchor="t">
             <a:spAutoFit/>
           </a:bodyPr>
           <a:lstStyle/>
@@ -7207,12 +7441,12 @@
       </p:sp>
       <p:sp>
         <p:nvSpPr>
-          <p:cNvPr name="TextBox 13" id="13"/>
-          <p:cNvSpPr txBox="true"/>
+          <p:cNvPr id="13" name="TextBox 13"/>
+          <p:cNvSpPr txBox="1"/>
           <p:nvPr/>
         </p:nvSpPr>
         <p:spPr>
-          <a:xfrm rot="0">
+          <a:xfrm>
             <a:off x="1428155" y="3950494"/>
             <a:ext cx="7252395" cy="1456135"/>
           </a:xfrm>
@@ -7221,7 +7455,7 @@
           </a:prstGeom>
         </p:spPr>
         <p:txBody>
-          <a:bodyPr anchor="t" rtlCol="false" tIns="0" lIns="0" bIns="0" rIns="0">
+          <a:bodyPr lIns="0" tIns="0" rIns="0" bIns="0" rtlCol="0" anchor="t">
             <a:spAutoFit/>
           </a:bodyPr>
           <a:lstStyle/>
@@ -7248,12 +7482,12 @@
       </p:sp>
       <p:grpSp>
         <p:nvGrpSpPr>
-          <p:cNvPr name="Group 14" id="14"/>
+          <p:cNvPr id="14" name="Group 14"/>
           <p:cNvGrpSpPr/>
           <p:nvPr/>
         </p:nvGrpSpPr>
         <p:grpSpPr>
-          <a:xfrm rot="0">
+          <a:xfrm>
             <a:off x="9266635" y="3003351"/>
             <a:ext cx="8048179" cy="2743944"/>
             <a:chOff x="0" y="0"/>
@@ -7262,12 +7496,12 @@
         </p:grpSpPr>
         <p:sp>
           <p:nvSpPr>
-            <p:cNvPr name="Freeform 15" id="15"/>
+            <p:cNvPr id="15" name="Freeform 15"/>
             <p:cNvSpPr/>
             <p:nvPr/>
           </p:nvSpPr>
           <p:spPr>
-            <a:xfrm flipH="false" flipV="false" rot="0">
+            <a:xfrm>
               <a:off x="25400" y="25400"/>
               <a:ext cx="10680192" cy="3607816"/>
             </a:xfrm>
@@ -7276,9 +7510,9 @@
               <a:gdLst/>
               <a:ahLst/>
               <a:cxnLst/>
-              <a:rect r="r" b="b" t="t" l="l"/>
+              <a:rect l="l" t="t" r="r" b="b"/>
               <a:pathLst>
-                <a:path h="3607816" w="10680192">
+                <a:path w="10680192" h="3607816">
                   <a:moveTo>
                     <a:pt x="0" y="243840"/>
                   </a:moveTo>
@@ -7326,15 +7560,22 @@
               </a:solidFill>
             </a:ln>
           </p:spPr>
+          <p:txBody>
+            <a:bodyPr/>
+            <a:lstStyle/>
+            <a:p>
+              <a:endParaRPr lang="en-US"/>
+            </a:p>
+          </p:txBody>
         </p:sp>
         <p:sp>
           <p:nvSpPr>
-            <p:cNvPr name="Freeform 16" id="16"/>
+            <p:cNvPr id="16" name="Freeform 16"/>
             <p:cNvSpPr/>
             <p:nvPr/>
           </p:nvSpPr>
           <p:spPr>
-            <a:xfrm flipH="false" flipV="false" rot="0">
+            <a:xfrm>
               <a:off x="0" y="0"/>
               <a:ext cx="10730992" cy="3658616"/>
             </a:xfrm>
@@ -7343,9 +7584,9 @@
               <a:gdLst/>
               <a:ahLst/>
               <a:cxnLst/>
-              <a:rect r="r" b="b" t="t" l="l"/>
+              <a:rect l="l" t="t" r="r" b="b"/>
               <a:pathLst>
-                <a:path h="3658616" w="10730992">
+                <a:path w="10730992" h="3658616">
                   <a:moveTo>
                     <a:pt x="0" y="269240"/>
                   </a:moveTo>
@@ -7477,16 +7718,23 @@
               </a:solidFill>
             </a:ln>
           </p:spPr>
+          <p:txBody>
+            <a:bodyPr/>
+            <a:lstStyle/>
+            <a:p>
+              <a:endParaRPr lang="en-US"/>
+            </a:p>
+          </p:txBody>
         </p:sp>
       </p:grpSp>
       <p:grpSp>
         <p:nvGrpSpPr>
-          <p:cNvPr name="Group 17" id="17"/>
+          <p:cNvPr id="17" name="Group 17"/>
           <p:cNvGrpSpPr/>
           <p:nvPr/>
         </p:nvGrpSpPr>
         <p:grpSpPr>
-          <a:xfrm rot="0">
+          <a:xfrm>
             <a:off x="9247584" y="3022401"/>
             <a:ext cx="152400" cy="2705844"/>
             <a:chOff x="0" y="0"/>
@@ -7495,12 +7743,12 @@
         </p:grpSpPr>
         <p:sp>
           <p:nvSpPr>
-            <p:cNvPr name="Freeform 18" id="18"/>
+            <p:cNvPr id="18" name="Freeform 18"/>
             <p:cNvSpPr/>
             <p:nvPr/>
           </p:nvSpPr>
           <p:spPr>
-            <a:xfrm flipH="false" flipV="false" rot="0">
+            <a:xfrm>
               <a:off x="0" y="0"/>
               <a:ext cx="203200" cy="3607816"/>
             </a:xfrm>
@@ -7509,9 +7757,9 @@
               <a:gdLst/>
               <a:ahLst/>
               <a:cxnLst/>
-              <a:rect r="r" b="b" t="t" l="l"/>
+              <a:rect l="l" t="t" r="r" b="b"/>
               <a:pathLst>
-                <a:path h="3607816" w="203200">
+                <a:path w="203200" h="3607816">
                   <a:moveTo>
                     <a:pt x="0" y="101600"/>
                   </a:moveTo>
@@ -7551,16 +7799,23 @@
               </a:solidFill>
             </a:ln>
           </p:spPr>
+          <p:txBody>
+            <a:bodyPr/>
+            <a:lstStyle/>
+            <a:p>
+              <a:endParaRPr lang="en-US"/>
+            </a:p>
+          </p:txBody>
         </p:sp>
       </p:grpSp>
       <p:sp>
         <p:nvSpPr>
-          <p:cNvPr name="TextBox 19" id="19"/>
-          <p:cNvSpPr txBox="true"/>
+          <p:cNvPr id="19" name="TextBox 19"/>
+          <p:cNvSpPr txBox="1"/>
           <p:nvPr/>
         </p:nvSpPr>
         <p:spPr>
-          <a:xfrm rot="0">
+          <a:xfrm>
             <a:off x="9721602" y="3315444"/>
             <a:ext cx="4252912" cy="560189"/>
           </a:xfrm>
@@ -7569,7 +7824,7 @@
           </a:prstGeom>
         </p:spPr>
         <p:txBody>
-          <a:bodyPr anchor="t" rtlCol="false" tIns="0" lIns="0" bIns="0" rIns="0">
+          <a:bodyPr lIns="0" tIns="0" rIns="0" bIns="0" rtlCol="0" anchor="t">
             <a:spAutoFit/>
           </a:bodyPr>
           <a:lstStyle/>
@@ -7596,12 +7851,12 @@
       </p:sp>
       <p:sp>
         <p:nvSpPr>
-          <p:cNvPr name="TextBox 20" id="20"/>
-          <p:cNvSpPr txBox="true"/>
+          <p:cNvPr id="20" name="TextBox 20"/>
+          <p:cNvSpPr txBox="1"/>
           <p:nvPr/>
         </p:nvSpPr>
         <p:spPr>
-          <a:xfrm rot="0">
+          <a:xfrm>
             <a:off x="9721602" y="3950494"/>
             <a:ext cx="7252544" cy="1456135"/>
           </a:xfrm>
@@ -7610,7 +7865,7 @@
           </a:prstGeom>
         </p:spPr>
         <p:txBody>
-          <a:bodyPr anchor="t" rtlCol="false" tIns="0" lIns="0" bIns="0" rIns="0">
+          <a:bodyPr lIns="0" tIns="0" rIns="0" bIns="0" rtlCol="0" anchor="t">
             <a:spAutoFit/>
           </a:bodyPr>
           <a:lstStyle/>
@@ -7637,12 +7892,12 @@
       </p:sp>
       <p:grpSp>
         <p:nvGrpSpPr>
-          <p:cNvPr name="Group 21" id="21"/>
+          <p:cNvPr id="21" name="Group 21"/>
           <p:cNvGrpSpPr/>
           <p:nvPr/>
         </p:nvGrpSpPr>
         <p:grpSpPr>
-          <a:xfrm rot="0">
+          <a:xfrm>
             <a:off x="973188" y="5992714"/>
             <a:ext cx="8048030" cy="2743944"/>
             <a:chOff x="0" y="0"/>
@@ -7651,12 +7906,12 @@
         </p:grpSpPr>
         <p:sp>
           <p:nvSpPr>
-            <p:cNvPr name="Freeform 22" id="22"/>
+            <p:cNvPr id="22" name="Freeform 22"/>
             <p:cNvSpPr/>
             <p:nvPr/>
           </p:nvSpPr>
           <p:spPr>
-            <a:xfrm flipH="false" flipV="false" rot="0">
+            <a:xfrm>
               <a:off x="25400" y="25400"/>
               <a:ext cx="10679938" cy="3607816"/>
             </a:xfrm>
@@ -7665,9 +7920,9 @@
               <a:gdLst/>
               <a:ahLst/>
               <a:cxnLst/>
-              <a:rect r="r" b="b" t="t" l="l"/>
+              <a:rect l="l" t="t" r="r" b="b"/>
               <a:pathLst>
-                <a:path h="3607816" w="10679938">
+                <a:path w="10679938" h="3607816">
                   <a:moveTo>
                     <a:pt x="0" y="243840"/>
                   </a:moveTo>
@@ -7715,15 +7970,22 @@
               </a:solidFill>
             </a:ln>
           </p:spPr>
+          <p:txBody>
+            <a:bodyPr/>
+            <a:lstStyle/>
+            <a:p>
+              <a:endParaRPr lang="en-US"/>
+            </a:p>
+          </p:txBody>
         </p:sp>
         <p:sp>
           <p:nvSpPr>
-            <p:cNvPr name="Freeform 23" id="23"/>
+            <p:cNvPr id="23" name="Freeform 23"/>
             <p:cNvSpPr/>
             <p:nvPr/>
           </p:nvSpPr>
           <p:spPr>
-            <a:xfrm flipH="false" flipV="false" rot="0">
+            <a:xfrm>
               <a:off x="0" y="0"/>
               <a:ext cx="10730738" cy="3658616"/>
             </a:xfrm>
@@ -7732,9 +7994,9 @@
               <a:gdLst/>
               <a:ahLst/>
               <a:cxnLst/>
-              <a:rect r="r" b="b" t="t" l="l"/>
+              <a:rect l="l" t="t" r="r" b="b"/>
               <a:pathLst>
-                <a:path h="3658616" w="10730738">
+                <a:path w="10730738" h="3658616">
                   <a:moveTo>
                     <a:pt x="0" y="269240"/>
                   </a:moveTo>
@@ -7866,16 +8128,23 @@
               </a:solidFill>
             </a:ln>
           </p:spPr>
+          <p:txBody>
+            <a:bodyPr/>
+            <a:lstStyle/>
+            <a:p>
+              <a:endParaRPr lang="en-US"/>
+            </a:p>
+          </p:txBody>
         </p:sp>
       </p:grpSp>
       <p:grpSp>
         <p:nvGrpSpPr>
-          <p:cNvPr name="Group 24" id="24"/>
+          <p:cNvPr id="24" name="Group 24"/>
           <p:cNvGrpSpPr/>
           <p:nvPr/>
         </p:nvGrpSpPr>
         <p:grpSpPr>
-          <a:xfrm rot="0">
+          <a:xfrm>
             <a:off x="954138" y="6011764"/>
             <a:ext cx="152400" cy="2705844"/>
             <a:chOff x="0" y="0"/>
@@ -7884,12 +8153,12 @@
         </p:grpSpPr>
         <p:sp>
           <p:nvSpPr>
-            <p:cNvPr name="Freeform 25" id="25"/>
+            <p:cNvPr id="25" name="Freeform 25"/>
             <p:cNvSpPr/>
             <p:nvPr/>
           </p:nvSpPr>
           <p:spPr>
-            <a:xfrm flipH="false" flipV="false" rot="0">
+            <a:xfrm>
               <a:off x="0" y="0"/>
               <a:ext cx="203200" cy="3607816"/>
             </a:xfrm>
@@ -7898,9 +8167,9 @@
               <a:gdLst/>
               <a:ahLst/>
               <a:cxnLst/>
-              <a:rect r="r" b="b" t="t" l="l"/>
+              <a:rect l="l" t="t" r="r" b="b"/>
               <a:pathLst>
-                <a:path h="3607816" w="203200">
+                <a:path w="203200" h="3607816">
                   <a:moveTo>
                     <a:pt x="0" y="101600"/>
                   </a:moveTo>
@@ -7940,16 +8209,23 @@
               </a:solidFill>
             </a:ln>
           </p:spPr>
+          <p:txBody>
+            <a:bodyPr/>
+            <a:lstStyle/>
+            <a:p>
+              <a:endParaRPr lang="en-US"/>
+            </a:p>
+          </p:txBody>
         </p:sp>
       </p:grpSp>
       <p:sp>
         <p:nvSpPr>
-          <p:cNvPr name="TextBox 26" id="26"/>
-          <p:cNvSpPr txBox="true"/>
+          <p:cNvPr id="26" name="TextBox 26"/>
+          <p:cNvSpPr txBox="1"/>
           <p:nvPr/>
         </p:nvSpPr>
         <p:spPr>
-          <a:xfrm rot="0">
+          <a:xfrm>
             <a:off x="1428155" y="6304806"/>
             <a:ext cx="4349055" cy="560189"/>
           </a:xfrm>
@@ -7958,7 +8234,7 @@
           </a:prstGeom>
         </p:spPr>
         <p:txBody>
-          <a:bodyPr anchor="t" rtlCol="false" tIns="0" lIns="0" bIns="0" rIns="0">
+          <a:bodyPr lIns="0" tIns="0" rIns="0" bIns="0" rtlCol="0" anchor="t">
             <a:spAutoFit/>
           </a:bodyPr>
           <a:lstStyle/>
@@ -7985,12 +8261,12 @@
       </p:sp>
       <p:sp>
         <p:nvSpPr>
-          <p:cNvPr name="TextBox 27" id="27"/>
-          <p:cNvSpPr txBox="true"/>
+          <p:cNvPr id="27" name="TextBox 27"/>
+          <p:cNvSpPr txBox="1"/>
           <p:nvPr/>
         </p:nvSpPr>
         <p:spPr>
-          <a:xfrm rot="0">
+          <a:xfrm>
             <a:off x="1428155" y="6939855"/>
             <a:ext cx="7252395" cy="1456135"/>
           </a:xfrm>
@@ -7999,7 +8275,7 @@
           </a:prstGeom>
         </p:spPr>
         <p:txBody>
-          <a:bodyPr anchor="t" rtlCol="false" tIns="0" lIns="0" bIns="0" rIns="0">
+          <a:bodyPr lIns="0" tIns="0" rIns="0" bIns="0" rtlCol="0" anchor="t">
             <a:spAutoFit/>
           </a:bodyPr>
           <a:lstStyle/>
@@ -8026,12 +8302,12 @@
       </p:sp>
       <p:grpSp>
         <p:nvGrpSpPr>
-          <p:cNvPr name="Group 28" id="28"/>
+          <p:cNvPr id="28" name="Group 28"/>
           <p:cNvGrpSpPr/>
           <p:nvPr/>
         </p:nvGrpSpPr>
         <p:grpSpPr>
-          <a:xfrm rot="0">
+          <a:xfrm>
             <a:off x="9266635" y="5992714"/>
             <a:ext cx="8048179" cy="2743944"/>
             <a:chOff x="0" y="0"/>
@@ -8040,12 +8316,12 @@
         </p:grpSpPr>
         <p:sp>
           <p:nvSpPr>
-            <p:cNvPr name="Freeform 29" id="29"/>
+            <p:cNvPr id="29" name="Freeform 29"/>
             <p:cNvSpPr/>
             <p:nvPr/>
           </p:nvSpPr>
           <p:spPr>
-            <a:xfrm flipH="false" flipV="false" rot="0">
+            <a:xfrm>
               <a:off x="25400" y="25400"/>
               <a:ext cx="10680192" cy="3607816"/>
             </a:xfrm>
@@ -8054,9 +8330,9 @@
               <a:gdLst/>
               <a:ahLst/>
               <a:cxnLst/>
-              <a:rect r="r" b="b" t="t" l="l"/>
+              <a:rect l="l" t="t" r="r" b="b"/>
               <a:pathLst>
-                <a:path h="3607816" w="10680192">
+                <a:path w="10680192" h="3607816">
                   <a:moveTo>
                     <a:pt x="0" y="243840"/>
                   </a:moveTo>
@@ -8104,15 +8380,22 @@
               </a:solidFill>
             </a:ln>
           </p:spPr>
+          <p:txBody>
+            <a:bodyPr/>
+            <a:lstStyle/>
+            <a:p>
+              <a:endParaRPr lang="en-US"/>
+            </a:p>
+          </p:txBody>
         </p:sp>
         <p:sp>
           <p:nvSpPr>
-            <p:cNvPr name="Freeform 30" id="30"/>
+            <p:cNvPr id="30" name="Freeform 30"/>
             <p:cNvSpPr/>
             <p:nvPr/>
           </p:nvSpPr>
           <p:spPr>
-            <a:xfrm flipH="false" flipV="false" rot="0">
+            <a:xfrm>
               <a:off x="0" y="0"/>
               <a:ext cx="10730992" cy="3658616"/>
             </a:xfrm>
@@ -8121,9 +8404,9 @@
               <a:gdLst/>
               <a:ahLst/>
               <a:cxnLst/>
-              <a:rect r="r" b="b" t="t" l="l"/>
+              <a:rect l="l" t="t" r="r" b="b"/>
               <a:pathLst>
-                <a:path h="3658616" w="10730992">
+                <a:path w="10730992" h="3658616">
                   <a:moveTo>
                     <a:pt x="0" y="269240"/>
                   </a:moveTo>
@@ -8255,16 +8538,23 @@
               </a:solidFill>
             </a:ln>
           </p:spPr>
+          <p:txBody>
+            <a:bodyPr/>
+            <a:lstStyle/>
+            <a:p>
+              <a:endParaRPr lang="en-US"/>
+            </a:p>
+          </p:txBody>
         </p:sp>
       </p:grpSp>
       <p:grpSp>
         <p:nvGrpSpPr>
-          <p:cNvPr name="Group 31" id="31"/>
+          <p:cNvPr id="31" name="Group 31"/>
           <p:cNvGrpSpPr/>
           <p:nvPr/>
         </p:nvGrpSpPr>
         <p:grpSpPr>
-          <a:xfrm rot="0">
+          <a:xfrm>
             <a:off x="9247584" y="6011764"/>
             <a:ext cx="152400" cy="2705844"/>
             <a:chOff x="0" y="0"/>
@@ -8273,12 +8563,12 @@
         </p:grpSpPr>
         <p:sp>
           <p:nvSpPr>
-            <p:cNvPr name="Freeform 32" id="32"/>
+            <p:cNvPr id="32" name="Freeform 32"/>
             <p:cNvSpPr/>
             <p:nvPr/>
           </p:nvSpPr>
           <p:spPr>
-            <a:xfrm flipH="false" flipV="false" rot="0">
+            <a:xfrm>
               <a:off x="0" y="0"/>
               <a:ext cx="203200" cy="3607816"/>
             </a:xfrm>
@@ -8287,9 +8577,9 @@
               <a:gdLst/>
               <a:ahLst/>
               <a:cxnLst/>
-              <a:rect r="r" b="b" t="t" l="l"/>
+              <a:rect l="l" t="t" r="r" b="b"/>
               <a:pathLst>
-                <a:path h="3607816" w="203200">
+                <a:path w="203200" h="3607816">
                   <a:moveTo>
                     <a:pt x="0" y="101600"/>
                   </a:moveTo>
@@ -8329,16 +8619,23 @@
               </a:solidFill>
             </a:ln>
           </p:spPr>
+          <p:txBody>
+            <a:bodyPr/>
+            <a:lstStyle/>
+            <a:p>
+              <a:endParaRPr lang="en-US"/>
+            </a:p>
+          </p:txBody>
         </p:sp>
       </p:grpSp>
       <p:sp>
         <p:nvSpPr>
-          <p:cNvPr name="TextBox 33" id="33"/>
-          <p:cNvSpPr txBox="true"/>
+          <p:cNvPr id="33" name="TextBox 33"/>
+          <p:cNvSpPr txBox="1"/>
           <p:nvPr/>
         </p:nvSpPr>
         <p:spPr>
-          <a:xfrm rot="0">
+          <a:xfrm>
             <a:off x="9721602" y="6304806"/>
             <a:ext cx="4252912" cy="560189"/>
           </a:xfrm>
@@ -8347,7 +8644,7 @@
           </a:prstGeom>
         </p:spPr>
         <p:txBody>
-          <a:bodyPr anchor="t" rtlCol="false" tIns="0" lIns="0" bIns="0" rIns="0">
+          <a:bodyPr lIns="0" tIns="0" rIns="0" bIns="0" rtlCol="0" anchor="t">
             <a:spAutoFit/>
           </a:bodyPr>
           <a:lstStyle/>
@@ -8374,12 +8671,12 @@
       </p:sp>
       <p:sp>
         <p:nvSpPr>
-          <p:cNvPr name="TextBox 34" id="34"/>
-          <p:cNvSpPr txBox="true"/>
+          <p:cNvPr id="34" name="TextBox 34"/>
+          <p:cNvSpPr txBox="1"/>
           <p:nvPr/>
         </p:nvSpPr>
         <p:spPr>
-          <a:xfrm rot="0">
+          <a:xfrm>
             <a:off x="9721602" y="6939855"/>
             <a:ext cx="7252544" cy="1456135"/>
           </a:xfrm>
@@ -8388,7 +8685,7 @@
           </a:prstGeom>
         </p:spPr>
         <p:txBody>
-          <a:bodyPr anchor="t" rtlCol="false" tIns="0" lIns="0" bIns="0" rIns="0">
+          <a:bodyPr lIns="0" tIns="0" rIns="0" bIns="0" rtlCol="0" anchor="t">
             <a:spAutoFit/>
           </a:bodyPr>
           <a:lstStyle/>
@@ -8422,7 +8719,7 @@
 </file>
 
 <file path=ppt/slides/slide5.xml><?xml version="1.0" encoding="utf-8"?>
-<p:sld xmlns:p="http://schemas.openxmlformats.org/presentationml/2006/main" xmlns:a="http://schemas.openxmlformats.org/drawingml/2006/main">
+<p:sld xmlns:a="http://schemas.openxmlformats.org/drawingml/2006/main" xmlns:r="http://schemas.openxmlformats.org/officeDocument/2006/relationships" xmlns:p="http://schemas.openxmlformats.org/presentationml/2006/main">
   <p:cSld>
     <p:spTree>
       <p:nvGrpSpPr>
@@ -8440,12 +8737,12 @@
       </p:grpSpPr>
       <p:grpSp>
         <p:nvGrpSpPr>
-          <p:cNvPr name="Group 2" id="2"/>
+          <p:cNvPr id="2" name="Group 2"/>
           <p:cNvGrpSpPr/>
           <p:nvPr/>
         </p:nvGrpSpPr>
         <p:grpSpPr>
-          <a:xfrm rot="0">
+          <a:xfrm>
             <a:off x="0" y="0"/>
             <a:ext cx="18288000" cy="10287000"/>
             <a:chOff x="0" y="0"/>
@@ -8454,12 +8751,12 @@
         </p:grpSpPr>
         <p:sp>
           <p:nvSpPr>
-            <p:cNvPr name="Freeform 3" id="3"/>
+            <p:cNvPr id="3" name="Freeform 3"/>
             <p:cNvSpPr/>
             <p:nvPr/>
           </p:nvSpPr>
           <p:spPr>
-            <a:xfrm flipH="false" flipV="false" rot="0">
+            <a:xfrm>
               <a:off x="0" y="0"/>
               <a:ext cx="24384000" cy="13716000"/>
             </a:xfrm>
@@ -8468,9 +8765,9 @@
               <a:gdLst/>
               <a:ahLst/>
               <a:cxnLst/>
-              <a:rect r="r" b="b" t="t" l="l"/>
+              <a:rect l="l" t="t" r="r" b="b"/>
               <a:pathLst>
-                <a:path h="13716000" w="24384000">
+                <a:path w="24384000" h="13716000">
                   <a:moveTo>
                     <a:pt x="0" y="0"/>
                   </a:moveTo>
@@ -8496,16 +8793,23 @@
               </a:solidFill>
             </a:ln>
           </p:spPr>
+          <p:txBody>
+            <a:bodyPr/>
+            <a:lstStyle/>
+            <a:p>
+              <a:endParaRPr lang="en-US"/>
+            </a:p>
+          </p:txBody>
         </p:sp>
       </p:grpSp>
       <p:grpSp>
         <p:nvGrpSpPr>
-          <p:cNvPr name="Group 4" id="4"/>
+          <p:cNvPr id="4" name="Group 4"/>
           <p:cNvGrpSpPr/>
           <p:nvPr/>
         </p:nvGrpSpPr>
         <p:grpSpPr>
-          <a:xfrm rot="0">
+          <a:xfrm>
             <a:off x="0" y="0"/>
             <a:ext cx="18288000" cy="10287000"/>
             <a:chOff x="0" y="0"/>
@@ -8514,12 +8818,12 @@
         </p:grpSpPr>
         <p:sp>
           <p:nvSpPr>
-            <p:cNvPr name="Freeform 5" id="5"/>
+            <p:cNvPr id="5" name="Freeform 5"/>
             <p:cNvSpPr/>
             <p:nvPr/>
           </p:nvSpPr>
           <p:spPr>
-            <a:xfrm flipH="false" flipV="false" rot="0">
+            <a:xfrm>
               <a:off x="0" y="0"/>
               <a:ext cx="24384000" cy="13716000"/>
             </a:xfrm>
@@ -8528,9 +8832,9 @@
               <a:gdLst/>
               <a:ahLst/>
               <a:cxnLst/>
-              <a:rect r="r" b="b" t="t" l="l"/>
+              <a:rect l="l" t="t" r="r" b="b"/>
               <a:pathLst>
-                <a:path h="13716000" w="24384000">
+                <a:path w="24384000" h="13716000">
                   <a:moveTo>
                     <a:pt x="0" y="0"/>
                   </a:moveTo>
@@ -8558,16 +8862,23 @@
               </a:solidFill>
             </a:ln>
           </p:spPr>
+          <p:txBody>
+            <a:bodyPr/>
+            <a:lstStyle/>
+            <a:p>
+              <a:endParaRPr lang="en-US"/>
+            </a:p>
+          </p:txBody>
         </p:sp>
       </p:grpSp>
       <p:sp>
         <p:nvSpPr>
-          <p:cNvPr name="TextBox 6" id="6"/>
-          <p:cNvSpPr txBox="true"/>
+          <p:cNvPr id="6" name="TextBox 6"/>
+          <p:cNvSpPr txBox="1"/>
           <p:nvPr/>
         </p:nvSpPr>
         <p:spPr>
-          <a:xfrm rot="0">
+          <a:xfrm>
             <a:off x="855315" y="633859"/>
             <a:ext cx="10210651" cy="801738"/>
           </a:xfrm>
@@ -8576,7 +8887,7 @@
           </a:prstGeom>
         </p:spPr>
         <p:txBody>
-          <a:bodyPr anchor="t" rtlCol="false" tIns="0" lIns="0" bIns="0" rIns="0">
+          <a:bodyPr lIns="0" tIns="0" rIns="0" bIns="0" rtlCol="0" anchor="t">
             <a:spAutoFit/>
           </a:bodyPr>
           <a:lstStyle/>
@@ -8603,12 +8914,12 @@
       </p:sp>
       <p:sp>
         <p:nvSpPr>
-          <p:cNvPr name="TextBox 7" id="7"/>
-          <p:cNvSpPr txBox="true"/>
+          <p:cNvPr id="7" name="TextBox 7"/>
+          <p:cNvSpPr txBox="1"/>
           <p:nvPr/>
         </p:nvSpPr>
         <p:spPr>
-          <a:xfrm rot="0">
+          <a:xfrm>
             <a:off x="855315" y="2027485"/>
             <a:ext cx="3665636" cy="477143"/>
           </a:xfrm>
@@ -8617,7 +8928,7 @@
           </a:prstGeom>
         </p:spPr>
         <p:txBody>
-          <a:bodyPr anchor="t" rtlCol="false" tIns="0" lIns="0" bIns="0" rIns="0">
+          <a:bodyPr lIns="0" tIns="0" rIns="0" bIns="0" rtlCol="0" anchor="t">
             <a:spAutoFit/>
           </a:bodyPr>
           <a:lstStyle/>
@@ -8628,7 +8939,7 @@
               </a:lnSpc>
             </a:pPr>
             <a:r>
-              <a:rPr lang="en-US" sz="2874">
+              <a:rPr lang="en-US" sz="2874" dirty="0">
                 <a:solidFill>
                   <a:srgbClr val="1B1B27"/>
                 </a:solidFill>
@@ -8644,12 +8955,12 @@
       </p:sp>
       <p:sp>
         <p:nvSpPr>
-          <p:cNvPr name="TextBox 8" id="8"/>
-          <p:cNvSpPr txBox="true"/>
+          <p:cNvPr id="8" name="TextBox 8"/>
+          <p:cNvSpPr txBox="1"/>
           <p:nvPr/>
         </p:nvSpPr>
         <p:spPr>
-          <a:xfrm rot="0">
+          <a:xfrm>
             <a:off x="855315" y="2663279"/>
             <a:ext cx="6273105" cy="476696"/>
           </a:xfrm>
@@ -8658,12 +8969,12 @@
           </a:prstGeom>
         </p:spPr>
         <p:txBody>
-          <a:bodyPr anchor="t" rtlCol="false" tIns="0" lIns="0" bIns="0" rIns="0">
+          <a:bodyPr lIns="0" tIns="0" rIns="0" bIns="0" rtlCol="0" anchor="t">
             <a:spAutoFit/>
           </a:bodyPr>
           <a:lstStyle/>
           <a:p>
-            <a:pPr algn="l" marL="282773" indent="-141387" lvl="1">
+            <a:pPr marL="282773" lvl="1" indent="-141387" algn="l">
               <a:lnSpc>
                 <a:spcPts val="3062"/>
               </a:lnSpc>
@@ -8671,7 +8982,7 @@
               <a:buChar char="•"/>
             </a:pPr>
             <a:r>
-              <a:rPr lang="en-US" b="true" sz="1874">
+              <a:rPr lang="en-US" sz="1874" b="1">
                 <a:solidFill>
                   <a:srgbClr val="3C3939"/>
                 </a:solidFill>
@@ -8699,12 +9010,12 @@
       </p:sp>
       <p:sp>
         <p:nvSpPr>
-          <p:cNvPr name="TextBox 9" id="9"/>
-          <p:cNvSpPr txBox="true"/>
+          <p:cNvPr id="9" name="TextBox 9"/>
+          <p:cNvSpPr txBox="1"/>
           <p:nvPr/>
         </p:nvSpPr>
         <p:spPr>
-          <a:xfrm rot="0">
+          <a:xfrm>
             <a:off x="855315" y="3139679"/>
             <a:ext cx="6273105" cy="476696"/>
           </a:xfrm>
@@ -8713,12 +9024,12 @@
           </a:prstGeom>
         </p:spPr>
         <p:txBody>
-          <a:bodyPr anchor="t" rtlCol="false" tIns="0" lIns="0" bIns="0" rIns="0">
+          <a:bodyPr lIns="0" tIns="0" rIns="0" bIns="0" rtlCol="0" anchor="t">
             <a:spAutoFit/>
           </a:bodyPr>
           <a:lstStyle/>
           <a:p>
-            <a:pPr algn="l" marL="282773" indent="-141387" lvl="1">
+            <a:pPr marL="282773" lvl="1" indent="-141387" algn="l">
               <a:lnSpc>
                 <a:spcPts val="3062"/>
               </a:lnSpc>
@@ -8726,7 +9037,7 @@
               <a:buChar char="•"/>
             </a:pPr>
             <a:r>
-              <a:rPr lang="en-US" b="true" sz="1874">
+              <a:rPr lang="en-US" sz="1874" b="1">
                 <a:solidFill>
                   <a:srgbClr val="3C3939"/>
                 </a:solidFill>
@@ -8754,12 +9065,12 @@
       </p:sp>
       <p:sp>
         <p:nvSpPr>
-          <p:cNvPr name="TextBox 10" id="10"/>
-          <p:cNvSpPr txBox="true"/>
+          <p:cNvPr id="10" name="TextBox 10"/>
+          <p:cNvSpPr txBox="1"/>
           <p:nvPr/>
         </p:nvSpPr>
         <p:spPr>
-          <a:xfrm rot="0">
+          <a:xfrm>
             <a:off x="855315" y="3616077"/>
             <a:ext cx="6273105" cy="476696"/>
           </a:xfrm>
@@ -8768,12 +9079,12 @@
           </a:prstGeom>
         </p:spPr>
         <p:txBody>
-          <a:bodyPr anchor="t" rtlCol="false" tIns="0" lIns="0" bIns="0" rIns="0">
+          <a:bodyPr lIns="0" tIns="0" rIns="0" bIns="0" rtlCol="0" anchor="t">
             <a:spAutoFit/>
           </a:bodyPr>
           <a:lstStyle/>
           <a:p>
-            <a:pPr algn="l" marL="282773" indent="-141387" lvl="1">
+            <a:pPr marL="282773" lvl="1" indent="-141387" algn="l">
               <a:lnSpc>
                 <a:spcPts val="3062"/>
               </a:lnSpc>
@@ -8781,7 +9092,7 @@
               <a:buChar char="•"/>
             </a:pPr>
             <a:r>
-              <a:rPr lang="en-US" b="true" sz="1874">
+              <a:rPr lang="en-US" sz="1874" b="1">
                 <a:solidFill>
                   <a:srgbClr val="3C3939"/>
                 </a:solidFill>
@@ -8809,12 +9120,12 @@
       </p:sp>
       <p:sp>
         <p:nvSpPr>
-          <p:cNvPr name="TextBox 11" id="11"/>
-          <p:cNvSpPr txBox="true"/>
+          <p:cNvPr id="11" name="TextBox 11"/>
+          <p:cNvSpPr txBox="1"/>
           <p:nvPr/>
         </p:nvSpPr>
         <p:spPr>
-          <a:xfrm rot="0">
+          <a:xfrm>
             <a:off x="855315" y="4092476"/>
             <a:ext cx="6273105" cy="476696"/>
           </a:xfrm>
@@ -8823,12 +9134,12 @@
           </a:prstGeom>
         </p:spPr>
         <p:txBody>
-          <a:bodyPr anchor="t" rtlCol="false" tIns="0" lIns="0" bIns="0" rIns="0">
+          <a:bodyPr lIns="0" tIns="0" rIns="0" bIns="0" rtlCol="0" anchor="t">
             <a:spAutoFit/>
           </a:bodyPr>
           <a:lstStyle/>
           <a:p>
-            <a:pPr algn="l" marL="282773" indent="-141387" lvl="1">
+            <a:pPr marL="282773" lvl="1" indent="-141387" algn="l">
               <a:lnSpc>
                 <a:spcPts val="3062"/>
               </a:lnSpc>
@@ -8836,7 +9147,7 @@
               <a:buChar char="•"/>
             </a:pPr>
             <a:r>
-              <a:rPr lang="en-US" b="true" sz="1874">
+              <a:rPr lang="en-US" sz="1874" b="1">
                 <a:solidFill>
                   <a:srgbClr val="3C3939"/>
                 </a:solidFill>
@@ -8864,12 +9175,12 @@
       </p:sp>
       <p:sp>
         <p:nvSpPr>
-          <p:cNvPr name="TextBox 12" id="12"/>
-          <p:cNvSpPr txBox="true"/>
+          <p:cNvPr id="12" name="TextBox 12"/>
+          <p:cNvSpPr txBox="1"/>
           <p:nvPr/>
         </p:nvSpPr>
         <p:spPr>
-          <a:xfrm rot="0">
+          <a:xfrm>
             <a:off x="855315" y="4568875"/>
             <a:ext cx="6273105" cy="476696"/>
           </a:xfrm>
@@ -8878,12 +9189,12 @@
           </a:prstGeom>
         </p:spPr>
         <p:txBody>
-          <a:bodyPr anchor="t" rtlCol="false" tIns="0" lIns="0" bIns="0" rIns="0">
+          <a:bodyPr lIns="0" tIns="0" rIns="0" bIns="0" rtlCol="0" anchor="t">
             <a:spAutoFit/>
           </a:bodyPr>
           <a:lstStyle/>
           <a:p>
-            <a:pPr algn="l" marL="282773" indent="-141387" lvl="1">
+            <a:pPr marL="282773" lvl="1" indent="-141387" algn="l">
               <a:lnSpc>
                 <a:spcPts val="3062"/>
               </a:lnSpc>
@@ -8891,7 +9202,7 @@
               <a:buChar char="•"/>
             </a:pPr>
             <a:r>
-              <a:rPr lang="en-US" b="true" sz="1874">
+              <a:rPr lang="en-US" sz="1874" b="1">
                 <a:solidFill>
                   <a:srgbClr val="3C3939"/>
                 </a:solidFill>
@@ -8919,12 +9230,12 @@
       </p:sp>
       <p:sp>
         <p:nvSpPr>
-          <p:cNvPr name="TextBox 13" id="13"/>
-          <p:cNvSpPr txBox="true"/>
+          <p:cNvPr id="13" name="TextBox 13"/>
+          <p:cNvSpPr txBox="1"/>
           <p:nvPr/>
         </p:nvSpPr>
         <p:spPr>
-          <a:xfrm rot="0">
+          <a:xfrm>
             <a:off x="855315" y="5045274"/>
             <a:ext cx="6273105" cy="476696"/>
           </a:xfrm>
@@ -8933,12 +9244,12 @@
           </a:prstGeom>
         </p:spPr>
         <p:txBody>
-          <a:bodyPr anchor="t" rtlCol="false" tIns="0" lIns="0" bIns="0" rIns="0">
+          <a:bodyPr lIns="0" tIns="0" rIns="0" bIns="0" rtlCol="0" anchor="t">
             <a:spAutoFit/>
           </a:bodyPr>
           <a:lstStyle/>
           <a:p>
-            <a:pPr algn="l" marL="282773" indent="-141387" lvl="1">
+            <a:pPr marL="282773" lvl="1" indent="-141387" algn="l">
               <a:lnSpc>
                 <a:spcPts val="3062"/>
               </a:lnSpc>
@@ -8946,7 +9257,7 @@
               <a:buChar char="•"/>
             </a:pPr>
             <a:r>
-              <a:rPr lang="en-US" b="true" sz="1874">
+              <a:rPr lang="en-US" sz="1874" b="1">
                 <a:solidFill>
                   <a:srgbClr val="3C3939"/>
                 </a:solidFill>
@@ -8974,21 +9285,21 @@
       </p:sp>
       <p:sp>
         <p:nvSpPr>
-          <p:cNvPr name="TextBox 14" id="14"/>
-          <p:cNvSpPr txBox="true"/>
+          <p:cNvPr id="14" name="TextBox 14"/>
+          <p:cNvSpPr txBox="1"/>
           <p:nvPr/>
         </p:nvSpPr>
         <p:spPr>
-          <a:xfrm rot="0">
+          <a:xfrm>
             <a:off x="7734151" y="2027485"/>
-            <a:ext cx="3736479" cy="477143"/>
+            <a:ext cx="4153049" cy="434414"/>
           </a:xfrm>
           <a:prstGeom prst="rect">
             <a:avLst/>
           </a:prstGeom>
         </p:spPr>
         <p:txBody>
-          <a:bodyPr anchor="t" rtlCol="false" tIns="0" lIns="0" bIns="0" rIns="0">
+          <a:bodyPr wrap="square" lIns="0" tIns="0" rIns="0" bIns="0" rtlCol="0" anchor="t">
             <a:spAutoFit/>
           </a:bodyPr>
           <a:lstStyle/>
@@ -8999,7 +9310,7 @@
               </a:lnSpc>
             </a:pPr>
             <a:r>
-              <a:rPr lang="en-US" sz="2874">
+              <a:rPr lang="en-US" sz="2874" dirty="0">
                 <a:solidFill>
                   <a:srgbClr val="1B1B27"/>
                 </a:solidFill>
@@ -9015,12 +9326,12 @@
       </p:sp>
       <p:sp>
         <p:nvSpPr>
-          <p:cNvPr name="TextBox 15" id="15"/>
-          <p:cNvSpPr txBox="true"/>
+          <p:cNvPr id="15" name="TextBox 15"/>
+          <p:cNvSpPr txBox="1"/>
           <p:nvPr/>
         </p:nvSpPr>
         <p:spPr>
-          <a:xfrm rot="0">
+          <a:xfrm>
             <a:off x="7734151" y="2693789"/>
             <a:ext cx="244376" cy="391120"/>
           </a:xfrm>
@@ -9029,7 +9340,7 @@
           </a:prstGeom>
         </p:spPr>
         <p:txBody>
-          <a:bodyPr anchor="t" rtlCol="false" tIns="0" lIns="0" bIns="0" rIns="0">
+          <a:bodyPr lIns="0" tIns="0" rIns="0" bIns="0" rtlCol="0" anchor="t">
             <a:spAutoFit/>
           </a:bodyPr>
           <a:lstStyle/>
@@ -9056,12 +9367,12 @@
       </p:sp>
       <p:grpSp>
         <p:nvGrpSpPr>
-          <p:cNvPr name="Group 16" id="16"/>
+          <p:cNvPr id="16" name="Group 16"/>
           <p:cNvGrpSpPr/>
           <p:nvPr/>
         </p:nvGrpSpPr>
         <p:grpSpPr>
-          <a:xfrm rot="0">
+          <a:xfrm>
             <a:off x="7734151" y="3166170"/>
             <a:ext cx="4731692" cy="28575"/>
             <a:chOff x="0" y="0"/>
@@ -9070,12 +9381,12 @@
         </p:grpSpPr>
         <p:sp>
           <p:nvSpPr>
-            <p:cNvPr name="Freeform 17" id="17"/>
+            <p:cNvPr id="17" name="Freeform 17"/>
             <p:cNvSpPr/>
             <p:nvPr/>
           </p:nvSpPr>
           <p:spPr>
-            <a:xfrm flipH="false" flipV="false" rot="0">
+            <a:xfrm>
               <a:off x="0" y="0"/>
               <a:ext cx="6308979" cy="38100"/>
             </a:xfrm>
@@ -9084,9 +9395,9 @@
               <a:gdLst/>
               <a:ahLst/>
               <a:cxnLst/>
-              <a:rect r="r" b="b" t="t" l="l"/>
+              <a:rect l="l" t="t" r="r" b="b"/>
               <a:pathLst>
-                <a:path h="38100" w="6308979">
+                <a:path w="6308979" h="38100">
                   <a:moveTo>
                     <a:pt x="0" y="0"/>
                   </a:moveTo>
@@ -9112,16 +9423,23 @@
               </a:solidFill>
             </a:ln>
           </p:spPr>
+          <p:txBody>
+            <a:bodyPr/>
+            <a:lstStyle/>
+            <a:p>
+              <a:endParaRPr lang="en-US"/>
+            </a:p>
+          </p:txBody>
         </p:sp>
       </p:grpSp>
       <p:sp>
         <p:nvSpPr>
-          <p:cNvPr name="TextBox 18" id="18"/>
-          <p:cNvSpPr txBox="true"/>
+          <p:cNvPr id="18" name="TextBox 18"/>
+          <p:cNvSpPr txBox="1"/>
           <p:nvPr/>
         </p:nvSpPr>
         <p:spPr>
-          <a:xfrm rot="0">
+          <a:xfrm>
             <a:off x="7734151" y="3316932"/>
             <a:ext cx="3566517" cy="410468"/>
           </a:xfrm>
@@ -9130,7 +9448,7 @@
           </a:prstGeom>
         </p:spPr>
         <p:txBody>
-          <a:bodyPr anchor="t" rtlCol="false" tIns="0" lIns="0" bIns="0" rIns="0">
+          <a:bodyPr lIns="0" tIns="0" rIns="0" bIns="0" rtlCol="0" anchor="t">
             <a:spAutoFit/>
           </a:bodyPr>
           <a:lstStyle/>
@@ -9157,12 +9475,12 @@
       </p:sp>
       <p:sp>
         <p:nvSpPr>
-          <p:cNvPr name="TextBox 19" id="19"/>
-          <p:cNvSpPr txBox="true"/>
+          <p:cNvPr id="19" name="TextBox 19"/>
+          <p:cNvSpPr txBox="1"/>
           <p:nvPr/>
         </p:nvSpPr>
         <p:spPr>
-          <a:xfrm rot="0">
+          <a:xfrm>
             <a:off x="7734151" y="3886051"/>
             <a:ext cx="4731692" cy="867667"/>
           </a:xfrm>
@@ -9171,7 +9489,7 @@
           </a:prstGeom>
         </p:spPr>
         <p:txBody>
-          <a:bodyPr anchor="t" rtlCol="false" tIns="0" lIns="0" bIns="0" rIns="0">
+          <a:bodyPr lIns="0" tIns="0" rIns="0" bIns="0" rtlCol="0" anchor="t">
             <a:spAutoFit/>
           </a:bodyPr>
           <a:lstStyle/>
@@ -9198,21 +9516,21 @@
       </p:sp>
       <p:sp>
         <p:nvSpPr>
-          <p:cNvPr name="TextBox 20" id="20"/>
-          <p:cNvSpPr txBox="true"/>
+          <p:cNvPr id="20" name="TextBox 20"/>
+          <p:cNvSpPr txBox="1"/>
           <p:nvPr/>
         </p:nvSpPr>
         <p:spPr>
-          <a:xfrm rot="0">
+          <a:xfrm>
             <a:off x="12710220" y="2693789"/>
-            <a:ext cx="244376" cy="391120"/>
+            <a:ext cx="396180" cy="355675"/>
           </a:xfrm>
           <a:prstGeom prst="rect">
             <a:avLst/>
           </a:prstGeom>
         </p:spPr>
         <p:txBody>
-          <a:bodyPr anchor="t" rtlCol="false" tIns="0" lIns="0" bIns="0" rIns="0">
+          <a:bodyPr wrap="square" lIns="0" tIns="0" rIns="0" bIns="0" rtlCol="0" anchor="t">
             <a:spAutoFit/>
           </a:bodyPr>
           <a:lstStyle/>
@@ -9223,7 +9541,7 @@
               </a:lnSpc>
             </a:pPr>
             <a:r>
-              <a:rPr lang="en-US" sz="1874">
+              <a:rPr lang="en-US" sz="1874" dirty="0">
                 <a:solidFill>
                   <a:srgbClr val="3C3939"/>
                 </a:solidFill>
@@ -9239,12 +9557,12 @@
       </p:sp>
       <p:grpSp>
         <p:nvGrpSpPr>
-          <p:cNvPr name="Group 21" id="21"/>
+          <p:cNvPr id="21" name="Group 21"/>
           <p:cNvGrpSpPr/>
           <p:nvPr/>
         </p:nvGrpSpPr>
         <p:grpSpPr>
-          <a:xfrm rot="0">
+          <a:xfrm>
             <a:off x="12710220" y="3166170"/>
             <a:ext cx="4731841" cy="28575"/>
             <a:chOff x="0" y="0"/>
@@ -9253,12 +9571,12 @@
         </p:grpSpPr>
         <p:sp>
           <p:nvSpPr>
-            <p:cNvPr name="Freeform 22" id="22"/>
+            <p:cNvPr id="22" name="Freeform 22"/>
             <p:cNvSpPr/>
             <p:nvPr/>
           </p:nvSpPr>
           <p:spPr>
-            <a:xfrm flipH="false" flipV="false" rot="0">
+            <a:xfrm>
               <a:off x="0" y="0"/>
               <a:ext cx="6309106" cy="38100"/>
             </a:xfrm>
@@ -9267,9 +9585,9 @@
               <a:gdLst/>
               <a:ahLst/>
               <a:cxnLst/>
-              <a:rect r="r" b="b" t="t" l="l"/>
+              <a:rect l="l" t="t" r="r" b="b"/>
               <a:pathLst>
-                <a:path h="38100" w="6309106">
+                <a:path w="6309106" h="38100">
                   <a:moveTo>
                     <a:pt x="0" y="0"/>
                   </a:moveTo>
@@ -9295,16 +9613,23 @@
               </a:solidFill>
             </a:ln>
           </p:spPr>
+          <p:txBody>
+            <a:bodyPr/>
+            <a:lstStyle/>
+            <a:p>
+              <a:endParaRPr lang="en-US"/>
+            </a:p>
+          </p:txBody>
         </p:sp>
       </p:grpSp>
       <p:sp>
         <p:nvSpPr>
-          <p:cNvPr name="TextBox 23" id="23"/>
-          <p:cNvSpPr txBox="true"/>
+          <p:cNvPr id="23" name="TextBox 23"/>
+          <p:cNvSpPr txBox="1"/>
           <p:nvPr/>
         </p:nvSpPr>
         <p:spPr>
-          <a:xfrm rot="0">
+          <a:xfrm>
             <a:off x="12710220" y="3316932"/>
             <a:ext cx="3054697" cy="410468"/>
           </a:xfrm>
@@ -9313,7 +9638,7 @@
           </a:prstGeom>
         </p:spPr>
         <p:txBody>
-          <a:bodyPr anchor="t" rtlCol="false" tIns="0" lIns="0" bIns="0" rIns="0">
+          <a:bodyPr lIns="0" tIns="0" rIns="0" bIns="0" rtlCol="0" anchor="t">
             <a:spAutoFit/>
           </a:bodyPr>
           <a:lstStyle/>
@@ -9340,12 +9665,12 @@
       </p:sp>
       <p:sp>
         <p:nvSpPr>
-          <p:cNvPr name="TextBox 24" id="24"/>
-          <p:cNvSpPr txBox="true"/>
+          <p:cNvPr id="24" name="TextBox 24"/>
+          <p:cNvSpPr txBox="1"/>
           <p:nvPr/>
         </p:nvSpPr>
         <p:spPr>
-          <a:xfrm rot="0">
+          <a:xfrm>
             <a:off x="12710220" y="3886051"/>
             <a:ext cx="4731841" cy="476696"/>
           </a:xfrm>
@@ -9354,7 +9679,7 @@
           </a:prstGeom>
         </p:spPr>
         <p:txBody>
-          <a:bodyPr anchor="t" rtlCol="false" tIns="0" lIns="0" bIns="0" rIns="0">
+          <a:bodyPr lIns="0" tIns="0" rIns="0" bIns="0" rtlCol="0" anchor="t">
             <a:spAutoFit/>
           </a:bodyPr>
           <a:lstStyle/>
@@ -9381,21 +9706,21 @@
       </p:sp>
       <p:sp>
         <p:nvSpPr>
-          <p:cNvPr name="TextBox 25" id="25"/>
-          <p:cNvSpPr txBox="true"/>
+          <p:cNvPr id="25" name="TextBox 25"/>
+          <p:cNvSpPr txBox="1"/>
           <p:nvPr/>
         </p:nvSpPr>
         <p:spPr>
-          <a:xfrm rot="0">
-            <a:off x="7734151" y="5095577"/>
-            <a:ext cx="244376" cy="391120"/>
+          <a:xfrm>
+            <a:off x="7734150" y="5095577"/>
+            <a:ext cx="419249" cy="355675"/>
           </a:xfrm>
           <a:prstGeom prst="rect">
             <a:avLst/>
           </a:prstGeom>
         </p:spPr>
         <p:txBody>
-          <a:bodyPr anchor="t" rtlCol="false" tIns="0" lIns="0" bIns="0" rIns="0">
+          <a:bodyPr wrap="square" lIns="0" tIns="0" rIns="0" bIns="0" rtlCol="0" anchor="t">
             <a:spAutoFit/>
           </a:bodyPr>
           <a:lstStyle/>
@@ -9406,7 +9731,7 @@
               </a:lnSpc>
             </a:pPr>
             <a:r>
-              <a:rPr lang="en-US" sz="1874">
+              <a:rPr lang="en-US" sz="1874" dirty="0">
                 <a:solidFill>
                   <a:srgbClr val="3C3939"/>
                 </a:solidFill>
@@ -9422,12 +9747,12 @@
       </p:sp>
       <p:grpSp>
         <p:nvGrpSpPr>
-          <p:cNvPr name="Group 26" id="26"/>
+          <p:cNvPr id="26" name="Group 26"/>
           <p:cNvGrpSpPr/>
           <p:nvPr/>
         </p:nvGrpSpPr>
         <p:grpSpPr>
-          <a:xfrm rot="0">
+          <a:xfrm>
             <a:off x="7734151" y="5567958"/>
             <a:ext cx="4731692" cy="28575"/>
             <a:chOff x="0" y="0"/>
@@ -9436,12 +9761,12 @@
         </p:grpSpPr>
         <p:sp>
           <p:nvSpPr>
-            <p:cNvPr name="Freeform 27" id="27"/>
+            <p:cNvPr id="27" name="Freeform 27"/>
             <p:cNvSpPr/>
             <p:nvPr/>
           </p:nvSpPr>
           <p:spPr>
-            <a:xfrm flipH="false" flipV="false" rot="0">
+            <a:xfrm>
               <a:off x="0" y="0"/>
               <a:ext cx="6308979" cy="38100"/>
             </a:xfrm>
@@ -9450,9 +9775,9 @@
               <a:gdLst/>
               <a:ahLst/>
               <a:cxnLst/>
-              <a:rect r="r" b="b" t="t" l="l"/>
+              <a:rect l="l" t="t" r="r" b="b"/>
               <a:pathLst>
-                <a:path h="38100" w="6308979">
+                <a:path w="6308979" h="38100">
                   <a:moveTo>
                     <a:pt x="0" y="0"/>
                   </a:moveTo>
@@ -9478,16 +9803,23 @@
               </a:solidFill>
             </a:ln>
           </p:spPr>
+          <p:txBody>
+            <a:bodyPr/>
+            <a:lstStyle/>
+            <a:p>
+              <a:endParaRPr lang="en-US"/>
+            </a:p>
+          </p:txBody>
         </p:sp>
       </p:grpSp>
       <p:sp>
         <p:nvSpPr>
-          <p:cNvPr name="TextBox 28" id="28"/>
-          <p:cNvSpPr txBox="true"/>
+          <p:cNvPr id="28" name="TextBox 28"/>
+          <p:cNvSpPr txBox="1"/>
           <p:nvPr/>
         </p:nvSpPr>
         <p:spPr>
-          <a:xfrm rot="0">
+          <a:xfrm>
             <a:off x="7734151" y="5718721"/>
             <a:ext cx="3397300" cy="410467"/>
           </a:xfrm>
@@ -9496,7 +9828,7 @@
           </a:prstGeom>
         </p:spPr>
         <p:txBody>
-          <a:bodyPr anchor="t" rtlCol="false" tIns="0" lIns="0" bIns="0" rIns="0">
+          <a:bodyPr lIns="0" tIns="0" rIns="0" bIns="0" rtlCol="0" anchor="t">
             <a:spAutoFit/>
           </a:bodyPr>
           <a:lstStyle/>
@@ -9523,12 +9855,12 @@
       </p:sp>
       <p:sp>
         <p:nvSpPr>
-          <p:cNvPr name="TextBox 29" id="29"/>
-          <p:cNvSpPr txBox="true"/>
+          <p:cNvPr id="29" name="TextBox 29"/>
+          <p:cNvSpPr txBox="1"/>
           <p:nvPr/>
         </p:nvSpPr>
         <p:spPr>
-          <a:xfrm rot="0">
+          <a:xfrm>
             <a:off x="7734151" y="6287840"/>
             <a:ext cx="4731692" cy="476696"/>
           </a:xfrm>
@@ -9537,7 +9869,7 @@
           </a:prstGeom>
         </p:spPr>
         <p:txBody>
-          <a:bodyPr anchor="t" rtlCol="false" tIns="0" lIns="0" bIns="0" rIns="0">
+          <a:bodyPr lIns="0" tIns="0" rIns="0" bIns="0" rtlCol="0" anchor="t">
             <a:spAutoFit/>
           </a:bodyPr>
           <a:lstStyle/>
@@ -9564,21 +9896,21 @@
       </p:sp>
       <p:sp>
         <p:nvSpPr>
-          <p:cNvPr name="TextBox 30" id="30"/>
-          <p:cNvSpPr txBox="true"/>
+          <p:cNvPr id="30" name="TextBox 30"/>
+          <p:cNvSpPr txBox="1"/>
           <p:nvPr/>
         </p:nvSpPr>
         <p:spPr>
-          <a:xfrm rot="0">
+          <a:xfrm>
             <a:off x="12710220" y="5095577"/>
-            <a:ext cx="244376" cy="391120"/>
+            <a:ext cx="396180" cy="355675"/>
           </a:xfrm>
           <a:prstGeom prst="rect">
             <a:avLst/>
           </a:prstGeom>
         </p:spPr>
         <p:txBody>
-          <a:bodyPr anchor="t" rtlCol="false" tIns="0" lIns="0" bIns="0" rIns="0">
+          <a:bodyPr wrap="square" lIns="0" tIns="0" rIns="0" bIns="0" rtlCol="0" anchor="t">
             <a:spAutoFit/>
           </a:bodyPr>
           <a:lstStyle/>
@@ -9589,7 +9921,7 @@
               </a:lnSpc>
             </a:pPr>
             <a:r>
-              <a:rPr lang="en-US" sz="1874">
+              <a:rPr lang="en-US" sz="1874" dirty="0">
                 <a:solidFill>
                   <a:srgbClr val="3C3939"/>
                 </a:solidFill>
@@ -9605,12 +9937,12 @@
       </p:sp>
       <p:grpSp>
         <p:nvGrpSpPr>
-          <p:cNvPr name="Group 31" id="31"/>
+          <p:cNvPr id="31" name="Group 31"/>
           <p:cNvGrpSpPr/>
           <p:nvPr/>
         </p:nvGrpSpPr>
         <p:grpSpPr>
-          <a:xfrm rot="0">
+          <a:xfrm>
             <a:off x="12710220" y="5567958"/>
             <a:ext cx="4731841" cy="28575"/>
             <a:chOff x="0" y="0"/>
@@ -9619,12 +9951,12 @@
         </p:grpSpPr>
         <p:sp>
           <p:nvSpPr>
-            <p:cNvPr name="Freeform 32" id="32"/>
+            <p:cNvPr id="32" name="Freeform 32"/>
             <p:cNvSpPr/>
             <p:nvPr/>
           </p:nvSpPr>
           <p:spPr>
-            <a:xfrm flipH="false" flipV="false" rot="0">
+            <a:xfrm>
               <a:off x="0" y="0"/>
               <a:ext cx="6309106" cy="38100"/>
             </a:xfrm>
@@ -9633,9 +9965,9 @@
               <a:gdLst/>
               <a:ahLst/>
               <a:cxnLst/>
-              <a:rect r="r" b="b" t="t" l="l"/>
+              <a:rect l="l" t="t" r="r" b="b"/>
               <a:pathLst>
-                <a:path h="38100" w="6309106">
+                <a:path w="6309106" h="38100">
                   <a:moveTo>
                     <a:pt x="0" y="0"/>
                   </a:moveTo>
@@ -9661,16 +9993,23 @@
               </a:solidFill>
             </a:ln>
           </p:spPr>
+          <p:txBody>
+            <a:bodyPr/>
+            <a:lstStyle/>
+            <a:p>
+              <a:endParaRPr lang="en-US"/>
+            </a:p>
+          </p:txBody>
         </p:sp>
       </p:grpSp>
       <p:sp>
         <p:nvSpPr>
-          <p:cNvPr name="TextBox 33" id="33"/>
-          <p:cNvSpPr txBox="true"/>
+          <p:cNvPr id="33" name="TextBox 33"/>
+          <p:cNvSpPr txBox="1"/>
           <p:nvPr/>
         </p:nvSpPr>
         <p:spPr>
-          <a:xfrm rot="0">
+          <a:xfrm>
             <a:off x="12710220" y="5718721"/>
             <a:ext cx="3054697" cy="410467"/>
           </a:xfrm>
@@ -9679,7 +10018,7 @@
           </a:prstGeom>
         </p:spPr>
         <p:txBody>
-          <a:bodyPr anchor="t" rtlCol="false" tIns="0" lIns="0" bIns="0" rIns="0">
+          <a:bodyPr lIns="0" tIns="0" rIns="0" bIns="0" rtlCol="0" anchor="t">
             <a:spAutoFit/>
           </a:bodyPr>
           <a:lstStyle/>
@@ -9706,12 +10045,12 @@
       </p:sp>
       <p:sp>
         <p:nvSpPr>
-          <p:cNvPr name="TextBox 34" id="34"/>
-          <p:cNvSpPr txBox="true"/>
+          <p:cNvPr id="34" name="TextBox 34"/>
+          <p:cNvSpPr txBox="1"/>
           <p:nvPr/>
         </p:nvSpPr>
         <p:spPr>
-          <a:xfrm rot="0">
+          <a:xfrm>
             <a:off x="12710220" y="6287840"/>
             <a:ext cx="4731841" cy="867667"/>
           </a:xfrm>
@@ -9720,7 +10059,7 @@
           </a:prstGeom>
         </p:spPr>
         <p:txBody>
-          <a:bodyPr anchor="t" rtlCol="false" tIns="0" lIns="0" bIns="0" rIns="0">
+          <a:bodyPr lIns="0" tIns="0" rIns="0" bIns="0" rtlCol="0" anchor="t">
             <a:spAutoFit/>
           </a:bodyPr>
           <a:lstStyle/>
@@ -9747,21 +10086,21 @@
       </p:sp>
       <p:sp>
         <p:nvSpPr>
-          <p:cNvPr name="TextBox 35" id="35"/>
-          <p:cNvSpPr txBox="true"/>
+          <p:cNvPr id="35" name="TextBox 35"/>
+          <p:cNvSpPr txBox="1"/>
           <p:nvPr/>
         </p:nvSpPr>
         <p:spPr>
-          <a:xfrm rot="0">
+          <a:xfrm>
             <a:off x="7734151" y="7497366"/>
-            <a:ext cx="244376" cy="391120"/>
+            <a:ext cx="419248" cy="355675"/>
           </a:xfrm>
           <a:prstGeom prst="rect">
             <a:avLst/>
           </a:prstGeom>
         </p:spPr>
         <p:txBody>
-          <a:bodyPr anchor="t" rtlCol="false" tIns="0" lIns="0" bIns="0" rIns="0">
+          <a:bodyPr wrap="square" lIns="0" tIns="0" rIns="0" bIns="0" rtlCol="0" anchor="t">
             <a:spAutoFit/>
           </a:bodyPr>
           <a:lstStyle/>
@@ -9772,7 +10111,7 @@
               </a:lnSpc>
             </a:pPr>
             <a:r>
-              <a:rPr lang="en-US" sz="1874">
+              <a:rPr lang="en-US" sz="1874" dirty="0">
                 <a:solidFill>
                   <a:srgbClr val="3C3939"/>
                 </a:solidFill>
@@ -9788,12 +10127,12 @@
       </p:sp>
       <p:grpSp>
         <p:nvGrpSpPr>
-          <p:cNvPr name="Group 36" id="36"/>
+          <p:cNvPr id="36" name="Group 36"/>
           <p:cNvGrpSpPr/>
           <p:nvPr/>
         </p:nvGrpSpPr>
         <p:grpSpPr>
-          <a:xfrm rot="0">
+          <a:xfrm>
             <a:off x="7734151" y="7969746"/>
             <a:ext cx="9707910" cy="28575"/>
             <a:chOff x="0" y="0"/>
@@ -9802,12 +10141,12 @@
         </p:grpSpPr>
         <p:sp>
           <p:nvSpPr>
-            <p:cNvPr name="Freeform 37" id="37"/>
+            <p:cNvPr id="37" name="Freeform 37"/>
             <p:cNvSpPr/>
             <p:nvPr/>
           </p:nvSpPr>
           <p:spPr>
-            <a:xfrm flipH="false" flipV="false" rot="0">
+            <a:xfrm>
               <a:off x="0" y="0"/>
               <a:ext cx="12943840" cy="38100"/>
             </a:xfrm>
@@ -9816,9 +10155,9 @@
               <a:gdLst/>
               <a:ahLst/>
               <a:cxnLst/>
-              <a:rect r="r" b="b" t="t" l="l"/>
+              <a:rect l="l" t="t" r="r" b="b"/>
               <a:pathLst>
-                <a:path h="38100" w="12943840">
+                <a:path w="12943840" h="38100">
                   <a:moveTo>
                     <a:pt x="0" y="0"/>
                   </a:moveTo>
@@ -9844,16 +10183,23 @@
               </a:solidFill>
             </a:ln>
           </p:spPr>
+          <p:txBody>
+            <a:bodyPr/>
+            <a:lstStyle/>
+            <a:p>
+              <a:endParaRPr lang="en-US"/>
+            </a:p>
+          </p:txBody>
         </p:sp>
       </p:grpSp>
       <p:sp>
         <p:nvSpPr>
-          <p:cNvPr name="TextBox 38" id="38"/>
-          <p:cNvSpPr txBox="true"/>
+          <p:cNvPr id="38" name="TextBox 38"/>
+          <p:cNvSpPr txBox="1"/>
           <p:nvPr/>
         </p:nvSpPr>
         <p:spPr>
-          <a:xfrm rot="0">
+          <a:xfrm>
             <a:off x="7734151" y="8120509"/>
             <a:ext cx="3299222" cy="410467"/>
           </a:xfrm>
@@ -9862,7 +10208,7 @@
           </a:prstGeom>
         </p:spPr>
         <p:txBody>
-          <a:bodyPr anchor="t" rtlCol="false" tIns="0" lIns="0" bIns="0" rIns="0">
+          <a:bodyPr lIns="0" tIns="0" rIns="0" bIns="0" rtlCol="0" anchor="t">
             <a:spAutoFit/>
           </a:bodyPr>
           <a:lstStyle/>
@@ -9889,12 +10235,12 @@
       </p:sp>
       <p:sp>
         <p:nvSpPr>
-          <p:cNvPr name="TextBox 39" id="39"/>
-          <p:cNvSpPr txBox="true"/>
+          <p:cNvPr id="39" name="TextBox 39"/>
+          <p:cNvSpPr txBox="1"/>
           <p:nvPr/>
         </p:nvSpPr>
         <p:spPr>
-          <a:xfrm rot="0">
+          <a:xfrm>
             <a:off x="7734151" y="8689627"/>
             <a:ext cx="9707910" cy="476696"/>
           </a:xfrm>
@@ -9903,7 +10249,7 @@
           </a:prstGeom>
         </p:spPr>
         <p:txBody>
-          <a:bodyPr anchor="t" rtlCol="false" tIns="0" lIns="0" bIns="0" rIns="0">
+          <a:bodyPr lIns="0" tIns="0" rIns="0" bIns="0" rtlCol="0" anchor="t">
             <a:spAutoFit/>
           </a:bodyPr>
           <a:lstStyle/>
@@ -9937,7 +10283,7 @@
 </file>
 
 <file path=ppt/slides/slide6.xml><?xml version="1.0" encoding="utf-8"?>
-<p:sld xmlns:p="http://schemas.openxmlformats.org/presentationml/2006/main" xmlns:a="http://schemas.openxmlformats.org/drawingml/2006/main" xmlns:r="http://schemas.openxmlformats.org/officeDocument/2006/relationships">
+<p:sld xmlns:a="http://schemas.openxmlformats.org/drawingml/2006/main" xmlns:r="http://schemas.openxmlformats.org/officeDocument/2006/relationships" xmlns:p="http://schemas.openxmlformats.org/presentationml/2006/main">
   <p:cSld>
     <p:spTree>
       <p:nvGrpSpPr>
@@ -9955,12 +10301,12 @@
       </p:grpSpPr>
       <p:grpSp>
         <p:nvGrpSpPr>
-          <p:cNvPr name="Group 2" id="2"/>
+          <p:cNvPr id="2" name="Group 2"/>
           <p:cNvGrpSpPr/>
           <p:nvPr/>
         </p:nvGrpSpPr>
         <p:grpSpPr>
-          <a:xfrm rot="0">
+          <a:xfrm>
             <a:off x="0" y="0"/>
             <a:ext cx="18288000" cy="10287000"/>
             <a:chOff x="0" y="0"/>
@@ -9969,12 +10315,12 @@
         </p:grpSpPr>
         <p:sp>
           <p:nvSpPr>
-            <p:cNvPr name="Freeform 3" id="3"/>
+            <p:cNvPr id="3" name="Freeform 3"/>
             <p:cNvSpPr/>
             <p:nvPr/>
           </p:nvSpPr>
           <p:spPr>
-            <a:xfrm flipH="false" flipV="false" rot="0">
+            <a:xfrm>
               <a:off x="0" y="0"/>
               <a:ext cx="24384000" cy="13716000"/>
             </a:xfrm>
@@ -9983,9 +10329,9 @@
               <a:gdLst/>
               <a:ahLst/>
               <a:cxnLst/>
-              <a:rect r="r" b="b" t="t" l="l"/>
+              <a:rect l="l" t="t" r="r" b="b"/>
               <a:pathLst>
-                <a:path h="13716000" w="24384000">
+                <a:path w="24384000" h="13716000">
                   <a:moveTo>
                     <a:pt x="0" y="0"/>
                   </a:moveTo>
@@ -10011,16 +10357,23 @@
               </a:solidFill>
             </a:ln>
           </p:spPr>
+          <p:txBody>
+            <a:bodyPr/>
+            <a:lstStyle/>
+            <a:p>
+              <a:endParaRPr lang="en-US"/>
+            </a:p>
+          </p:txBody>
         </p:sp>
       </p:grpSp>
       <p:grpSp>
         <p:nvGrpSpPr>
-          <p:cNvPr name="Group 4" id="4"/>
+          <p:cNvPr id="4" name="Group 4"/>
           <p:cNvGrpSpPr/>
           <p:nvPr/>
         </p:nvGrpSpPr>
         <p:grpSpPr>
-          <a:xfrm rot="0">
+          <a:xfrm>
             <a:off x="0" y="0"/>
             <a:ext cx="18288000" cy="10287000"/>
             <a:chOff x="0" y="0"/>
@@ -10029,12 +10382,12 @@
         </p:grpSpPr>
         <p:sp>
           <p:nvSpPr>
-            <p:cNvPr name="Freeform 5" id="5"/>
+            <p:cNvPr id="5" name="Freeform 5"/>
             <p:cNvSpPr/>
             <p:nvPr/>
           </p:nvSpPr>
           <p:spPr>
-            <a:xfrm flipH="false" flipV="false" rot="0">
+            <a:xfrm>
               <a:off x="0" y="0"/>
               <a:ext cx="24384000" cy="13716000"/>
             </a:xfrm>
@@ -10043,9 +10396,9 @@
               <a:gdLst/>
               <a:ahLst/>
               <a:cxnLst/>
-              <a:rect r="r" b="b" t="t" l="l"/>
+              <a:rect l="l" t="t" r="r" b="b"/>
               <a:pathLst>
-                <a:path h="13716000" w="24384000">
+                <a:path w="24384000" h="13716000">
                   <a:moveTo>
                     <a:pt x="0" y="0"/>
                   </a:moveTo>
@@ -10073,16 +10426,23 @@
               </a:solidFill>
             </a:ln>
           </p:spPr>
+          <p:txBody>
+            <a:bodyPr/>
+            <a:lstStyle/>
+            <a:p>
+              <a:endParaRPr lang="en-US"/>
+            </a:p>
+          </p:txBody>
         </p:sp>
       </p:grpSp>
       <p:sp>
         <p:nvSpPr>
-          <p:cNvPr name="TextBox 6" id="6"/>
-          <p:cNvSpPr txBox="true"/>
+          <p:cNvPr id="6" name="TextBox 6"/>
+          <p:cNvSpPr txBox="1"/>
           <p:nvPr/>
         </p:nvSpPr>
         <p:spPr>
-          <a:xfrm rot="0">
+          <a:xfrm>
             <a:off x="618084" y="458837"/>
             <a:ext cx="7042994" cy="580281"/>
           </a:xfrm>
@@ -10091,7 +10451,7 @@
           </a:prstGeom>
         </p:spPr>
         <p:txBody>
-          <a:bodyPr anchor="t" rtlCol="false" tIns="0" lIns="0" bIns="0" rIns="0">
+          <a:bodyPr lIns="0" tIns="0" rIns="0" bIns="0" rtlCol="0" anchor="t">
             <a:spAutoFit/>
           </a:bodyPr>
           <a:lstStyle/>
@@ -10118,12 +10478,12 @@
       </p:sp>
       <p:sp>
         <p:nvSpPr>
-          <p:cNvPr name="TextBox 7" id="7"/>
-          <p:cNvSpPr txBox="true"/>
+          <p:cNvPr id="7" name="TextBox 7"/>
+          <p:cNvSpPr txBox="1"/>
           <p:nvPr/>
         </p:nvSpPr>
         <p:spPr>
-          <a:xfrm rot="0">
+          <a:xfrm>
             <a:off x="618084" y="1584424"/>
             <a:ext cx="2224831" cy="304354"/>
           </a:xfrm>
@@ -10132,7 +10492,7 @@
           </a:prstGeom>
         </p:spPr>
         <p:txBody>
-          <a:bodyPr anchor="t" rtlCol="false" tIns="0" lIns="0" bIns="0" rIns="0">
+          <a:bodyPr lIns="0" tIns="0" rIns="0" bIns="0" rtlCol="0" anchor="t">
             <a:spAutoFit/>
           </a:bodyPr>
           <a:lstStyle/>
@@ -10159,12 +10519,12 @@
       </p:sp>
       <p:sp>
         <p:nvSpPr>
-          <p:cNvPr name="TextBox 8" id="8"/>
-          <p:cNvSpPr txBox="true"/>
+          <p:cNvPr id="8" name="TextBox 8"/>
+          <p:cNvSpPr txBox="1"/>
           <p:nvPr/>
         </p:nvSpPr>
         <p:spPr>
-          <a:xfrm rot="0">
+          <a:xfrm>
             <a:off x="618084" y="1937445"/>
             <a:ext cx="8415486" cy="339775"/>
           </a:xfrm>
@@ -10173,7 +10533,7 @@
           </a:prstGeom>
         </p:spPr>
         <p:txBody>
-          <a:bodyPr anchor="t" rtlCol="false" tIns="0" lIns="0" bIns="0" rIns="0">
+          <a:bodyPr lIns="0" tIns="0" rIns="0" bIns="0" rtlCol="0" anchor="t">
             <a:spAutoFit/>
           </a:bodyPr>
           <a:lstStyle/>
@@ -10200,12 +10560,12 @@
       </p:sp>
       <p:sp>
         <p:nvSpPr>
-          <p:cNvPr name="TextBox 9" id="9"/>
-          <p:cNvSpPr txBox="true"/>
+          <p:cNvPr id="9" name="TextBox 9"/>
+          <p:cNvSpPr txBox="1"/>
           <p:nvPr/>
         </p:nvSpPr>
         <p:spPr>
-          <a:xfrm rot="0">
+          <a:xfrm>
             <a:off x="9254281" y="1584424"/>
             <a:ext cx="2207419" cy="304354"/>
           </a:xfrm>
@@ -10214,7 +10574,7 @@
           </a:prstGeom>
         </p:spPr>
         <p:txBody>
-          <a:bodyPr anchor="t" rtlCol="false" tIns="0" lIns="0" bIns="0" rIns="0">
+          <a:bodyPr lIns="0" tIns="0" rIns="0" bIns="0" rtlCol="0" anchor="t">
             <a:spAutoFit/>
           </a:bodyPr>
           <a:lstStyle/>
@@ -10241,12 +10601,12 @@
       </p:sp>
       <p:sp>
         <p:nvSpPr>
-          <p:cNvPr name="TextBox 10" id="10"/>
-          <p:cNvSpPr txBox="true"/>
+          <p:cNvPr id="10" name="TextBox 10"/>
+          <p:cNvSpPr txBox="1"/>
           <p:nvPr/>
         </p:nvSpPr>
         <p:spPr>
-          <a:xfrm rot="0">
+          <a:xfrm>
             <a:off x="9254281" y="1937445"/>
             <a:ext cx="8415635" cy="622399"/>
           </a:xfrm>
@@ -10255,7 +10615,7 @@
           </a:prstGeom>
         </p:spPr>
         <p:txBody>
-          <a:bodyPr anchor="t" rtlCol="false" tIns="0" lIns="0" bIns="0" rIns="0">
+          <a:bodyPr lIns="0" tIns="0" rIns="0" bIns="0" rtlCol="0" anchor="t">
             <a:spAutoFit/>
           </a:bodyPr>
           <a:lstStyle/>
@@ -10282,12 +10642,12 @@
       </p:sp>
       <p:sp>
         <p:nvSpPr>
-          <p:cNvPr name="TextBox 11" id="11"/>
-          <p:cNvSpPr txBox="true"/>
+          <p:cNvPr id="11" name="TextBox 11"/>
+          <p:cNvSpPr txBox="1"/>
           <p:nvPr/>
         </p:nvSpPr>
         <p:spPr>
-          <a:xfrm rot="0">
+          <a:xfrm>
             <a:off x="618084" y="2805559"/>
             <a:ext cx="3592860" cy="350192"/>
           </a:xfrm>
@@ -10296,7 +10656,7 @@
           </a:prstGeom>
         </p:spPr>
         <p:txBody>
-          <a:bodyPr anchor="t" rtlCol="false" tIns="0" lIns="0" bIns="0" rIns="0">
+          <a:bodyPr lIns="0" tIns="0" rIns="0" bIns="0" rtlCol="0" anchor="t">
             <a:spAutoFit/>
           </a:bodyPr>
           <a:lstStyle/>
@@ -10323,12 +10683,12 @@
       </p:sp>
       <p:grpSp>
         <p:nvGrpSpPr>
-          <p:cNvPr name="Group 12" id="12"/>
+          <p:cNvPr id="12" name="Group 12"/>
           <p:cNvGrpSpPr/>
           <p:nvPr/>
         </p:nvGrpSpPr>
         <p:grpSpPr>
-          <a:xfrm rot="0">
+          <a:xfrm>
             <a:off x="618084" y="3420516"/>
             <a:ext cx="882849" cy="1059507"/>
             <a:chOff x="0" y="0"/>
@@ -10337,12 +10697,12 @@
         </p:grpSpPr>
         <p:sp>
           <p:nvSpPr>
-            <p:cNvPr name="Freeform 13" id="13" descr="preencoded.png"/>
+            <p:cNvPr id="13" name="Freeform 13" descr="preencoded.png"/>
             <p:cNvSpPr/>
             <p:nvPr/>
           </p:nvSpPr>
           <p:spPr>
-            <a:xfrm flipH="false" flipV="false" rot="0">
+            <a:xfrm>
               <a:off x="0" y="0"/>
               <a:ext cx="1177163" cy="1412621"/>
             </a:xfrm>
@@ -10351,9 +10711,9 @@
               <a:gdLst/>
               <a:ahLst/>
               <a:cxnLst/>
-              <a:rect r="r" b="b" t="t" l="l"/>
+              <a:rect l="l" t="t" r="r" b="b"/>
               <a:pathLst>
-                <a:path h="1412621" w="1177163">
+                <a:path w="1177163" h="1412621">
                   <a:moveTo>
                     <a:pt x="0" y="0"/>
                   </a:moveTo>
@@ -10376,20 +10736,27 @@
             <a:blipFill>
               <a:blip r:embed="rId2"/>
               <a:stretch>
-                <a:fillRect l="-274" t="0" r="-271" b="-3"/>
+                <a:fillRect l="-274" r="-271" b="-3"/>
               </a:stretch>
             </a:blipFill>
           </p:spPr>
+          <p:txBody>
+            <a:bodyPr/>
+            <a:lstStyle/>
+            <a:p>
+              <a:endParaRPr lang="en-US"/>
+            </a:p>
+          </p:txBody>
         </p:sp>
       </p:grpSp>
       <p:sp>
         <p:nvSpPr>
-          <p:cNvPr name="TextBox 14" id="14"/>
-          <p:cNvSpPr txBox="true"/>
+          <p:cNvPr id="14" name="TextBox 14"/>
+          <p:cNvSpPr txBox="1"/>
           <p:nvPr/>
         </p:nvSpPr>
         <p:spPr>
-          <a:xfrm rot="0">
+          <a:xfrm>
             <a:off x="1677441" y="3568452"/>
             <a:ext cx="2207419" cy="304354"/>
           </a:xfrm>
@@ -10398,7 +10765,7 @@
           </a:prstGeom>
         </p:spPr>
         <p:txBody>
-          <a:bodyPr anchor="t" rtlCol="false" tIns="0" lIns="0" bIns="0" rIns="0">
+          <a:bodyPr lIns="0" tIns="0" rIns="0" bIns="0" rtlCol="0" anchor="t">
             <a:spAutoFit/>
           </a:bodyPr>
           <a:lstStyle/>
@@ -10425,12 +10792,12 @@
       </p:sp>
       <p:sp>
         <p:nvSpPr>
-          <p:cNvPr name="TextBox 15" id="15"/>
-          <p:cNvSpPr txBox="true"/>
+          <p:cNvPr id="15" name="TextBox 15"/>
+          <p:cNvSpPr txBox="1"/>
           <p:nvPr/>
         </p:nvSpPr>
         <p:spPr>
-          <a:xfrm rot="0">
+          <a:xfrm>
             <a:off x="1677441" y="3921472"/>
             <a:ext cx="15992475" cy="339775"/>
           </a:xfrm>
@@ -10439,7 +10806,7 @@
           </a:prstGeom>
         </p:spPr>
         <p:txBody>
-          <a:bodyPr anchor="t" rtlCol="false" tIns="0" lIns="0" bIns="0" rIns="0">
+          <a:bodyPr lIns="0" tIns="0" rIns="0" bIns="0" rtlCol="0" anchor="t">
             <a:spAutoFit/>
           </a:bodyPr>
           <a:lstStyle/>
@@ -10466,12 +10833,12 @@
       </p:sp>
       <p:grpSp>
         <p:nvGrpSpPr>
-          <p:cNvPr name="Group 16" id="16"/>
+          <p:cNvPr id="16" name="Group 16"/>
           <p:cNvGrpSpPr/>
           <p:nvPr/>
         </p:nvGrpSpPr>
         <p:grpSpPr>
-          <a:xfrm rot="0">
+          <a:xfrm>
             <a:off x="618084" y="4480024"/>
             <a:ext cx="882849" cy="1059508"/>
             <a:chOff x="0" y="0"/>
@@ -10480,12 +10847,12 @@
         </p:grpSpPr>
         <p:sp>
           <p:nvSpPr>
-            <p:cNvPr name="Freeform 17" id="17" descr="preencoded.png"/>
+            <p:cNvPr id="17" name="Freeform 17" descr="preencoded.png"/>
             <p:cNvSpPr/>
             <p:nvPr/>
           </p:nvSpPr>
           <p:spPr>
-            <a:xfrm flipH="false" flipV="false" rot="0">
+            <a:xfrm>
               <a:off x="0" y="0"/>
               <a:ext cx="1177163" cy="1412621"/>
             </a:xfrm>
@@ -10494,9 +10861,9 @@
               <a:gdLst/>
               <a:ahLst/>
               <a:cxnLst/>
-              <a:rect r="r" b="b" t="t" l="l"/>
+              <a:rect l="l" t="t" r="r" b="b"/>
               <a:pathLst>
-                <a:path h="1412621" w="1177163">
+                <a:path w="1177163" h="1412621">
                   <a:moveTo>
                     <a:pt x="0" y="0"/>
                   </a:moveTo>
@@ -10519,20 +10886,27 @@
             <a:blipFill>
               <a:blip r:embed="rId3"/>
               <a:stretch>
-                <a:fillRect l="-274" t="0" r="-271" b="-3"/>
+                <a:fillRect l="-274" r="-271" b="-3"/>
               </a:stretch>
             </a:blipFill>
           </p:spPr>
+          <p:txBody>
+            <a:bodyPr/>
+            <a:lstStyle/>
+            <a:p>
+              <a:endParaRPr lang="en-US"/>
+            </a:p>
+          </p:txBody>
         </p:sp>
       </p:grpSp>
       <p:sp>
         <p:nvSpPr>
-          <p:cNvPr name="TextBox 18" id="18"/>
-          <p:cNvSpPr txBox="true"/>
+          <p:cNvPr id="18" name="TextBox 18"/>
+          <p:cNvSpPr txBox="1"/>
           <p:nvPr/>
         </p:nvSpPr>
         <p:spPr>
-          <a:xfrm rot="0">
+          <a:xfrm>
             <a:off x="1677441" y="4627959"/>
             <a:ext cx="2207419" cy="304354"/>
           </a:xfrm>
@@ -10541,7 +10915,7 @@
           </a:prstGeom>
         </p:spPr>
         <p:txBody>
-          <a:bodyPr anchor="t" rtlCol="false" tIns="0" lIns="0" bIns="0" rIns="0">
+          <a:bodyPr lIns="0" tIns="0" rIns="0" bIns="0" rtlCol="0" anchor="t">
             <a:spAutoFit/>
           </a:bodyPr>
           <a:lstStyle/>
@@ -10568,12 +10942,12 @@
       </p:sp>
       <p:sp>
         <p:nvSpPr>
-          <p:cNvPr name="TextBox 19" id="19"/>
-          <p:cNvSpPr txBox="true"/>
+          <p:cNvPr id="19" name="TextBox 19"/>
+          <p:cNvSpPr txBox="1"/>
           <p:nvPr/>
         </p:nvSpPr>
         <p:spPr>
-          <a:xfrm rot="0">
+          <a:xfrm>
             <a:off x="1677441" y="4980980"/>
             <a:ext cx="15992475" cy="339775"/>
           </a:xfrm>
@@ -10582,7 +10956,7 @@
           </a:prstGeom>
         </p:spPr>
         <p:txBody>
-          <a:bodyPr anchor="t" rtlCol="false" tIns="0" lIns="0" bIns="0" rIns="0">
+          <a:bodyPr lIns="0" tIns="0" rIns="0" bIns="0" rtlCol="0" anchor="t">
             <a:spAutoFit/>
           </a:bodyPr>
           <a:lstStyle/>
@@ -10609,12 +10983,12 @@
       </p:sp>
       <p:grpSp>
         <p:nvGrpSpPr>
-          <p:cNvPr name="Group 20" id="20"/>
+          <p:cNvPr id="20" name="Group 20"/>
           <p:cNvGrpSpPr/>
           <p:nvPr/>
         </p:nvGrpSpPr>
         <p:grpSpPr>
-          <a:xfrm rot="0">
+          <a:xfrm>
             <a:off x="618084" y="5539531"/>
             <a:ext cx="882849" cy="1059507"/>
             <a:chOff x="0" y="0"/>
@@ -10623,12 +10997,12 @@
         </p:grpSpPr>
         <p:sp>
           <p:nvSpPr>
-            <p:cNvPr name="Freeform 21" id="21" descr="preencoded.png"/>
+            <p:cNvPr id="21" name="Freeform 21" descr="preencoded.png"/>
             <p:cNvSpPr/>
             <p:nvPr/>
           </p:nvSpPr>
           <p:spPr>
-            <a:xfrm flipH="false" flipV="false" rot="0">
+            <a:xfrm>
               <a:off x="0" y="0"/>
               <a:ext cx="1177163" cy="1412621"/>
             </a:xfrm>
@@ -10637,9 +11011,9 @@
               <a:gdLst/>
               <a:ahLst/>
               <a:cxnLst/>
-              <a:rect r="r" b="b" t="t" l="l"/>
+              <a:rect l="l" t="t" r="r" b="b"/>
               <a:pathLst>
-                <a:path h="1412621" w="1177163">
+                <a:path w="1177163" h="1412621">
                   <a:moveTo>
                     <a:pt x="0" y="0"/>
                   </a:moveTo>
@@ -10662,20 +11036,27 @@
             <a:blipFill>
               <a:blip r:embed="rId4"/>
               <a:stretch>
-                <a:fillRect l="-274" t="0" r="-271" b="-3"/>
+                <a:fillRect l="-274" r="-271" b="-3"/>
               </a:stretch>
             </a:blipFill>
           </p:spPr>
+          <p:txBody>
+            <a:bodyPr/>
+            <a:lstStyle/>
+            <a:p>
+              <a:endParaRPr lang="en-US"/>
+            </a:p>
+          </p:txBody>
         </p:sp>
       </p:grpSp>
       <p:sp>
         <p:nvSpPr>
-          <p:cNvPr name="TextBox 22" id="22"/>
-          <p:cNvSpPr txBox="true"/>
+          <p:cNvPr id="22" name="TextBox 22"/>
+          <p:cNvSpPr txBox="1"/>
           <p:nvPr/>
         </p:nvSpPr>
         <p:spPr>
-          <a:xfrm rot="0">
+          <a:xfrm>
             <a:off x="1677441" y="5687466"/>
             <a:ext cx="2207419" cy="304354"/>
           </a:xfrm>
@@ -10684,7 +11065,7 @@
           </a:prstGeom>
         </p:spPr>
         <p:txBody>
-          <a:bodyPr anchor="t" rtlCol="false" tIns="0" lIns="0" bIns="0" rIns="0">
+          <a:bodyPr lIns="0" tIns="0" rIns="0" bIns="0" rtlCol="0" anchor="t">
             <a:spAutoFit/>
           </a:bodyPr>
           <a:lstStyle/>
@@ -10711,12 +11092,12 @@
       </p:sp>
       <p:sp>
         <p:nvSpPr>
-          <p:cNvPr name="TextBox 23" id="23"/>
-          <p:cNvSpPr txBox="true"/>
+          <p:cNvPr id="23" name="TextBox 23"/>
+          <p:cNvSpPr txBox="1"/>
           <p:nvPr/>
         </p:nvSpPr>
         <p:spPr>
-          <a:xfrm rot="0">
+          <a:xfrm>
             <a:off x="1677441" y="6040488"/>
             <a:ext cx="15992475" cy="339775"/>
           </a:xfrm>
@@ -10725,7 +11106,7 @@
           </a:prstGeom>
         </p:spPr>
         <p:txBody>
-          <a:bodyPr anchor="t" rtlCol="false" tIns="0" lIns="0" bIns="0" rIns="0">
+          <a:bodyPr lIns="0" tIns="0" rIns="0" bIns="0" rtlCol="0" anchor="t">
             <a:spAutoFit/>
           </a:bodyPr>
           <a:lstStyle/>
@@ -10752,12 +11133,12 @@
       </p:sp>
       <p:grpSp>
         <p:nvGrpSpPr>
-          <p:cNvPr name="Group 24" id="24"/>
+          <p:cNvPr id="24" name="Group 24"/>
           <p:cNvGrpSpPr/>
           <p:nvPr/>
         </p:nvGrpSpPr>
         <p:grpSpPr>
-          <a:xfrm rot="0">
+          <a:xfrm>
             <a:off x="618084" y="6599039"/>
             <a:ext cx="882849" cy="1059507"/>
             <a:chOff x="0" y="0"/>
@@ -10766,12 +11147,12 @@
         </p:grpSpPr>
         <p:sp>
           <p:nvSpPr>
-            <p:cNvPr name="Freeform 25" id="25" descr="preencoded.png"/>
+            <p:cNvPr id="25" name="Freeform 25" descr="preencoded.png"/>
             <p:cNvSpPr/>
             <p:nvPr/>
           </p:nvSpPr>
           <p:spPr>
-            <a:xfrm flipH="false" flipV="false" rot="0">
+            <a:xfrm>
               <a:off x="0" y="0"/>
               <a:ext cx="1177163" cy="1412621"/>
             </a:xfrm>
@@ -10780,9 +11161,9 @@
               <a:gdLst/>
               <a:ahLst/>
               <a:cxnLst/>
-              <a:rect r="r" b="b" t="t" l="l"/>
+              <a:rect l="l" t="t" r="r" b="b"/>
               <a:pathLst>
-                <a:path h="1412621" w="1177163">
+                <a:path w="1177163" h="1412621">
                   <a:moveTo>
                     <a:pt x="0" y="0"/>
                   </a:moveTo>
@@ -10805,20 +11186,27 @@
             <a:blipFill>
               <a:blip r:embed="rId5"/>
               <a:stretch>
-                <a:fillRect l="-274" t="0" r="-271" b="-3"/>
+                <a:fillRect l="-274" r="-271" b="-3"/>
               </a:stretch>
             </a:blipFill>
           </p:spPr>
+          <p:txBody>
+            <a:bodyPr/>
+            <a:lstStyle/>
+            <a:p>
+              <a:endParaRPr lang="en-US"/>
+            </a:p>
+          </p:txBody>
         </p:sp>
       </p:grpSp>
       <p:sp>
         <p:nvSpPr>
-          <p:cNvPr name="TextBox 26" id="26"/>
-          <p:cNvSpPr txBox="true"/>
+          <p:cNvPr id="26" name="TextBox 26"/>
+          <p:cNvSpPr txBox="1"/>
           <p:nvPr/>
         </p:nvSpPr>
         <p:spPr>
-          <a:xfrm rot="0">
+          <a:xfrm>
             <a:off x="1677441" y="6746974"/>
             <a:ext cx="2207419" cy="304354"/>
           </a:xfrm>
@@ -10827,7 +11215,7 @@
           </a:prstGeom>
         </p:spPr>
         <p:txBody>
-          <a:bodyPr anchor="t" rtlCol="false" tIns="0" lIns="0" bIns="0" rIns="0">
+          <a:bodyPr lIns="0" tIns="0" rIns="0" bIns="0" rtlCol="0" anchor="t">
             <a:spAutoFit/>
           </a:bodyPr>
           <a:lstStyle/>
@@ -10854,12 +11242,12 @@
       </p:sp>
       <p:sp>
         <p:nvSpPr>
-          <p:cNvPr name="TextBox 27" id="27"/>
-          <p:cNvSpPr txBox="true"/>
+          <p:cNvPr id="27" name="TextBox 27"/>
+          <p:cNvSpPr txBox="1"/>
           <p:nvPr/>
         </p:nvSpPr>
         <p:spPr>
-          <a:xfrm rot="0">
+          <a:xfrm>
             <a:off x="1677441" y="7099995"/>
             <a:ext cx="15992475" cy="339775"/>
           </a:xfrm>
@@ -10868,7 +11256,7 @@
           </a:prstGeom>
         </p:spPr>
         <p:txBody>
-          <a:bodyPr anchor="t" rtlCol="false" tIns="0" lIns="0" bIns="0" rIns="0">
+          <a:bodyPr lIns="0" tIns="0" rIns="0" bIns="0" rtlCol="0" anchor="t">
             <a:spAutoFit/>
           </a:bodyPr>
           <a:lstStyle/>
@@ -10895,12 +11283,12 @@
       </p:sp>
       <p:grpSp>
         <p:nvGrpSpPr>
-          <p:cNvPr name="Group 28" id="28"/>
+          <p:cNvPr id="28" name="Group 28"/>
           <p:cNvGrpSpPr/>
           <p:nvPr/>
         </p:nvGrpSpPr>
         <p:grpSpPr>
-          <a:xfrm rot="0">
+          <a:xfrm>
             <a:off x="618084" y="7658546"/>
             <a:ext cx="882849" cy="1059507"/>
             <a:chOff x="0" y="0"/>
@@ -10909,12 +11297,12 @@
         </p:grpSpPr>
         <p:sp>
           <p:nvSpPr>
-            <p:cNvPr name="Freeform 29" id="29" descr="preencoded.png"/>
+            <p:cNvPr id="29" name="Freeform 29" descr="preencoded.png"/>
             <p:cNvSpPr/>
             <p:nvPr/>
           </p:nvSpPr>
           <p:spPr>
-            <a:xfrm flipH="false" flipV="false" rot="0">
+            <a:xfrm>
               <a:off x="0" y="0"/>
               <a:ext cx="1177163" cy="1412621"/>
             </a:xfrm>
@@ -10923,9 +11311,9 @@
               <a:gdLst/>
               <a:ahLst/>
               <a:cxnLst/>
-              <a:rect r="r" b="b" t="t" l="l"/>
+              <a:rect l="l" t="t" r="r" b="b"/>
               <a:pathLst>
-                <a:path h="1412621" w="1177163">
+                <a:path w="1177163" h="1412621">
                   <a:moveTo>
                     <a:pt x="0" y="0"/>
                   </a:moveTo>
@@ -10948,20 +11336,27 @@
             <a:blipFill>
               <a:blip r:embed="rId6"/>
               <a:stretch>
-                <a:fillRect l="-274" t="0" r="-271" b="-3"/>
+                <a:fillRect l="-274" r="-271" b="-3"/>
               </a:stretch>
             </a:blipFill>
           </p:spPr>
+          <p:txBody>
+            <a:bodyPr/>
+            <a:lstStyle/>
+            <a:p>
+              <a:endParaRPr lang="en-US"/>
+            </a:p>
+          </p:txBody>
         </p:sp>
       </p:grpSp>
       <p:sp>
         <p:nvSpPr>
-          <p:cNvPr name="TextBox 30" id="30"/>
-          <p:cNvSpPr txBox="true"/>
+          <p:cNvPr id="30" name="TextBox 30"/>
+          <p:cNvSpPr txBox="1"/>
           <p:nvPr/>
         </p:nvSpPr>
         <p:spPr>
-          <a:xfrm rot="0">
+          <a:xfrm>
             <a:off x="1677441" y="7806481"/>
             <a:ext cx="2207419" cy="304354"/>
           </a:xfrm>
@@ -10970,7 +11365,7 @@
           </a:prstGeom>
         </p:spPr>
         <p:txBody>
-          <a:bodyPr anchor="t" rtlCol="false" tIns="0" lIns="0" bIns="0" rIns="0">
+          <a:bodyPr lIns="0" tIns="0" rIns="0" bIns="0" rtlCol="0" anchor="t">
             <a:spAutoFit/>
           </a:bodyPr>
           <a:lstStyle/>
@@ -10997,12 +11392,12 @@
       </p:sp>
       <p:sp>
         <p:nvSpPr>
-          <p:cNvPr name="TextBox 31" id="31"/>
-          <p:cNvSpPr txBox="true"/>
+          <p:cNvPr id="31" name="TextBox 31"/>
+          <p:cNvSpPr txBox="1"/>
           <p:nvPr/>
         </p:nvSpPr>
         <p:spPr>
-          <a:xfrm rot="0">
+          <a:xfrm>
             <a:off x="1677441" y="8159502"/>
             <a:ext cx="15992475" cy="339775"/>
           </a:xfrm>
@@ -11011,7 +11406,7 @@
           </a:prstGeom>
         </p:spPr>
         <p:txBody>
-          <a:bodyPr anchor="t" rtlCol="false" tIns="0" lIns="0" bIns="0" rIns="0">
+          <a:bodyPr lIns="0" tIns="0" rIns="0" bIns="0" rtlCol="0" anchor="t">
             <a:spAutoFit/>
           </a:bodyPr>
           <a:lstStyle/>
@@ -11038,12 +11433,12 @@
       </p:sp>
       <p:sp>
         <p:nvSpPr>
-          <p:cNvPr name="TextBox 32" id="32"/>
-          <p:cNvSpPr txBox="true"/>
+          <p:cNvPr id="32" name="TextBox 32"/>
+          <p:cNvSpPr txBox="1"/>
           <p:nvPr/>
         </p:nvSpPr>
         <p:spPr>
-          <a:xfrm rot="0">
+          <a:xfrm>
             <a:off x="618084" y="9018240"/>
             <a:ext cx="8310562" cy="622399"/>
           </a:xfrm>
@@ -11052,7 +11447,7 @@
           </a:prstGeom>
         </p:spPr>
         <p:txBody>
-          <a:bodyPr anchor="t" rtlCol="false" tIns="0" lIns="0" bIns="0" rIns="0">
+          <a:bodyPr lIns="0" tIns="0" rIns="0" bIns="0" rtlCol="0" anchor="t">
             <a:spAutoFit/>
           </a:bodyPr>
           <a:lstStyle/>
@@ -11063,7 +11458,7 @@
               </a:lnSpc>
             </a:pPr>
             <a:r>
-              <a:rPr lang="en-US" sz="1375" b="true">
+              <a:rPr lang="en-US" sz="1375" b="1">
                 <a:solidFill>
                   <a:srgbClr val="3C3939"/>
                 </a:solidFill>
@@ -11091,12 +11486,12 @@
       </p:sp>
       <p:sp>
         <p:nvSpPr>
-          <p:cNvPr name="TextBox 33" id="33"/>
-          <p:cNvSpPr txBox="true"/>
+          <p:cNvPr id="33" name="TextBox 33"/>
+          <p:cNvSpPr txBox="1"/>
           <p:nvPr/>
         </p:nvSpPr>
         <p:spPr>
-          <a:xfrm rot="0">
+          <a:xfrm>
             <a:off x="9368879" y="9018240"/>
             <a:ext cx="8310562" cy="622399"/>
           </a:xfrm>
@@ -11105,7 +11500,7 @@
           </a:prstGeom>
         </p:spPr>
         <p:txBody>
-          <a:bodyPr anchor="t" rtlCol="false" tIns="0" lIns="0" bIns="0" rIns="0">
+          <a:bodyPr lIns="0" tIns="0" rIns="0" bIns="0" rtlCol="0" anchor="t">
             <a:spAutoFit/>
           </a:bodyPr>
           <a:lstStyle/>
@@ -11116,7 +11511,7 @@
               </a:lnSpc>
             </a:pPr>
             <a:r>
-              <a:rPr lang="en-US" sz="1375" b="true">
+              <a:rPr lang="en-US" sz="1375" b="1">
                 <a:solidFill>
                   <a:srgbClr val="3C3939"/>
                 </a:solidFill>
@@ -11151,7 +11546,7 @@
 </file>
 
 <file path=ppt/slides/slide7.xml><?xml version="1.0" encoding="utf-8"?>
-<p:sld xmlns:p="http://schemas.openxmlformats.org/presentationml/2006/main" xmlns:a="http://schemas.openxmlformats.org/drawingml/2006/main">
+<p:sld xmlns:a="http://schemas.openxmlformats.org/drawingml/2006/main" xmlns:r="http://schemas.openxmlformats.org/officeDocument/2006/relationships" xmlns:p="http://schemas.openxmlformats.org/presentationml/2006/main">
   <p:cSld>
     <p:spTree>
       <p:nvGrpSpPr>
@@ -11169,12 +11564,12 @@
       </p:grpSpPr>
       <p:grpSp>
         <p:nvGrpSpPr>
-          <p:cNvPr name="Group 2" id="2"/>
+          <p:cNvPr id="2" name="Group 2"/>
           <p:cNvGrpSpPr/>
           <p:nvPr/>
         </p:nvGrpSpPr>
         <p:grpSpPr>
-          <a:xfrm rot="0">
+          <a:xfrm>
             <a:off x="0" y="0"/>
             <a:ext cx="18288000" cy="10287000"/>
             <a:chOff x="0" y="0"/>
@@ -11183,12 +11578,12 @@
         </p:grpSpPr>
         <p:sp>
           <p:nvSpPr>
-            <p:cNvPr name="Freeform 3" id="3"/>
+            <p:cNvPr id="3" name="Freeform 3"/>
             <p:cNvSpPr/>
             <p:nvPr/>
           </p:nvSpPr>
           <p:spPr>
-            <a:xfrm flipH="false" flipV="false" rot="0">
+            <a:xfrm>
               <a:off x="0" y="0"/>
               <a:ext cx="24384000" cy="13716000"/>
             </a:xfrm>
@@ -11197,9 +11592,9 @@
               <a:gdLst/>
               <a:ahLst/>
               <a:cxnLst/>
-              <a:rect r="r" b="b" t="t" l="l"/>
+              <a:rect l="l" t="t" r="r" b="b"/>
               <a:pathLst>
-                <a:path h="13716000" w="24384000">
+                <a:path w="24384000" h="13716000">
                   <a:moveTo>
                     <a:pt x="0" y="0"/>
                   </a:moveTo>
@@ -11225,16 +11620,23 @@
               </a:solidFill>
             </a:ln>
           </p:spPr>
+          <p:txBody>
+            <a:bodyPr/>
+            <a:lstStyle/>
+            <a:p>
+              <a:endParaRPr lang="en-US"/>
+            </a:p>
+          </p:txBody>
         </p:sp>
       </p:grpSp>
       <p:grpSp>
         <p:nvGrpSpPr>
-          <p:cNvPr name="Group 4" id="4"/>
+          <p:cNvPr id="4" name="Group 4"/>
           <p:cNvGrpSpPr/>
           <p:nvPr/>
         </p:nvGrpSpPr>
         <p:grpSpPr>
-          <a:xfrm rot="0">
+          <a:xfrm>
             <a:off x="0" y="0"/>
             <a:ext cx="18288000" cy="10287000"/>
             <a:chOff x="0" y="0"/>
@@ -11243,12 +11645,12 @@
         </p:grpSpPr>
         <p:sp>
           <p:nvSpPr>
-            <p:cNvPr name="Freeform 5" id="5"/>
+            <p:cNvPr id="5" name="Freeform 5"/>
             <p:cNvSpPr/>
             <p:nvPr/>
           </p:nvSpPr>
           <p:spPr>
-            <a:xfrm flipH="false" flipV="false" rot="0">
+            <a:xfrm>
               <a:off x="0" y="0"/>
               <a:ext cx="24384000" cy="13716000"/>
             </a:xfrm>
@@ -11257,9 +11659,9 @@
               <a:gdLst/>
               <a:ahLst/>
               <a:cxnLst/>
-              <a:rect r="r" b="b" t="t" l="l"/>
+              <a:rect l="l" t="t" r="r" b="b"/>
               <a:pathLst>
-                <a:path h="13716000" w="24384000">
+                <a:path w="24384000" h="13716000">
                   <a:moveTo>
                     <a:pt x="0" y="0"/>
                   </a:moveTo>
@@ -11287,25 +11689,32 @@
               </a:solidFill>
             </a:ln>
           </p:spPr>
+          <p:txBody>
+            <a:bodyPr/>
+            <a:lstStyle/>
+            <a:p>
+              <a:endParaRPr lang="en-US"/>
+            </a:p>
+          </p:txBody>
         </p:sp>
       </p:grpSp>
       <p:sp>
         <p:nvSpPr>
-          <p:cNvPr name="TextBox 6" id="6"/>
-          <p:cNvSpPr txBox="true"/>
+          <p:cNvPr id="6" name="TextBox 6"/>
+          <p:cNvSpPr txBox="1"/>
           <p:nvPr/>
         </p:nvSpPr>
         <p:spPr>
-          <a:xfrm rot="0">
+          <a:xfrm>
             <a:off x="992238" y="1562546"/>
-            <a:ext cx="10313342" cy="914549"/>
+            <a:ext cx="10513962" cy="834267"/>
           </a:xfrm>
           <a:prstGeom prst="rect">
             <a:avLst/>
           </a:prstGeom>
         </p:spPr>
         <p:txBody>
-          <a:bodyPr anchor="t" rtlCol="false" tIns="0" lIns="0" bIns="0" rIns="0">
+          <a:bodyPr wrap="square" lIns="0" tIns="0" rIns="0" bIns="0" rtlCol="0" anchor="t">
             <a:spAutoFit/>
           </a:bodyPr>
           <a:lstStyle/>
@@ -11316,7 +11725,7 @@
               </a:lnSpc>
             </a:pPr>
             <a:r>
-              <a:rPr lang="en-US" sz="5562">
+              <a:rPr lang="en-US" sz="5562" dirty="0">
                 <a:solidFill>
                   <a:srgbClr val="1B1B27"/>
                 </a:solidFill>
@@ -11332,12 +11741,12 @@
       </p:sp>
       <p:sp>
         <p:nvSpPr>
-          <p:cNvPr name="TextBox 7" id="7"/>
-          <p:cNvSpPr txBox="true"/>
+          <p:cNvPr id="7" name="TextBox 7"/>
+          <p:cNvSpPr txBox="1"/>
           <p:nvPr/>
         </p:nvSpPr>
         <p:spPr>
-          <a:xfrm rot="0">
+          <a:xfrm>
             <a:off x="992238" y="3167806"/>
             <a:ext cx="5198269" cy="811709"/>
           </a:xfrm>
@@ -11346,7 +11755,7 @@
           </a:prstGeom>
         </p:spPr>
         <p:txBody>
-          <a:bodyPr anchor="t" rtlCol="false" tIns="0" lIns="0" bIns="0" rIns="0">
+          <a:bodyPr lIns="0" tIns="0" rIns="0" bIns="0" rtlCol="0" anchor="t">
             <a:spAutoFit/>
           </a:bodyPr>
           <a:lstStyle/>
@@ -11373,21 +11782,21 @@
       </p:sp>
       <p:sp>
         <p:nvSpPr>
-          <p:cNvPr name="TextBox 8" id="8"/>
-          <p:cNvSpPr txBox="true"/>
+          <p:cNvPr id="8" name="TextBox 8"/>
+          <p:cNvSpPr txBox="1"/>
           <p:nvPr/>
         </p:nvSpPr>
         <p:spPr>
-          <a:xfrm rot="0">
-            <a:off x="1817786" y="4305151"/>
-            <a:ext cx="3547170" cy="471487"/>
+          <a:xfrm>
+            <a:off x="1817785" y="4305151"/>
+            <a:ext cx="3734695" cy="411395"/>
           </a:xfrm>
           <a:prstGeom prst="rect">
             <a:avLst/>
           </a:prstGeom>
         </p:spPr>
         <p:txBody>
-          <a:bodyPr anchor="t" rtlCol="false" tIns="0" lIns="0" bIns="0" rIns="0">
+          <a:bodyPr wrap="square" lIns="0" tIns="0" rIns="0" bIns="0" rtlCol="0" anchor="t">
             <a:spAutoFit/>
           </a:bodyPr>
           <a:lstStyle/>
@@ -11398,7 +11807,7 @@
               </a:lnSpc>
             </a:pPr>
             <a:r>
-              <a:rPr lang="en-US" sz="2750">
+              <a:rPr lang="en-US" sz="2750" dirty="0">
                 <a:solidFill>
                   <a:srgbClr val="3C3939"/>
                 </a:solidFill>
@@ -11414,12 +11823,12 @@
       </p:sp>
       <p:sp>
         <p:nvSpPr>
-          <p:cNvPr name="TextBox 9" id="9"/>
-          <p:cNvSpPr txBox="true"/>
+          <p:cNvPr id="9" name="TextBox 9"/>
+          <p:cNvSpPr txBox="1"/>
           <p:nvPr/>
         </p:nvSpPr>
         <p:spPr>
-          <a:xfrm rot="0">
+          <a:xfrm>
             <a:off x="992238" y="4851499"/>
             <a:ext cx="5198269" cy="548879"/>
           </a:xfrm>
@@ -11428,7 +11837,7 @@
           </a:prstGeom>
         </p:spPr>
         <p:txBody>
-          <a:bodyPr anchor="t" rtlCol="false" tIns="0" lIns="0" bIns="0" rIns="0">
+          <a:bodyPr lIns="0" tIns="0" rIns="0" bIns="0" rtlCol="0" anchor="t">
             <a:spAutoFit/>
           </a:bodyPr>
           <a:lstStyle/>
@@ -11455,12 +11864,12 @@
       </p:sp>
       <p:sp>
         <p:nvSpPr>
-          <p:cNvPr name="TextBox 10" id="10"/>
-          <p:cNvSpPr txBox="true"/>
+          <p:cNvPr id="10" name="TextBox 10"/>
+          <p:cNvSpPr txBox="1"/>
           <p:nvPr/>
         </p:nvSpPr>
         <p:spPr>
-          <a:xfrm rot="0">
+          <a:xfrm>
             <a:off x="6544866" y="3167806"/>
             <a:ext cx="5198269" cy="811709"/>
           </a:xfrm>
@@ -11469,7 +11878,7 @@
           </a:prstGeom>
         </p:spPr>
         <p:txBody>
-          <a:bodyPr anchor="t" rtlCol="false" tIns="0" lIns="0" bIns="0" rIns="0">
+          <a:bodyPr lIns="0" tIns="0" rIns="0" bIns="0" rtlCol="0" anchor="t">
             <a:spAutoFit/>
           </a:bodyPr>
           <a:lstStyle/>
@@ -11496,12 +11905,12 @@
       </p:sp>
       <p:sp>
         <p:nvSpPr>
-          <p:cNvPr name="TextBox 11" id="11"/>
-          <p:cNvSpPr txBox="true"/>
+          <p:cNvPr id="11" name="TextBox 11"/>
+          <p:cNvSpPr txBox="1"/>
           <p:nvPr/>
         </p:nvSpPr>
         <p:spPr>
-          <a:xfrm rot="0">
+          <a:xfrm>
             <a:off x="7371904" y="4305151"/>
             <a:ext cx="3544044" cy="471487"/>
           </a:xfrm>
@@ -11510,7 +11919,7 @@
           </a:prstGeom>
         </p:spPr>
         <p:txBody>
-          <a:bodyPr anchor="t" rtlCol="false" tIns="0" lIns="0" bIns="0" rIns="0">
+          <a:bodyPr lIns="0" tIns="0" rIns="0" bIns="0" rtlCol="0" anchor="t">
             <a:spAutoFit/>
           </a:bodyPr>
           <a:lstStyle/>
@@ -11537,12 +11946,12 @@
       </p:sp>
       <p:sp>
         <p:nvSpPr>
-          <p:cNvPr name="TextBox 12" id="12"/>
-          <p:cNvSpPr txBox="true"/>
+          <p:cNvPr id="12" name="TextBox 12"/>
+          <p:cNvSpPr txBox="1"/>
           <p:nvPr/>
         </p:nvSpPr>
         <p:spPr>
-          <a:xfrm rot="0">
+          <a:xfrm>
             <a:off x="6544866" y="4851499"/>
             <a:ext cx="5198269" cy="548879"/>
           </a:xfrm>
@@ -11551,7 +11960,7 @@
           </a:prstGeom>
         </p:spPr>
         <p:txBody>
-          <a:bodyPr anchor="t" rtlCol="false" tIns="0" lIns="0" bIns="0" rIns="0">
+          <a:bodyPr lIns="0" tIns="0" rIns="0" bIns="0" rtlCol="0" anchor="t">
             <a:spAutoFit/>
           </a:bodyPr>
           <a:lstStyle/>
@@ -11578,12 +11987,12 @@
       </p:sp>
       <p:sp>
         <p:nvSpPr>
-          <p:cNvPr name="TextBox 13" id="13"/>
-          <p:cNvSpPr txBox="true"/>
+          <p:cNvPr id="13" name="TextBox 13"/>
+          <p:cNvSpPr txBox="1"/>
           <p:nvPr/>
         </p:nvSpPr>
         <p:spPr>
-          <a:xfrm rot="0">
+          <a:xfrm>
             <a:off x="12097494" y="3167806"/>
             <a:ext cx="5198269" cy="811709"/>
           </a:xfrm>
@@ -11592,7 +12001,7 @@
           </a:prstGeom>
         </p:spPr>
         <p:txBody>
-          <a:bodyPr anchor="t" rtlCol="false" tIns="0" lIns="0" bIns="0" rIns="0">
+          <a:bodyPr lIns="0" tIns="0" rIns="0" bIns="0" rtlCol="0" anchor="t">
             <a:spAutoFit/>
           </a:bodyPr>
           <a:lstStyle/>
@@ -11619,12 +12028,12 @@
       </p:sp>
       <p:sp>
         <p:nvSpPr>
-          <p:cNvPr name="TextBox 14" id="14"/>
-          <p:cNvSpPr txBox="true"/>
+          <p:cNvPr id="14" name="TextBox 14"/>
+          <p:cNvSpPr txBox="1"/>
           <p:nvPr/>
         </p:nvSpPr>
         <p:spPr>
-          <a:xfrm rot="0">
+          <a:xfrm>
             <a:off x="12924533" y="4305151"/>
             <a:ext cx="3544044" cy="471487"/>
           </a:xfrm>
@@ -11633,7 +12042,7 @@
           </a:prstGeom>
         </p:spPr>
         <p:txBody>
-          <a:bodyPr anchor="t" rtlCol="false" tIns="0" lIns="0" bIns="0" rIns="0">
+          <a:bodyPr lIns="0" tIns="0" rIns="0" bIns="0" rtlCol="0" anchor="t">
             <a:spAutoFit/>
           </a:bodyPr>
           <a:lstStyle/>
@@ -11660,12 +12069,12 @@
       </p:sp>
       <p:sp>
         <p:nvSpPr>
-          <p:cNvPr name="TextBox 15" id="15"/>
-          <p:cNvSpPr txBox="true"/>
+          <p:cNvPr id="15" name="TextBox 15"/>
+          <p:cNvSpPr txBox="1"/>
           <p:nvPr/>
         </p:nvSpPr>
         <p:spPr>
-          <a:xfrm rot="0">
+          <a:xfrm>
             <a:off x="12097494" y="4851499"/>
             <a:ext cx="5198269" cy="548879"/>
           </a:xfrm>
@@ -11674,7 +12083,7 @@
           </a:prstGeom>
         </p:spPr>
         <p:txBody>
-          <a:bodyPr anchor="t" rtlCol="false" tIns="0" lIns="0" bIns="0" rIns="0">
+          <a:bodyPr lIns="0" tIns="0" rIns="0" bIns="0" rtlCol="0" anchor="t">
             <a:spAutoFit/>
           </a:bodyPr>
           <a:lstStyle/>
@@ -11701,12 +12110,12 @@
       </p:sp>
       <p:sp>
         <p:nvSpPr>
-          <p:cNvPr name="TextBox 16" id="16"/>
-          <p:cNvSpPr txBox="true"/>
+          <p:cNvPr id="16" name="TextBox 16"/>
+          <p:cNvSpPr txBox="1"/>
           <p:nvPr/>
         </p:nvSpPr>
         <p:spPr>
-          <a:xfrm rot="0">
+          <a:xfrm>
             <a:off x="992238" y="5797004"/>
             <a:ext cx="4252912" cy="560189"/>
           </a:xfrm>
@@ -11715,7 +12124,7 @@
           </a:prstGeom>
         </p:spPr>
         <p:txBody>
-          <a:bodyPr anchor="t" rtlCol="false" tIns="0" lIns="0" bIns="0" rIns="0">
+          <a:bodyPr lIns="0" tIns="0" rIns="0" bIns="0" rtlCol="0" anchor="t">
             <a:spAutoFit/>
           </a:bodyPr>
           <a:lstStyle/>
@@ -11742,12 +12151,12 @@
       </p:sp>
       <p:sp>
         <p:nvSpPr>
-          <p:cNvPr name="TextBox 17" id="17"/>
-          <p:cNvSpPr txBox="true"/>
+          <p:cNvPr id="17" name="TextBox 17"/>
+          <p:cNvSpPr txBox="1"/>
           <p:nvPr/>
         </p:nvSpPr>
         <p:spPr>
-          <a:xfrm rot="0">
+          <a:xfrm>
             <a:off x="992238" y="6942236"/>
             <a:ext cx="7805886" cy="548879"/>
           </a:xfrm>
@@ -11756,12 +12165,12 @@
           </a:prstGeom>
         </p:spPr>
         <p:txBody>
-          <a:bodyPr anchor="t" rtlCol="false" tIns="0" lIns="0" bIns="0" rIns="0">
+          <a:bodyPr lIns="0" tIns="0" rIns="0" bIns="0" rtlCol="0" anchor="t">
             <a:spAutoFit/>
           </a:bodyPr>
           <a:lstStyle/>
           <a:p>
-            <a:pPr algn="l" marL="329902" indent="-164951" lvl="1">
+            <a:pPr marL="329902" lvl="1" indent="-164951" algn="l">
               <a:lnSpc>
                 <a:spcPts val="3562"/>
               </a:lnSpc>
@@ -11785,12 +12194,12 @@
       </p:sp>
       <p:sp>
         <p:nvSpPr>
-          <p:cNvPr name="TextBox 18" id="18"/>
-          <p:cNvSpPr txBox="true"/>
+          <p:cNvPr id="18" name="TextBox 18"/>
+          <p:cNvSpPr txBox="1"/>
           <p:nvPr/>
         </p:nvSpPr>
         <p:spPr>
-          <a:xfrm rot="0">
+          <a:xfrm>
             <a:off x="992238" y="7494985"/>
             <a:ext cx="7805886" cy="548879"/>
           </a:xfrm>
@@ -11799,12 +12208,12 @@
           </a:prstGeom>
         </p:spPr>
         <p:txBody>
-          <a:bodyPr anchor="t" rtlCol="false" tIns="0" lIns="0" bIns="0" rIns="0">
+          <a:bodyPr lIns="0" tIns="0" rIns="0" bIns="0" rtlCol="0" anchor="t">
             <a:spAutoFit/>
           </a:bodyPr>
           <a:lstStyle/>
           <a:p>
-            <a:pPr algn="l" marL="329902" indent="-164951" lvl="1">
+            <a:pPr marL="329902" lvl="1" indent="-164951" algn="l">
               <a:lnSpc>
                 <a:spcPts val="3562"/>
               </a:lnSpc>
@@ -11828,12 +12237,12 @@
       </p:sp>
       <p:sp>
         <p:nvSpPr>
-          <p:cNvPr name="TextBox 19" id="19"/>
-          <p:cNvSpPr txBox="true"/>
+          <p:cNvPr id="19" name="TextBox 19"/>
+          <p:cNvSpPr txBox="1"/>
           <p:nvPr/>
         </p:nvSpPr>
         <p:spPr>
-          <a:xfrm rot="0">
+          <a:xfrm>
             <a:off x="992238" y="8047732"/>
             <a:ext cx="7805886" cy="548879"/>
           </a:xfrm>
@@ -11842,12 +12251,12 @@
           </a:prstGeom>
         </p:spPr>
         <p:txBody>
-          <a:bodyPr anchor="t" rtlCol="false" tIns="0" lIns="0" bIns="0" rIns="0">
+          <a:bodyPr lIns="0" tIns="0" rIns="0" bIns="0" rtlCol="0" anchor="t">
             <a:spAutoFit/>
           </a:bodyPr>
           <a:lstStyle/>
           <a:p>
-            <a:pPr algn="l" marL="329902" indent="-164951" lvl="1">
+            <a:pPr marL="329902" lvl="1" indent="-164951" algn="l">
               <a:lnSpc>
                 <a:spcPts val="3562"/>
               </a:lnSpc>
@@ -11871,12 +12280,12 @@
       </p:sp>
       <p:sp>
         <p:nvSpPr>
-          <p:cNvPr name="TextBox 20" id="20"/>
-          <p:cNvSpPr txBox="true"/>
+          <p:cNvPr id="20" name="TextBox 20"/>
+          <p:cNvSpPr txBox="1"/>
           <p:nvPr/>
         </p:nvSpPr>
         <p:spPr>
-          <a:xfrm rot="0">
+          <a:xfrm>
             <a:off x="9499401" y="6942236"/>
             <a:ext cx="7805886" cy="548879"/>
           </a:xfrm>
@@ -11885,12 +12294,12 @@
           </a:prstGeom>
         </p:spPr>
         <p:txBody>
-          <a:bodyPr anchor="t" rtlCol="false" tIns="0" lIns="0" bIns="0" rIns="0">
+          <a:bodyPr lIns="0" tIns="0" rIns="0" bIns="0" rtlCol="0" anchor="t">
             <a:spAutoFit/>
           </a:bodyPr>
           <a:lstStyle/>
           <a:p>
-            <a:pPr algn="l" marL="329902" indent="-164951" lvl="1">
+            <a:pPr marL="329902" lvl="1" indent="-164951" algn="l">
               <a:lnSpc>
                 <a:spcPts val="3562"/>
               </a:lnSpc>
@@ -11914,12 +12323,12 @@
       </p:sp>
       <p:sp>
         <p:nvSpPr>
-          <p:cNvPr name="TextBox 21" id="21"/>
-          <p:cNvSpPr txBox="true"/>
+          <p:cNvPr id="21" name="TextBox 21"/>
+          <p:cNvSpPr txBox="1"/>
           <p:nvPr/>
         </p:nvSpPr>
         <p:spPr>
-          <a:xfrm rot="0">
+          <a:xfrm>
             <a:off x="9499401" y="7494985"/>
             <a:ext cx="7805886" cy="548879"/>
           </a:xfrm>
@@ -11928,12 +12337,12 @@
           </a:prstGeom>
         </p:spPr>
         <p:txBody>
-          <a:bodyPr anchor="t" rtlCol="false" tIns="0" lIns="0" bIns="0" rIns="0">
+          <a:bodyPr lIns="0" tIns="0" rIns="0" bIns="0" rtlCol="0" anchor="t">
             <a:spAutoFit/>
           </a:bodyPr>
           <a:lstStyle/>
           <a:p>
-            <a:pPr algn="l" marL="329902" indent="-164951" lvl="1">
+            <a:pPr marL="329902" lvl="1" indent="-164951" algn="l">
               <a:lnSpc>
                 <a:spcPts val="3562"/>
               </a:lnSpc>
@@ -11957,12 +12366,12 @@
       </p:sp>
       <p:sp>
         <p:nvSpPr>
-          <p:cNvPr name="TextBox 22" id="22"/>
-          <p:cNvSpPr txBox="true"/>
+          <p:cNvPr id="22" name="TextBox 22"/>
+          <p:cNvSpPr txBox="1"/>
           <p:nvPr/>
         </p:nvSpPr>
         <p:spPr>
-          <a:xfrm rot="0">
+          <a:xfrm>
             <a:off x="9499401" y="8047732"/>
             <a:ext cx="7805886" cy="548879"/>
           </a:xfrm>
@@ -11971,12 +12380,12 @@
           </a:prstGeom>
         </p:spPr>
         <p:txBody>
-          <a:bodyPr anchor="t" rtlCol="false" tIns="0" lIns="0" bIns="0" rIns="0">
+          <a:bodyPr lIns="0" tIns="0" rIns="0" bIns="0" rtlCol="0" anchor="t">
             <a:spAutoFit/>
           </a:bodyPr>
           <a:lstStyle/>
           <a:p>
-            <a:pPr algn="l" marL="329902" indent="-164951" lvl="1">
+            <a:pPr marL="329902" lvl="1" indent="-164951" algn="l">
               <a:lnSpc>
                 <a:spcPts val="3562"/>
               </a:lnSpc>
@@ -12007,7 +12416,7 @@
 </file>
 
 <file path=ppt/slides/slide8.xml><?xml version="1.0" encoding="utf-8"?>
-<p:sld xmlns:p="http://schemas.openxmlformats.org/presentationml/2006/main" xmlns:a="http://schemas.openxmlformats.org/drawingml/2006/main" xmlns:r="http://schemas.openxmlformats.org/officeDocument/2006/relationships">
+<p:sld xmlns:a="http://schemas.openxmlformats.org/drawingml/2006/main" xmlns:r="http://schemas.openxmlformats.org/officeDocument/2006/relationships" xmlns:p="http://schemas.openxmlformats.org/presentationml/2006/main">
   <p:cSld>
     <p:spTree>
       <p:nvGrpSpPr>
@@ -12025,12 +12434,12 @@
       </p:grpSpPr>
       <p:grpSp>
         <p:nvGrpSpPr>
-          <p:cNvPr name="Group 2" id="2"/>
+          <p:cNvPr id="2" name="Group 2"/>
           <p:cNvGrpSpPr/>
           <p:nvPr/>
         </p:nvGrpSpPr>
         <p:grpSpPr>
-          <a:xfrm rot="0">
+          <a:xfrm>
             <a:off x="0" y="0"/>
             <a:ext cx="18288000" cy="10287000"/>
             <a:chOff x="0" y="0"/>
@@ -12039,12 +12448,12 @@
         </p:grpSpPr>
         <p:sp>
           <p:nvSpPr>
-            <p:cNvPr name="Freeform 3" id="3"/>
+            <p:cNvPr id="3" name="Freeform 3"/>
             <p:cNvSpPr/>
             <p:nvPr/>
           </p:nvSpPr>
           <p:spPr>
-            <a:xfrm flipH="false" flipV="false" rot="0">
+            <a:xfrm>
               <a:off x="0" y="0"/>
               <a:ext cx="24384000" cy="13716000"/>
             </a:xfrm>
@@ -12053,9 +12462,9 @@
               <a:gdLst/>
               <a:ahLst/>
               <a:cxnLst/>
-              <a:rect r="r" b="b" t="t" l="l"/>
+              <a:rect l="l" t="t" r="r" b="b"/>
               <a:pathLst>
-                <a:path h="13716000" w="24384000">
+                <a:path w="24384000" h="13716000">
                   <a:moveTo>
                     <a:pt x="0" y="0"/>
                   </a:moveTo>
@@ -12081,16 +12490,23 @@
               </a:solidFill>
             </a:ln>
           </p:spPr>
+          <p:txBody>
+            <a:bodyPr/>
+            <a:lstStyle/>
+            <a:p>
+              <a:endParaRPr lang="en-US"/>
+            </a:p>
+          </p:txBody>
         </p:sp>
       </p:grpSp>
       <p:grpSp>
         <p:nvGrpSpPr>
-          <p:cNvPr name="Group 4" id="4"/>
+          <p:cNvPr id="4" name="Group 4"/>
           <p:cNvGrpSpPr/>
           <p:nvPr/>
         </p:nvGrpSpPr>
         <p:grpSpPr>
-          <a:xfrm rot="0">
+          <a:xfrm>
             <a:off x="0" y="0"/>
             <a:ext cx="18288000" cy="10287000"/>
             <a:chOff x="0" y="0"/>
@@ -12099,12 +12515,12 @@
         </p:grpSpPr>
         <p:sp>
           <p:nvSpPr>
-            <p:cNvPr name="Freeform 5" id="5"/>
+            <p:cNvPr id="5" name="Freeform 5"/>
             <p:cNvSpPr/>
             <p:nvPr/>
           </p:nvSpPr>
           <p:spPr>
-            <a:xfrm flipH="false" flipV="false" rot="0">
+            <a:xfrm>
               <a:off x="0" y="0"/>
               <a:ext cx="24384000" cy="13716000"/>
             </a:xfrm>
@@ -12113,9 +12529,9 @@
               <a:gdLst/>
               <a:ahLst/>
               <a:cxnLst/>
-              <a:rect r="r" b="b" t="t" l="l"/>
+              <a:rect l="l" t="t" r="r" b="b"/>
               <a:pathLst>
-                <a:path h="13716000" w="24384000">
+                <a:path w="24384000" h="13716000">
                   <a:moveTo>
                     <a:pt x="0" y="0"/>
                   </a:moveTo>
@@ -12143,16 +12559,23 @@
               </a:solidFill>
             </a:ln>
           </p:spPr>
+          <p:txBody>
+            <a:bodyPr/>
+            <a:lstStyle/>
+            <a:p>
+              <a:endParaRPr lang="en-US"/>
+            </a:p>
+          </p:txBody>
         </p:sp>
       </p:grpSp>
       <p:grpSp>
         <p:nvGrpSpPr>
-          <p:cNvPr name="Group 6" id="6"/>
+          <p:cNvPr id="6" name="Group 6"/>
           <p:cNvGrpSpPr/>
           <p:nvPr/>
         </p:nvGrpSpPr>
         <p:grpSpPr>
-          <a:xfrm rot="0">
+          <a:xfrm>
             <a:off x="0" y="0"/>
             <a:ext cx="9144000" cy="10295930"/>
             <a:chOff x="0" y="0"/>
@@ -12161,12 +12584,12 @@
         </p:grpSpPr>
         <p:sp>
           <p:nvSpPr>
-            <p:cNvPr name="Freeform 7" id="7" descr="preencoded.png"/>
+            <p:cNvPr id="7" name="Freeform 7" descr="preencoded.png"/>
             <p:cNvSpPr/>
             <p:nvPr/>
           </p:nvSpPr>
           <p:spPr>
-            <a:xfrm flipH="false" flipV="false" rot="0">
+            <a:xfrm>
               <a:off x="0" y="0"/>
               <a:ext cx="12192000" cy="13727937"/>
             </a:xfrm>
@@ -12175,9 +12598,9 @@
               <a:gdLst/>
               <a:ahLst/>
               <a:cxnLst/>
-              <a:rect r="r" b="b" t="t" l="l"/>
+              <a:rect l="l" t="t" r="r" b="b"/>
               <a:pathLst>
-                <a:path h="13727937" w="12192000">
+                <a:path w="12192000" h="13727937">
                   <a:moveTo>
                     <a:pt x="0" y="0"/>
                   </a:moveTo>
@@ -12200,20 +12623,27 @@
             <a:blipFill>
               <a:blip r:embed="rId2"/>
               <a:stretch>
-                <a:fillRect l="0" t="-2" r="0" b="-2"/>
+                <a:fillRect t="-2" b="-2"/>
               </a:stretch>
             </a:blipFill>
           </p:spPr>
+          <p:txBody>
+            <a:bodyPr/>
+            <a:lstStyle/>
+            <a:p>
+              <a:endParaRPr lang="en-US"/>
+            </a:p>
+          </p:txBody>
         </p:sp>
       </p:grpSp>
       <p:grpSp>
         <p:nvGrpSpPr>
-          <p:cNvPr name="Group 8" id="8"/>
+          <p:cNvPr id="8" name="Group 8"/>
           <p:cNvGrpSpPr/>
           <p:nvPr/>
         </p:nvGrpSpPr>
         <p:grpSpPr>
-          <a:xfrm rot="0">
+          <a:xfrm>
             <a:off x="213718" y="2848867"/>
             <a:ext cx="8716566" cy="4598045"/>
             <a:chOff x="0" y="0"/>
@@ -12222,12 +12652,12 @@
         </p:grpSpPr>
         <p:sp>
           <p:nvSpPr>
-            <p:cNvPr name="Freeform 9" id="9" descr="preencoded.png"/>
+            <p:cNvPr id="9" name="Freeform 9" descr="preencoded.png"/>
             <p:cNvSpPr/>
             <p:nvPr/>
           </p:nvSpPr>
           <p:spPr>
-            <a:xfrm flipH="false" flipV="false" rot="0">
+            <a:xfrm>
               <a:off x="0" y="0"/>
               <a:ext cx="11622151" cy="6130671"/>
             </a:xfrm>
@@ -12236,9 +12666,9 @@
               <a:gdLst/>
               <a:ahLst/>
               <a:cxnLst/>
-              <a:rect r="r" b="b" t="t" l="l"/>
+              <a:rect l="l" t="t" r="r" b="b"/>
               <a:pathLst>
-                <a:path h="6130671" w="11622151">
+                <a:path w="11622151" h="6130671">
                   <a:moveTo>
                     <a:pt x="0" y="0"/>
                   </a:moveTo>
@@ -12261,20 +12691,27 @@
             <a:blipFill>
               <a:blip r:embed="rId3"/>
               <a:stretch>
-                <a:fillRect l="0" t="0" r="0" b="0"/>
+                <a:fillRect/>
               </a:stretch>
             </a:blipFill>
           </p:spPr>
+          <p:txBody>
+            <a:bodyPr/>
+            <a:lstStyle/>
+            <a:p>
+              <a:endParaRPr lang="en-US"/>
+            </a:p>
+          </p:txBody>
         </p:sp>
       </p:grpSp>
       <p:sp>
         <p:nvSpPr>
-          <p:cNvPr name="TextBox 10" id="10"/>
-          <p:cNvSpPr txBox="true"/>
+          <p:cNvPr id="10" name="TextBox 10"/>
+          <p:cNvSpPr txBox="1"/>
           <p:nvPr/>
         </p:nvSpPr>
         <p:spPr>
-          <a:xfrm rot="0">
+          <a:xfrm>
             <a:off x="9741991" y="441275"/>
             <a:ext cx="5421214" cy="562570"/>
           </a:xfrm>
@@ -12283,7 +12720,7 @@
           </a:prstGeom>
         </p:spPr>
         <p:txBody>
-          <a:bodyPr anchor="t" rtlCol="false" tIns="0" lIns="0" bIns="0" rIns="0">
+          <a:bodyPr lIns="0" tIns="0" rIns="0" bIns="0" rtlCol="0" anchor="t">
             <a:spAutoFit/>
           </a:bodyPr>
           <a:lstStyle/>
@@ -12310,12 +12747,12 @@
       </p:sp>
       <p:grpSp>
         <p:nvGrpSpPr>
-          <p:cNvPr name="Group 11" id="11"/>
+          <p:cNvPr id="11" name="Group 11"/>
           <p:cNvGrpSpPr/>
           <p:nvPr/>
         </p:nvGrpSpPr>
         <p:grpSpPr>
-          <a:xfrm rot="0">
+          <a:xfrm>
             <a:off x="9737229" y="1255365"/>
             <a:ext cx="7957542" cy="2022872"/>
             <a:chOff x="0" y="0"/>
@@ -12324,12 +12761,12 @@
         </p:grpSpPr>
         <p:sp>
           <p:nvSpPr>
-            <p:cNvPr name="Freeform 12" id="12"/>
+            <p:cNvPr id="12" name="Freeform 12"/>
             <p:cNvSpPr/>
             <p:nvPr/>
           </p:nvSpPr>
           <p:spPr>
-            <a:xfrm flipH="false" flipV="false" rot="0">
+            <a:xfrm>
               <a:off x="6350" y="6350"/>
               <a:ext cx="10597388" cy="2684526"/>
             </a:xfrm>
@@ -12338,9 +12775,9 @@
               <a:gdLst/>
               <a:ahLst/>
               <a:cxnLst/>
-              <a:rect r="r" b="b" t="t" l="l"/>
+              <a:rect l="l" t="t" r="r" b="b"/>
               <a:pathLst>
-                <a:path h="2684526" w="10597388">
+                <a:path w="10597388" h="2684526">
                   <a:moveTo>
                     <a:pt x="0" y="95758"/>
                   </a:moveTo>
@@ -12386,15 +12823,22 @@
               </a:solidFill>
             </a:ln>
           </p:spPr>
+          <p:txBody>
+            <a:bodyPr/>
+            <a:lstStyle/>
+            <a:p>
+              <a:endParaRPr lang="en-US"/>
+            </a:p>
+          </p:txBody>
         </p:sp>
         <p:sp>
           <p:nvSpPr>
-            <p:cNvPr name="Freeform 13" id="13"/>
+            <p:cNvPr id="13" name="Freeform 13"/>
             <p:cNvSpPr/>
             <p:nvPr/>
           </p:nvSpPr>
           <p:spPr>
-            <a:xfrm flipH="false" flipV="false" rot="0">
+            <a:xfrm>
               <a:off x="0" y="0"/>
               <a:ext cx="10610088" cy="2697226"/>
             </a:xfrm>
@@ -12403,9 +12847,9 @@
               <a:gdLst/>
               <a:ahLst/>
               <a:cxnLst/>
-              <a:rect r="r" b="b" t="t" l="l"/>
+              <a:rect l="l" t="t" r="r" b="b"/>
               <a:pathLst>
-                <a:path h="2697226" w="10610088">
+                <a:path w="10610088" h="2697226">
                   <a:moveTo>
                     <a:pt x="0" y="102108"/>
                   </a:moveTo>
@@ -12537,16 +12981,23 @@
               </a:solidFill>
             </a:ln>
           </p:spPr>
+          <p:txBody>
+            <a:bodyPr/>
+            <a:lstStyle/>
+            <a:p>
+              <a:endParaRPr lang="en-US"/>
+            </a:p>
+          </p:txBody>
         </p:sp>
       </p:grpSp>
       <p:grpSp>
         <p:nvGrpSpPr>
-          <p:cNvPr name="Group 14" id="14"/>
+          <p:cNvPr id="14" name="Group 14"/>
           <p:cNvGrpSpPr/>
           <p:nvPr/>
         </p:nvGrpSpPr>
         <p:grpSpPr>
-          <a:xfrm rot="0">
+          <a:xfrm>
             <a:off x="9922371" y="1440507"/>
             <a:ext cx="512564" cy="512564"/>
             <a:chOff x="0" y="0"/>
@@ -12555,12 +13006,12 @@
         </p:grpSpPr>
         <p:sp>
           <p:nvSpPr>
-            <p:cNvPr name="Freeform 15" id="15"/>
+            <p:cNvPr id="15" name="Freeform 15"/>
             <p:cNvSpPr/>
             <p:nvPr/>
           </p:nvSpPr>
           <p:spPr>
-            <a:xfrm flipH="false" flipV="false" rot="0">
+            <a:xfrm>
               <a:off x="0" y="0"/>
               <a:ext cx="683387" cy="683387"/>
             </a:xfrm>
@@ -12569,9 +13020,9 @@
               <a:gdLst/>
               <a:ahLst/>
               <a:cxnLst/>
-              <a:rect r="r" b="b" t="t" l="l"/>
+              <a:rect l="l" t="t" r="r" b="b"/>
               <a:pathLst>
-                <a:path h="683387" w="683387">
+                <a:path w="683387" h="683387">
                   <a:moveTo>
                     <a:pt x="0" y="341757"/>
                   </a:moveTo>
@@ -12608,16 +13059,23 @@
               </a:solidFill>
             </a:ln>
           </p:spPr>
+          <p:txBody>
+            <a:bodyPr/>
+            <a:lstStyle/>
+            <a:p>
+              <a:endParaRPr lang="en-US"/>
+            </a:p>
+          </p:txBody>
         </p:sp>
       </p:grpSp>
       <p:sp>
         <p:nvSpPr>
-          <p:cNvPr name="Freeform 16" id="16" descr="preencoded.png"/>
+          <p:cNvPr id="16" name="Freeform 16" descr="preencoded.png"/>
           <p:cNvSpPr/>
           <p:nvPr/>
         </p:nvSpPr>
         <p:spPr>
-          <a:xfrm flipH="false" flipV="false" rot="0">
+          <a:xfrm>
             <a:off x="10063311" y="1581299"/>
             <a:ext cx="230684" cy="230684"/>
           </a:xfrm>
@@ -12626,9 +13084,9 @@
             <a:gdLst/>
             <a:ahLst/>
             <a:cxnLst/>
-            <a:rect r="r" b="b" t="t" l="l"/>
+            <a:rect l="l" t="t" r="r" b="b"/>
             <a:pathLst>
-              <a:path h="230684" w="230684">
+              <a:path w="230684" h="230684">
                 <a:moveTo>
                   <a:pt x="0" y="0"/>
                 </a:moveTo>
@@ -12657,28 +13115,35 @@
               </a:extLst>
             </a:blip>
             <a:stretch>
-              <a:fillRect l="0" t="0" r="0" b="0"/>
+              <a:fillRect/>
             </a:stretch>
           </a:blipFill>
         </p:spPr>
-      </p:sp>
-      <p:sp>
-        <p:nvSpPr>
-          <p:cNvPr name="TextBox 17" id="17"/>
-          <p:cNvSpPr txBox="true"/>
+        <p:txBody>
+          <a:bodyPr/>
+          <a:lstStyle/>
+          <a:p>
+            <a:endParaRPr lang="en-US"/>
+          </a:p>
+        </p:txBody>
+      </p:sp>
+      <p:sp>
+        <p:nvSpPr>
+          <p:cNvPr id="17" name="TextBox 17"/>
+          <p:cNvSpPr txBox="1"/>
           <p:nvPr/>
         </p:nvSpPr>
         <p:spPr>
-          <a:xfrm rot="0">
-            <a:off x="9922371" y="2095351"/>
-            <a:ext cx="2946053" cy="348854"/>
+          <a:xfrm>
+            <a:off x="9922371" y="2133427"/>
+            <a:ext cx="3031629" cy="310778"/>
           </a:xfrm>
           <a:prstGeom prst="rect">
             <a:avLst/>
           </a:prstGeom>
         </p:spPr>
         <p:txBody>
-          <a:bodyPr anchor="t" rtlCol="false" tIns="0" lIns="0" bIns="0" rIns="0">
+          <a:bodyPr wrap="square" lIns="0" tIns="0" rIns="0" bIns="0" rtlCol="0" anchor="t">
             <a:spAutoFit/>
           </a:bodyPr>
           <a:lstStyle/>
@@ -12689,7 +13154,7 @@
               </a:lnSpc>
             </a:pPr>
             <a:r>
-              <a:rPr lang="en-US" sz="2000">
+              <a:rPr lang="en-US" sz="2000" dirty="0">
                 <a:solidFill>
                   <a:srgbClr val="3C3939"/>
                 </a:solidFill>
@@ -12705,12 +13170,12 @@
       </p:sp>
       <p:sp>
         <p:nvSpPr>
-          <p:cNvPr name="TextBox 18" id="18"/>
-          <p:cNvSpPr txBox="true"/>
+          <p:cNvPr id="18" name="TextBox 18"/>
+          <p:cNvSpPr txBox="1"/>
           <p:nvPr/>
         </p:nvSpPr>
         <p:spPr>
-          <a:xfrm rot="0">
+          <a:xfrm>
             <a:off x="9922371" y="2489448"/>
             <a:ext cx="7587257" cy="603647"/>
           </a:xfrm>
@@ -12719,7 +13184,7 @@
           </a:prstGeom>
         </p:spPr>
         <p:txBody>
-          <a:bodyPr anchor="t" rtlCol="false" tIns="0" lIns="0" bIns="0" rIns="0">
+          <a:bodyPr lIns="0" tIns="0" rIns="0" bIns="0" rtlCol="0" anchor="t">
             <a:spAutoFit/>
           </a:bodyPr>
           <a:lstStyle/>
@@ -12746,12 +13211,12 @@
       </p:sp>
       <p:grpSp>
         <p:nvGrpSpPr>
-          <p:cNvPr name="Group 19" id="19"/>
+          <p:cNvPr id="19" name="Group 19"/>
           <p:cNvGrpSpPr/>
           <p:nvPr/>
         </p:nvGrpSpPr>
         <p:grpSpPr>
-          <a:xfrm rot="0">
+          <a:xfrm>
             <a:off x="9737229" y="3439566"/>
             <a:ext cx="7957542" cy="2022873"/>
             <a:chOff x="0" y="0"/>
@@ -12760,12 +13225,12 @@
         </p:grpSpPr>
         <p:sp>
           <p:nvSpPr>
-            <p:cNvPr name="Freeform 20" id="20"/>
+            <p:cNvPr id="20" name="Freeform 20"/>
             <p:cNvSpPr/>
             <p:nvPr/>
           </p:nvSpPr>
           <p:spPr>
-            <a:xfrm flipH="false" flipV="false" rot="0">
+            <a:xfrm>
               <a:off x="6350" y="6350"/>
               <a:ext cx="10597388" cy="2684526"/>
             </a:xfrm>
@@ -12774,9 +13239,9 @@
               <a:gdLst/>
               <a:ahLst/>
               <a:cxnLst/>
-              <a:rect r="r" b="b" t="t" l="l"/>
+              <a:rect l="l" t="t" r="r" b="b"/>
               <a:pathLst>
-                <a:path h="2684526" w="10597388">
+                <a:path w="10597388" h="2684526">
                   <a:moveTo>
                     <a:pt x="0" y="95758"/>
                   </a:moveTo>
@@ -12822,15 +13287,22 @@
               </a:solidFill>
             </a:ln>
           </p:spPr>
+          <p:txBody>
+            <a:bodyPr/>
+            <a:lstStyle/>
+            <a:p>
+              <a:endParaRPr lang="en-US"/>
+            </a:p>
+          </p:txBody>
         </p:sp>
         <p:sp>
           <p:nvSpPr>
-            <p:cNvPr name="Freeform 21" id="21"/>
+            <p:cNvPr id="21" name="Freeform 21"/>
             <p:cNvSpPr/>
             <p:nvPr/>
           </p:nvSpPr>
           <p:spPr>
-            <a:xfrm flipH="false" flipV="false" rot="0">
+            <a:xfrm>
               <a:off x="0" y="0"/>
               <a:ext cx="10610088" cy="2697226"/>
             </a:xfrm>
@@ -12839,9 +13311,9 @@
               <a:gdLst/>
               <a:ahLst/>
               <a:cxnLst/>
-              <a:rect r="r" b="b" t="t" l="l"/>
+              <a:rect l="l" t="t" r="r" b="b"/>
               <a:pathLst>
-                <a:path h="2697226" w="10610088">
+                <a:path w="10610088" h="2697226">
                   <a:moveTo>
                     <a:pt x="0" y="102108"/>
                   </a:moveTo>
@@ -12973,16 +13445,23 @@
               </a:solidFill>
             </a:ln>
           </p:spPr>
+          <p:txBody>
+            <a:bodyPr/>
+            <a:lstStyle/>
+            <a:p>
+              <a:endParaRPr lang="en-US"/>
+            </a:p>
+          </p:txBody>
         </p:sp>
       </p:grpSp>
       <p:grpSp>
         <p:nvGrpSpPr>
-          <p:cNvPr name="Group 22" id="22"/>
+          <p:cNvPr id="22" name="Group 22"/>
           <p:cNvGrpSpPr/>
           <p:nvPr/>
         </p:nvGrpSpPr>
         <p:grpSpPr>
-          <a:xfrm rot="0">
+          <a:xfrm>
             <a:off x="9922371" y="3624709"/>
             <a:ext cx="512564" cy="512564"/>
             <a:chOff x="0" y="0"/>
@@ -12991,12 +13470,12 @@
         </p:grpSpPr>
         <p:sp>
           <p:nvSpPr>
-            <p:cNvPr name="Freeform 23" id="23"/>
+            <p:cNvPr id="23" name="Freeform 23"/>
             <p:cNvSpPr/>
             <p:nvPr/>
           </p:nvSpPr>
           <p:spPr>
-            <a:xfrm flipH="false" flipV="false" rot="0">
+            <a:xfrm>
               <a:off x="0" y="0"/>
               <a:ext cx="683387" cy="683387"/>
             </a:xfrm>
@@ -13005,9 +13484,9 @@
               <a:gdLst/>
               <a:ahLst/>
               <a:cxnLst/>
-              <a:rect r="r" b="b" t="t" l="l"/>
+              <a:rect l="l" t="t" r="r" b="b"/>
               <a:pathLst>
-                <a:path h="683387" w="683387">
+                <a:path w="683387" h="683387">
                   <a:moveTo>
                     <a:pt x="0" y="341757"/>
                   </a:moveTo>
@@ -13044,16 +13523,23 @@
               </a:solidFill>
             </a:ln>
           </p:spPr>
+          <p:txBody>
+            <a:bodyPr/>
+            <a:lstStyle/>
+            <a:p>
+              <a:endParaRPr lang="en-US"/>
+            </a:p>
+          </p:txBody>
         </p:sp>
       </p:grpSp>
       <p:sp>
         <p:nvSpPr>
-          <p:cNvPr name="Freeform 24" id="24" descr="preencoded.png"/>
+          <p:cNvPr id="24" name="Freeform 24" descr="preencoded.png"/>
           <p:cNvSpPr/>
           <p:nvPr/>
         </p:nvSpPr>
         <p:spPr>
-          <a:xfrm flipH="false" flipV="false" rot="0">
+          <a:xfrm>
             <a:off x="10063311" y="3765500"/>
             <a:ext cx="230684" cy="230684"/>
           </a:xfrm>
@@ -13062,9 +13548,9 @@
             <a:gdLst/>
             <a:ahLst/>
             <a:cxnLst/>
-            <a:rect r="r" b="b" t="t" l="l"/>
+            <a:rect l="l" t="t" r="r" b="b"/>
             <a:pathLst>
-              <a:path h="230684" w="230684">
+              <a:path w="230684" h="230684">
                 <a:moveTo>
                   <a:pt x="0" y="0"/>
                 </a:moveTo>
@@ -13093,19 +13579,26 @@
               </a:extLst>
             </a:blip>
             <a:stretch>
-              <a:fillRect l="-6000" t="0" r="-6000" b="0"/>
+              <a:fillRect l="-6000" r="-6000"/>
             </a:stretch>
           </a:blipFill>
         </p:spPr>
-      </p:sp>
-      <p:sp>
-        <p:nvSpPr>
-          <p:cNvPr name="TextBox 25" id="25"/>
-          <p:cNvSpPr txBox="true"/>
+        <p:txBody>
+          <a:bodyPr/>
+          <a:lstStyle/>
+          <a:p>
+            <a:endParaRPr lang="en-US"/>
+          </a:p>
+        </p:txBody>
+      </p:sp>
+      <p:sp>
+        <p:nvSpPr>
+          <p:cNvPr id="25" name="TextBox 25"/>
+          <p:cNvSpPr txBox="1"/>
           <p:nvPr/>
         </p:nvSpPr>
         <p:spPr>
-          <a:xfrm rot="0">
+          <a:xfrm>
             <a:off x="9922371" y="4279552"/>
             <a:ext cx="2807345" cy="348854"/>
           </a:xfrm>
@@ -13114,7 +13607,7 @@
           </a:prstGeom>
         </p:spPr>
         <p:txBody>
-          <a:bodyPr anchor="t" rtlCol="false" tIns="0" lIns="0" bIns="0" rIns="0">
+          <a:bodyPr lIns="0" tIns="0" rIns="0" bIns="0" rtlCol="0" anchor="t">
             <a:spAutoFit/>
           </a:bodyPr>
           <a:lstStyle/>
@@ -13141,12 +13634,12 @@
       </p:sp>
       <p:sp>
         <p:nvSpPr>
-          <p:cNvPr name="TextBox 26" id="26"/>
-          <p:cNvSpPr txBox="true"/>
+          <p:cNvPr id="26" name="TextBox 26"/>
+          <p:cNvSpPr txBox="1"/>
           <p:nvPr/>
         </p:nvSpPr>
         <p:spPr>
-          <a:xfrm rot="0">
+          <a:xfrm>
             <a:off x="9922371" y="4673650"/>
             <a:ext cx="7587257" cy="603648"/>
           </a:xfrm>
@@ -13155,7 +13648,7 @@
           </a:prstGeom>
         </p:spPr>
         <p:txBody>
-          <a:bodyPr anchor="t" rtlCol="false" tIns="0" lIns="0" bIns="0" rIns="0">
+          <a:bodyPr lIns="0" tIns="0" rIns="0" bIns="0" rtlCol="0" anchor="t">
             <a:spAutoFit/>
           </a:bodyPr>
           <a:lstStyle/>
@@ -13182,12 +13675,12 @@
       </p:sp>
       <p:grpSp>
         <p:nvGrpSpPr>
-          <p:cNvPr name="Group 27" id="27"/>
+          <p:cNvPr id="27" name="Group 27"/>
           <p:cNvGrpSpPr/>
           <p:nvPr/>
         </p:nvGrpSpPr>
         <p:grpSpPr>
-          <a:xfrm rot="0">
+          <a:xfrm>
             <a:off x="9737229" y="5623769"/>
             <a:ext cx="7957542" cy="2022872"/>
             <a:chOff x="0" y="0"/>
@@ -13196,12 +13689,12 @@
         </p:grpSpPr>
         <p:sp>
           <p:nvSpPr>
-            <p:cNvPr name="Freeform 28" id="28"/>
+            <p:cNvPr id="28" name="Freeform 28"/>
             <p:cNvSpPr/>
             <p:nvPr/>
           </p:nvSpPr>
           <p:spPr>
-            <a:xfrm flipH="false" flipV="false" rot="0">
+            <a:xfrm>
               <a:off x="6350" y="6350"/>
               <a:ext cx="10597388" cy="2684526"/>
             </a:xfrm>
@@ -13210,9 +13703,9 @@
               <a:gdLst/>
               <a:ahLst/>
               <a:cxnLst/>
-              <a:rect r="r" b="b" t="t" l="l"/>
+              <a:rect l="l" t="t" r="r" b="b"/>
               <a:pathLst>
-                <a:path h="2684526" w="10597388">
+                <a:path w="10597388" h="2684526">
                   <a:moveTo>
                     <a:pt x="0" y="95758"/>
                   </a:moveTo>
@@ -13258,15 +13751,22 @@
               </a:solidFill>
             </a:ln>
           </p:spPr>
+          <p:txBody>
+            <a:bodyPr/>
+            <a:lstStyle/>
+            <a:p>
+              <a:endParaRPr lang="en-US"/>
+            </a:p>
+          </p:txBody>
         </p:sp>
         <p:sp>
           <p:nvSpPr>
-            <p:cNvPr name="Freeform 29" id="29"/>
+            <p:cNvPr id="29" name="Freeform 29"/>
             <p:cNvSpPr/>
             <p:nvPr/>
           </p:nvSpPr>
           <p:spPr>
-            <a:xfrm flipH="false" flipV="false" rot="0">
+            <a:xfrm>
               <a:off x="0" y="0"/>
               <a:ext cx="10610088" cy="2697226"/>
             </a:xfrm>
@@ -13275,9 +13775,9 @@
               <a:gdLst/>
               <a:ahLst/>
               <a:cxnLst/>
-              <a:rect r="r" b="b" t="t" l="l"/>
+              <a:rect l="l" t="t" r="r" b="b"/>
               <a:pathLst>
-                <a:path h="2697226" w="10610088">
+                <a:path w="10610088" h="2697226">
                   <a:moveTo>
                     <a:pt x="0" y="102108"/>
                   </a:moveTo>
@@ -13409,16 +13909,23 @@
               </a:solidFill>
             </a:ln>
           </p:spPr>
+          <p:txBody>
+            <a:bodyPr/>
+            <a:lstStyle/>
+            <a:p>
+              <a:endParaRPr lang="en-US"/>
+            </a:p>
+          </p:txBody>
         </p:sp>
       </p:grpSp>
       <p:grpSp>
         <p:nvGrpSpPr>
-          <p:cNvPr name="Group 30" id="30"/>
+          <p:cNvPr id="30" name="Group 30"/>
           <p:cNvGrpSpPr/>
           <p:nvPr/>
         </p:nvGrpSpPr>
         <p:grpSpPr>
-          <a:xfrm rot="0">
+          <a:xfrm>
             <a:off x="9922371" y="5808910"/>
             <a:ext cx="512564" cy="512564"/>
             <a:chOff x="0" y="0"/>
@@ -13427,12 +13934,12 @@
         </p:grpSpPr>
         <p:sp>
           <p:nvSpPr>
-            <p:cNvPr name="Freeform 31" id="31"/>
+            <p:cNvPr id="31" name="Freeform 31"/>
             <p:cNvSpPr/>
             <p:nvPr/>
           </p:nvSpPr>
           <p:spPr>
-            <a:xfrm flipH="false" flipV="false" rot="0">
+            <a:xfrm>
               <a:off x="0" y="0"/>
               <a:ext cx="683387" cy="683387"/>
             </a:xfrm>
@@ -13441,9 +13948,9 @@
               <a:gdLst/>
               <a:ahLst/>
               <a:cxnLst/>
-              <a:rect r="r" b="b" t="t" l="l"/>
+              <a:rect l="l" t="t" r="r" b="b"/>
               <a:pathLst>
-                <a:path h="683387" w="683387">
+                <a:path w="683387" h="683387">
                   <a:moveTo>
                     <a:pt x="0" y="341757"/>
                   </a:moveTo>
@@ -13480,16 +13987,23 @@
               </a:solidFill>
             </a:ln>
           </p:spPr>
+          <p:txBody>
+            <a:bodyPr/>
+            <a:lstStyle/>
+            <a:p>
+              <a:endParaRPr lang="en-US"/>
+            </a:p>
+          </p:txBody>
         </p:sp>
       </p:grpSp>
       <p:sp>
         <p:nvSpPr>
-          <p:cNvPr name="Freeform 32" id="32" descr="preencoded.png"/>
+          <p:cNvPr id="32" name="Freeform 32" descr="preencoded.png"/>
           <p:cNvSpPr/>
           <p:nvPr/>
         </p:nvSpPr>
         <p:spPr>
-          <a:xfrm flipH="false" flipV="false" rot="0">
+          <a:xfrm>
             <a:off x="10063311" y="5949702"/>
             <a:ext cx="230684" cy="230684"/>
           </a:xfrm>
@@ -13498,9 +14012,9 @@
             <a:gdLst/>
             <a:ahLst/>
             <a:cxnLst/>
-            <a:rect r="r" b="b" t="t" l="l"/>
+            <a:rect l="l" t="t" r="r" b="b"/>
             <a:pathLst>
-              <a:path h="230684" w="230684">
+              <a:path w="230684" h="230684">
                 <a:moveTo>
                   <a:pt x="0" y="0"/>
                 </a:moveTo>
@@ -13529,19 +14043,26 @@
               </a:extLst>
             </a:blip>
             <a:stretch>
-              <a:fillRect l="0" t="0" r="0" b="0"/>
+              <a:fillRect/>
             </a:stretch>
           </a:blipFill>
         </p:spPr>
-      </p:sp>
-      <p:sp>
-        <p:nvSpPr>
-          <p:cNvPr name="TextBox 33" id="33"/>
-          <p:cNvSpPr txBox="true"/>
+        <p:txBody>
+          <a:bodyPr/>
+          <a:lstStyle/>
+          <a:p>
+            <a:endParaRPr lang="en-US"/>
+          </a:p>
+        </p:txBody>
+      </p:sp>
+      <p:sp>
+        <p:nvSpPr>
+          <p:cNvPr id="33" name="TextBox 33"/>
+          <p:cNvSpPr txBox="1"/>
           <p:nvPr/>
         </p:nvSpPr>
         <p:spPr>
-          <a:xfrm rot="0">
+          <a:xfrm>
             <a:off x="9922371" y="6463754"/>
             <a:ext cx="2563266" cy="348854"/>
           </a:xfrm>
@@ -13550,7 +14071,7 @@
           </a:prstGeom>
         </p:spPr>
         <p:txBody>
-          <a:bodyPr anchor="t" rtlCol="false" tIns="0" lIns="0" bIns="0" rIns="0">
+          <a:bodyPr lIns="0" tIns="0" rIns="0" bIns="0" rtlCol="0" anchor="t">
             <a:spAutoFit/>
           </a:bodyPr>
           <a:lstStyle/>
@@ -13577,12 +14098,12 @@
       </p:sp>
       <p:sp>
         <p:nvSpPr>
-          <p:cNvPr name="TextBox 34" id="34"/>
-          <p:cNvSpPr txBox="true"/>
+          <p:cNvPr id="34" name="TextBox 34"/>
+          <p:cNvSpPr txBox="1"/>
           <p:nvPr/>
         </p:nvSpPr>
         <p:spPr>
-          <a:xfrm rot="0">
+          <a:xfrm>
             <a:off x="9922371" y="6857851"/>
             <a:ext cx="7587257" cy="603647"/>
           </a:xfrm>
@@ -13591,7 +14112,7 @@
           </a:prstGeom>
         </p:spPr>
         <p:txBody>
-          <a:bodyPr anchor="t" rtlCol="false" tIns="0" lIns="0" bIns="0" rIns="0">
+          <a:bodyPr lIns="0" tIns="0" rIns="0" bIns="0" rtlCol="0" anchor="t">
             <a:spAutoFit/>
           </a:bodyPr>
           <a:lstStyle/>
@@ -13618,12 +14139,12 @@
       </p:sp>
       <p:grpSp>
         <p:nvGrpSpPr>
-          <p:cNvPr name="Group 35" id="35"/>
+          <p:cNvPr id="35" name="Group 35"/>
           <p:cNvGrpSpPr/>
           <p:nvPr/>
         </p:nvGrpSpPr>
         <p:grpSpPr>
-          <a:xfrm rot="0">
+          <a:xfrm>
             <a:off x="9737229" y="7807970"/>
             <a:ext cx="7957542" cy="2022872"/>
             <a:chOff x="0" y="0"/>
@@ -13632,12 +14153,12 @@
         </p:grpSpPr>
         <p:sp>
           <p:nvSpPr>
-            <p:cNvPr name="Freeform 36" id="36"/>
+            <p:cNvPr id="36" name="Freeform 36"/>
             <p:cNvSpPr/>
             <p:nvPr/>
           </p:nvSpPr>
           <p:spPr>
-            <a:xfrm flipH="false" flipV="false" rot="0">
+            <a:xfrm>
               <a:off x="6350" y="6350"/>
               <a:ext cx="10597388" cy="2684526"/>
             </a:xfrm>
@@ -13646,9 +14167,9 @@
               <a:gdLst/>
               <a:ahLst/>
               <a:cxnLst/>
-              <a:rect r="r" b="b" t="t" l="l"/>
+              <a:rect l="l" t="t" r="r" b="b"/>
               <a:pathLst>
-                <a:path h="2684526" w="10597388">
+                <a:path w="10597388" h="2684526">
                   <a:moveTo>
                     <a:pt x="0" y="95758"/>
                   </a:moveTo>
@@ -13694,15 +14215,22 @@
               </a:solidFill>
             </a:ln>
           </p:spPr>
+          <p:txBody>
+            <a:bodyPr/>
+            <a:lstStyle/>
+            <a:p>
+              <a:endParaRPr lang="en-US"/>
+            </a:p>
+          </p:txBody>
         </p:sp>
         <p:sp>
           <p:nvSpPr>
-            <p:cNvPr name="Freeform 37" id="37"/>
+            <p:cNvPr id="37" name="Freeform 37"/>
             <p:cNvSpPr/>
             <p:nvPr/>
           </p:nvSpPr>
           <p:spPr>
-            <a:xfrm flipH="false" flipV="false" rot="0">
+            <a:xfrm>
               <a:off x="0" y="0"/>
               <a:ext cx="10610088" cy="2697226"/>
             </a:xfrm>
@@ -13711,9 +14239,9 @@
               <a:gdLst/>
               <a:ahLst/>
               <a:cxnLst/>
-              <a:rect r="r" b="b" t="t" l="l"/>
+              <a:rect l="l" t="t" r="r" b="b"/>
               <a:pathLst>
-                <a:path h="2697226" w="10610088">
+                <a:path w="10610088" h="2697226">
                   <a:moveTo>
                     <a:pt x="0" y="102108"/>
                   </a:moveTo>
@@ -13845,16 +14373,23 @@
               </a:solidFill>
             </a:ln>
           </p:spPr>
+          <p:txBody>
+            <a:bodyPr/>
+            <a:lstStyle/>
+            <a:p>
+              <a:endParaRPr lang="en-US"/>
+            </a:p>
+          </p:txBody>
         </p:sp>
       </p:grpSp>
       <p:grpSp>
         <p:nvGrpSpPr>
-          <p:cNvPr name="Group 38" id="38"/>
+          <p:cNvPr id="38" name="Group 38"/>
           <p:cNvGrpSpPr/>
           <p:nvPr/>
         </p:nvGrpSpPr>
         <p:grpSpPr>
-          <a:xfrm rot="0">
+          <a:xfrm>
             <a:off x="9922371" y="7993112"/>
             <a:ext cx="512564" cy="512564"/>
             <a:chOff x="0" y="0"/>
@@ -13863,12 +14398,12 @@
         </p:grpSpPr>
         <p:sp>
           <p:nvSpPr>
-            <p:cNvPr name="Freeform 39" id="39"/>
+            <p:cNvPr id="39" name="Freeform 39"/>
             <p:cNvSpPr/>
             <p:nvPr/>
           </p:nvSpPr>
           <p:spPr>
-            <a:xfrm flipH="false" flipV="false" rot="0">
+            <a:xfrm>
               <a:off x="0" y="0"/>
               <a:ext cx="683387" cy="683387"/>
             </a:xfrm>
@@ -13877,9 +14412,9 @@
               <a:gdLst/>
               <a:ahLst/>
               <a:cxnLst/>
-              <a:rect r="r" b="b" t="t" l="l"/>
+              <a:rect l="l" t="t" r="r" b="b"/>
               <a:pathLst>
-                <a:path h="683387" w="683387">
+                <a:path w="683387" h="683387">
                   <a:moveTo>
                     <a:pt x="0" y="341757"/>
                   </a:moveTo>
@@ -13916,16 +14451,23 @@
               </a:solidFill>
             </a:ln>
           </p:spPr>
+          <p:txBody>
+            <a:bodyPr/>
+            <a:lstStyle/>
+            <a:p>
+              <a:endParaRPr lang="en-US"/>
+            </a:p>
+          </p:txBody>
         </p:sp>
       </p:grpSp>
       <p:sp>
         <p:nvSpPr>
-          <p:cNvPr name="Freeform 40" id="40" descr="preencoded.png"/>
+          <p:cNvPr id="40" name="Freeform 40" descr="preencoded.png"/>
           <p:cNvSpPr/>
           <p:nvPr/>
         </p:nvSpPr>
         <p:spPr>
-          <a:xfrm flipH="false" flipV="false" rot="0">
+          <a:xfrm>
             <a:off x="10063311" y="8133904"/>
             <a:ext cx="230684" cy="230684"/>
           </a:xfrm>
@@ -13934,9 +14476,9 @@
             <a:gdLst/>
             <a:ahLst/>
             <a:cxnLst/>
-            <a:rect r="r" b="b" t="t" l="l"/>
+            <a:rect l="l" t="t" r="r" b="b"/>
             <a:pathLst>
-              <a:path h="230684" w="230684">
+              <a:path w="230684" h="230684">
                 <a:moveTo>
                   <a:pt x="0" y="0"/>
                 </a:moveTo>
@@ -13965,19 +14507,26 @@
               </a:extLst>
             </a:blip>
             <a:stretch>
-              <a:fillRect l="-16000" t="0" r="-16000" b="0"/>
+              <a:fillRect l="-16000" r="-16000"/>
             </a:stretch>
           </a:blipFill>
         </p:spPr>
-      </p:sp>
-      <p:sp>
-        <p:nvSpPr>
-          <p:cNvPr name="TextBox 41" id="41"/>
-          <p:cNvSpPr txBox="true"/>
+        <p:txBody>
+          <a:bodyPr/>
+          <a:lstStyle/>
+          <a:p>
+            <a:endParaRPr lang="en-US"/>
+          </a:p>
+        </p:txBody>
+      </p:sp>
+      <p:sp>
+        <p:nvSpPr>
+          <p:cNvPr id="41" name="TextBox 41"/>
+          <p:cNvSpPr txBox="1"/>
           <p:nvPr/>
         </p:nvSpPr>
         <p:spPr>
-          <a:xfrm rot="0">
+          <a:xfrm>
             <a:off x="9922371" y="8647956"/>
             <a:ext cx="2875509" cy="348854"/>
           </a:xfrm>
@@ -13986,7 +14535,7 @@
           </a:prstGeom>
         </p:spPr>
         <p:txBody>
-          <a:bodyPr anchor="t" rtlCol="false" tIns="0" lIns="0" bIns="0" rIns="0">
+          <a:bodyPr lIns="0" tIns="0" rIns="0" bIns="0" rtlCol="0" anchor="t">
             <a:spAutoFit/>
           </a:bodyPr>
           <a:lstStyle/>
@@ -14013,12 +14562,12 @@
       </p:sp>
       <p:sp>
         <p:nvSpPr>
-          <p:cNvPr name="TextBox 42" id="42"/>
-          <p:cNvSpPr txBox="true"/>
+          <p:cNvPr id="42" name="TextBox 42"/>
+          <p:cNvSpPr txBox="1"/>
           <p:nvPr/>
         </p:nvSpPr>
         <p:spPr>
-          <a:xfrm rot="0">
+          <a:xfrm>
             <a:off x="9922371" y="9042052"/>
             <a:ext cx="7587257" cy="603647"/>
           </a:xfrm>
@@ -14027,7 +14576,7 @@
           </a:prstGeom>
         </p:spPr>
         <p:txBody>
-          <a:bodyPr anchor="t" rtlCol="false" tIns="0" lIns="0" bIns="0" rIns="0">
+          <a:bodyPr lIns="0" tIns="0" rIns="0" bIns="0" rtlCol="0" anchor="t">
             <a:spAutoFit/>
           </a:bodyPr>
           <a:lstStyle/>
@@ -14061,7 +14610,7 @@
 </file>
 
 <file path=ppt/slides/slide9.xml><?xml version="1.0" encoding="utf-8"?>
-<p:sld xmlns:p="http://schemas.openxmlformats.org/presentationml/2006/main" xmlns:a="http://schemas.openxmlformats.org/drawingml/2006/main">
+<p:sld xmlns:a="http://schemas.openxmlformats.org/drawingml/2006/main" xmlns:r="http://schemas.openxmlformats.org/officeDocument/2006/relationships" xmlns:p="http://schemas.openxmlformats.org/presentationml/2006/main">
   <p:cSld>
     <p:spTree>
       <p:nvGrpSpPr>
@@ -14079,12 +14628,12 @@
       </p:grpSpPr>
       <p:grpSp>
         <p:nvGrpSpPr>
-          <p:cNvPr name="Group 2" id="2"/>
+          <p:cNvPr id="2" name="Group 2"/>
           <p:cNvGrpSpPr/>
           <p:nvPr/>
         </p:nvGrpSpPr>
         <p:grpSpPr>
-          <a:xfrm rot="0">
+          <a:xfrm>
             <a:off x="0" y="0"/>
             <a:ext cx="18288000" cy="10287000"/>
             <a:chOff x="0" y="0"/>
@@ -14093,12 +14642,12 @@
         </p:grpSpPr>
         <p:sp>
           <p:nvSpPr>
-            <p:cNvPr name="Freeform 3" id="3"/>
+            <p:cNvPr id="3" name="Freeform 3"/>
             <p:cNvSpPr/>
             <p:nvPr/>
           </p:nvSpPr>
           <p:spPr>
-            <a:xfrm flipH="false" flipV="false" rot="0">
+            <a:xfrm>
               <a:off x="0" y="0"/>
               <a:ext cx="24384000" cy="13716000"/>
             </a:xfrm>
@@ -14107,9 +14656,9 @@
               <a:gdLst/>
               <a:ahLst/>
               <a:cxnLst/>
-              <a:rect r="r" b="b" t="t" l="l"/>
+              <a:rect l="l" t="t" r="r" b="b"/>
               <a:pathLst>
-                <a:path h="13716000" w="24384000">
+                <a:path w="24384000" h="13716000">
                   <a:moveTo>
                     <a:pt x="0" y="0"/>
                   </a:moveTo>
@@ -14135,16 +14684,23 @@
               </a:solidFill>
             </a:ln>
           </p:spPr>
+          <p:txBody>
+            <a:bodyPr/>
+            <a:lstStyle/>
+            <a:p>
+              <a:endParaRPr lang="en-US"/>
+            </a:p>
+          </p:txBody>
         </p:sp>
       </p:grpSp>
       <p:grpSp>
         <p:nvGrpSpPr>
-          <p:cNvPr name="Group 4" id="4"/>
+          <p:cNvPr id="4" name="Group 4"/>
           <p:cNvGrpSpPr/>
           <p:nvPr/>
         </p:nvGrpSpPr>
         <p:grpSpPr>
-          <a:xfrm rot="0">
+          <a:xfrm>
             <a:off x="0" y="0"/>
             <a:ext cx="18288000" cy="10287000"/>
             <a:chOff x="0" y="0"/>
@@ -14153,12 +14709,12 @@
         </p:grpSpPr>
         <p:sp>
           <p:nvSpPr>
-            <p:cNvPr name="Freeform 5" id="5"/>
+            <p:cNvPr id="5" name="Freeform 5"/>
             <p:cNvSpPr/>
             <p:nvPr/>
           </p:nvSpPr>
           <p:spPr>
-            <a:xfrm flipH="false" flipV="false" rot="0">
+            <a:xfrm>
               <a:off x="0" y="0"/>
               <a:ext cx="24384000" cy="13716000"/>
             </a:xfrm>
@@ -14167,9 +14723,9 @@
               <a:gdLst/>
               <a:ahLst/>
               <a:cxnLst/>
-              <a:rect r="r" b="b" t="t" l="l"/>
+              <a:rect l="l" t="t" r="r" b="b"/>
               <a:pathLst>
-                <a:path h="13716000" w="24384000">
+                <a:path w="24384000" h="13716000">
                   <a:moveTo>
                     <a:pt x="0" y="0"/>
                   </a:moveTo>
@@ -14197,16 +14753,23 @@
               </a:solidFill>
             </a:ln>
           </p:spPr>
+          <p:txBody>
+            <a:bodyPr/>
+            <a:lstStyle/>
+            <a:p>
+              <a:endParaRPr lang="en-US"/>
+            </a:p>
+          </p:txBody>
         </p:sp>
       </p:grpSp>
       <p:sp>
         <p:nvSpPr>
-          <p:cNvPr name="TextBox 6" id="6"/>
-          <p:cNvSpPr txBox="true"/>
+          <p:cNvPr id="6" name="TextBox 6"/>
+          <p:cNvSpPr txBox="1"/>
           <p:nvPr/>
         </p:nvSpPr>
         <p:spPr>
-          <a:xfrm rot="0">
+          <a:xfrm>
             <a:off x="833140" y="617190"/>
             <a:ext cx="9427518" cy="781942"/>
           </a:xfrm>
@@ -14215,7 +14778,7 @@
           </a:prstGeom>
         </p:spPr>
         <p:txBody>
-          <a:bodyPr anchor="t" rtlCol="false" tIns="0" lIns="0" bIns="0" rIns="0">
+          <a:bodyPr lIns="0" tIns="0" rIns="0" bIns="0" rtlCol="0" anchor="t">
             <a:spAutoFit/>
           </a:bodyPr>
           <a:lstStyle/>
@@ -14242,12 +14805,12 @@
       </p:sp>
       <p:grpSp>
         <p:nvGrpSpPr>
-          <p:cNvPr name="Group 7" id="7"/>
+          <p:cNvPr id="7" name="Group 7"/>
           <p:cNvGrpSpPr/>
           <p:nvPr/>
         </p:nvGrpSpPr>
         <p:grpSpPr>
-          <a:xfrm rot="0">
+          <a:xfrm>
             <a:off x="9129712" y="1875235"/>
             <a:ext cx="28575" cy="7107734"/>
             <a:chOff x="0" y="0"/>
@@ -14256,12 +14819,12 @@
         </p:grpSpPr>
         <p:sp>
           <p:nvSpPr>
-            <p:cNvPr name="Freeform 8" id="8"/>
+            <p:cNvPr id="8" name="Freeform 8"/>
             <p:cNvSpPr/>
             <p:nvPr/>
           </p:nvSpPr>
           <p:spPr>
-            <a:xfrm flipH="false" flipV="false" rot="0">
+            <a:xfrm>
               <a:off x="0" y="0"/>
               <a:ext cx="38100" cy="9476994"/>
             </a:xfrm>
@@ -14270,9 +14833,9 @@
               <a:gdLst/>
               <a:ahLst/>
               <a:cxnLst/>
-              <a:rect r="r" b="b" t="t" l="l"/>
+              <a:rect l="l" t="t" r="r" b="b"/>
               <a:pathLst>
-                <a:path h="9476994" w="38100">
+                <a:path w="38100" h="9476994">
                   <a:moveTo>
                     <a:pt x="0" y="19050"/>
                   </a:moveTo>
@@ -14312,16 +14875,23 @@
               </a:solidFill>
             </a:ln>
           </p:spPr>
+          <p:txBody>
+            <a:bodyPr/>
+            <a:lstStyle/>
+            <a:p>
+              <a:endParaRPr lang="en-US"/>
+            </a:p>
+          </p:txBody>
         </p:sp>
       </p:grpSp>
       <p:grpSp>
         <p:nvGrpSpPr>
-          <p:cNvPr name="Group 9" id="9"/>
+          <p:cNvPr id="9" name="Group 9"/>
           <p:cNvGrpSpPr/>
           <p:nvPr/>
         </p:nvGrpSpPr>
         <p:grpSpPr>
-          <a:xfrm rot="0">
+          <a:xfrm>
             <a:off x="8190681" y="2128689"/>
             <a:ext cx="714078" cy="28575"/>
             <a:chOff x="0" y="0"/>
@@ -14330,12 +14900,12 @@
         </p:grpSpPr>
         <p:sp>
           <p:nvSpPr>
-            <p:cNvPr name="Freeform 10" id="10"/>
+            <p:cNvPr id="10" name="Freeform 10"/>
             <p:cNvSpPr/>
             <p:nvPr/>
           </p:nvSpPr>
           <p:spPr>
-            <a:xfrm flipH="false" flipV="false" rot="0">
+            <a:xfrm>
               <a:off x="0" y="0"/>
               <a:ext cx="952119" cy="38100"/>
             </a:xfrm>
@@ -14344,9 +14914,9 @@
               <a:gdLst/>
               <a:ahLst/>
               <a:cxnLst/>
-              <a:rect r="r" b="b" t="t" l="l"/>
+              <a:rect l="l" t="t" r="r" b="b"/>
               <a:pathLst>
-                <a:path h="38100" w="952119">
+                <a:path w="952119" h="38100">
                   <a:moveTo>
                     <a:pt x="0" y="19050"/>
                   </a:moveTo>
@@ -14389,16 +14959,23 @@
               </a:solidFill>
             </a:ln>
           </p:spPr>
+          <p:txBody>
+            <a:bodyPr/>
+            <a:lstStyle/>
+            <a:p>
+              <a:endParaRPr lang="en-US"/>
+            </a:p>
+          </p:txBody>
         </p:sp>
       </p:grpSp>
       <p:grpSp>
         <p:nvGrpSpPr>
-          <p:cNvPr name="Group 11" id="11"/>
+          <p:cNvPr id="11" name="Group 11"/>
           <p:cNvGrpSpPr/>
           <p:nvPr/>
         </p:nvGrpSpPr>
         <p:grpSpPr>
-          <a:xfrm rot="0">
+          <a:xfrm>
             <a:off x="8871421" y="1870472"/>
             <a:ext cx="545157" cy="545158"/>
             <a:chOff x="0" y="0"/>
@@ -14407,12 +14984,12 @@
         </p:grpSpPr>
         <p:sp>
           <p:nvSpPr>
-            <p:cNvPr name="Freeform 12" id="12"/>
+            <p:cNvPr id="12" name="Freeform 12"/>
             <p:cNvSpPr/>
             <p:nvPr/>
           </p:nvSpPr>
           <p:spPr>
-            <a:xfrm flipH="false" flipV="false" rot="0">
+            <a:xfrm>
               <a:off x="6350" y="6350"/>
               <a:ext cx="714248" cy="714248"/>
             </a:xfrm>
@@ -14421,9 +14998,9 @@
               <a:gdLst/>
               <a:ahLst/>
               <a:cxnLst/>
-              <a:rect r="r" b="b" t="t" l="l"/>
+              <a:rect l="l" t="t" r="r" b="b"/>
               <a:pathLst>
-                <a:path h="714248" w="714248">
+                <a:path w="714248" h="714248">
                   <a:moveTo>
                     <a:pt x="0" y="133350"/>
                   </a:moveTo>
@@ -14469,15 +15046,22 @@
               </a:solidFill>
             </a:ln>
           </p:spPr>
+          <p:txBody>
+            <a:bodyPr/>
+            <a:lstStyle/>
+            <a:p>
+              <a:endParaRPr lang="en-US"/>
+            </a:p>
+          </p:txBody>
         </p:sp>
         <p:sp>
           <p:nvSpPr>
-            <p:cNvPr name="Freeform 13" id="13"/>
+            <p:cNvPr id="13" name="Freeform 13"/>
             <p:cNvSpPr/>
             <p:nvPr/>
           </p:nvSpPr>
           <p:spPr>
-            <a:xfrm flipH="false" flipV="false" rot="0">
+            <a:xfrm>
               <a:off x="0" y="0"/>
               <a:ext cx="726948" cy="726948"/>
             </a:xfrm>
@@ -14486,9 +15070,9 @@
               <a:gdLst/>
               <a:ahLst/>
               <a:cxnLst/>
-              <a:rect r="r" b="b" t="t" l="l"/>
+              <a:rect l="l" t="t" r="r" b="b"/>
               <a:pathLst>
-                <a:path h="726948" w="726948">
+                <a:path w="726948" h="726948">
                   <a:moveTo>
                     <a:pt x="0" y="139700"/>
                   </a:moveTo>
@@ -14620,16 +15204,23 @@
               </a:solidFill>
             </a:ln>
           </p:spPr>
+          <p:txBody>
+            <a:bodyPr/>
+            <a:lstStyle/>
+            <a:p>
+              <a:endParaRPr lang="en-US"/>
+            </a:p>
+          </p:txBody>
         </p:sp>
       </p:grpSp>
       <p:sp>
         <p:nvSpPr>
-          <p:cNvPr name="TextBox 14" id="14"/>
-          <p:cNvSpPr txBox="true"/>
+          <p:cNvPr id="14" name="TextBox 14"/>
+          <p:cNvSpPr txBox="1"/>
           <p:nvPr/>
         </p:nvSpPr>
         <p:spPr>
-          <a:xfrm rot="0">
+          <a:xfrm>
             <a:off x="8965406" y="1957909"/>
             <a:ext cx="357039" cy="408235"/>
           </a:xfrm>
@@ -14638,7 +15229,7 @@
           </a:prstGeom>
         </p:spPr>
         <p:txBody>
-          <a:bodyPr anchor="t" rtlCol="false" tIns="0" lIns="0" bIns="0" rIns="0">
+          <a:bodyPr lIns="0" tIns="0" rIns="0" bIns="0" rtlCol="0" anchor="t">
             <a:spAutoFit/>
           </a:bodyPr>
           <a:lstStyle/>
@@ -14665,12 +15256,12 @@
       </p:sp>
       <p:sp>
         <p:nvSpPr>
-          <p:cNvPr name="TextBox 15" id="15"/>
-          <p:cNvSpPr txBox="true"/>
+          <p:cNvPr id="15" name="TextBox 15"/>
+          <p:cNvSpPr txBox="1"/>
           <p:nvPr/>
         </p:nvSpPr>
         <p:spPr>
-          <a:xfrm rot="0">
+          <a:xfrm>
             <a:off x="4978152" y="1937891"/>
             <a:ext cx="2975670" cy="390823"/>
           </a:xfrm>
@@ -14679,7 +15270,7 @@
           </a:prstGeom>
         </p:spPr>
         <p:txBody>
-          <a:bodyPr anchor="t" rtlCol="false" tIns="0" lIns="0" bIns="0" rIns="0">
+          <a:bodyPr lIns="0" tIns="0" rIns="0" bIns="0" rtlCol="0" anchor="t">
             <a:spAutoFit/>
           </a:bodyPr>
           <a:lstStyle/>
@@ -14706,12 +15297,12 @@
       </p:sp>
       <p:sp>
         <p:nvSpPr>
-          <p:cNvPr name="TextBox 16" id="16"/>
-          <p:cNvSpPr txBox="true"/>
+          <p:cNvPr id="16" name="TextBox 16"/>
+          <p:cNvSpPr txBox="1"/>
           <p:nvPr/>
         </p:nvSpPr>
         <p:spPr>
-          <a:xfrm rot="0">
+          <a:xfrm>
             <a:off x="833140" y="2385715"/>
             <a:ext cx="7120681" cy="847725"/>
           </a:xfrm>
@@ -14720,7 +15311,7 @@
           </a:prstGeom>
         </p:spPr>
         <p:txBody>
-          <a:bodyPr anchor="t" rtlCol="false" tIns="0" lIns="0" bIns="0" rIns="0">
+          <a:bodyPr lIns="0" tIns="0" rIns="0" bIns="0" rtlCol="0" anchor="t">
             <a:spAutoFit/>
           </a:bodyPr>
           <a:lstStyle/>
@@ -14747,12 +15338,12 @@
       </p:sp>
       <p:grpSp>
         <p:nvGrpSpPr>
-          <p:cNvPr name="Group 17" id="17"/>
+          <p:cNvPr id="17" name="Group 17"/>
           <p:cNvGrpSpPr/>
           <p:nvPr/>
         </p:nvGrpSpPr>
         <p:grpSpPr>
-          <a:xfrm rot="0">
+          <a:xfrm>
             <a:off x="9383241" y="3556993"/>
             <a:ext cx="714077" cy="28575"/>
             <a:chOff x="0" y="0"/>
@@ -14761,12 +15352,12 @@
         </p:grpSpPr>
         <p:sp>
           <p:nvSpPr>
-            <p:cNvPr name="Freeform 18" id="18"/>
+            <p:cNvPr id="18" name="Freeform 18"/>
             <p:cNvSpPr/>
             <p:nvPr/>
           </p:nvSpPr>
           <p:spPr>
-            <a:xfrm flipH="false" flipV="false" rot="0">
+            <a:xfrm>
               <a:off x="0" y="0"/>
               <a:ext cx="952119" cy="38100"/>
             </a:xfrm>
@@ -14775,9 +15366,9 @@
               <a:gdLst/>
               <a:ahLst/>
               <a:cxnLst/>
-              <a:rect r="r" b="b" t="t" l="l"/>
+              <a:rect l="l" t="t" r="r" b="b"/>
               <a:pathLst>
-                <a:path h="38100" w="952119">
+                <a:path w="952119" h="38100">
                   <a:moveTo>
                     <a:pt x="0" y="19050"/>
                   </a:moveTo>
@@ -14820,16 +15411,23 @@
               </a:solidFill>
             </a:ln>
           </p:spPr>
+          <p:txBody>
+            <a:bodyPr/>
+            <a:lstStyle/>
+            <a:p>
+              <a:endParaRPr lang="en-US"/>
+            </a:p>
+          </p:txBody>
         </p:sp>
       </p:grpSp>
       <p:grpSp>
         <p:nvGrpSpPr>
-          <p:cNvPr name="Group 19" id="19"/>
+          <p:cNvPr id="19" name="Group 19"/>
           <p:cNvGrpSpPr/>
           <p:nvPr/>
         </p:nvGrpSpPr>
         <p:grpSpPr>
-          <a:xfrm rot="0">
+          <a:xfrm>
             <a:off x="8871421" y="3298775"/>
             <a:ext cx="545157" cy="545158"/>
             <a:chOff x="0" y="0"/>
@@ -14838,12 +15436,12 @@
         </p:grpSpPr>
         <p:sp>
           <p:nvSpPr>
-            <p:cNvPr name="Freeform 20" id="20"/>
+            <p:cNvPr id="20" name="Freeform 20"/>
             <p:cNvSpPr/>
             <p:nvPr/>
           </p:nvSpPr>
           <p:spPr>
-            <a:xfrm flipH="false" flipV="false" rot="0">
+            <a:xfrm>
               <a:off x="6350" y="6350"/>
               <a:ext cx="714248" cy="714248"/>
             </a:xfrm>
@@ -14852,9 +15450,9 @@
               <a:gdLst/>
               <a:ahLst/>
               <a:cxnLst/>
-              <a:rect r="r" b="b" t="t" l="l"/>
+              <a:rect l="l" t="t" r="r" b="b"/>
               <a:pathLst>
-                <a:path h="714248" w="714248">
+                <a:path w="714248" h="714248">
                   <a:moveTo>
                     <a:pt x="0" y="133350"/>
                   </a:moveTo>
@@ -14900,15 +15498,22 @@
               </a:solidFill>
             </a:ln>
           </p:spPr>
+          <p:txBody>
+            <a:bodyPr/>
+            <a:lstStyle/>
+            <a:p>
+              <a:endParaRPr lang="en-US"/>
+            </a:p>
+          </p:txBody>
         </p:sp>
         <p:sp>
           <p:nvSpPr>
-            <p:cNvPr name="Freeform 21" id="21"/>
+            <p:cNvPr id="21" name="Freeform 21"/>
             <p:cNvSpPr/>
             <p:nvPr/>
           </p:nvSpPr>
           <p:spPr>
-            <a:xfrm flipH="false" flipV="false" rot="0">
+            <a:xfrm>
               <a:off x="0" y="0"/>
               <a:ext cx="726948" cy="726948"/>
             </a:xfrm>
@@ -14917,9 +15522,9 @@
               <a:gdLst/>
               <a:ahLst/>
               <a:cxnLst/>
-              <a:rect r="r" b="b" t="t" l="l"/>
+              <a:rect l="l" t="t" r="r" b="b"/>
               <a:pathLst>
-                <a:path h="726948" w="726948">
+                <a:path w="726948" h="726948">
                   <a:moveTo>
                     <a:pt x="0" y="139700"/>
                   </a:moveTo>
@@ -15051,16 +15656,23 @@
               </a:solidFill>
             </a:ln>
           </p:spPr>
+          <p:txBody>
+            <a:bodyPr/>
+            <a:lstStyle/>
+            <a:p>
+              <a:endParaRPr lang="en-US"/>
+            </a:p>
+          </p:txBody>
         </p:sp>
       </p:grpSp>
       <p:sp>
         <p:nvSpPr>
-          <p:cNvPr name="TextBox 22" id="22"/>
-          <p:cNvSpPr txBox="true"/>
+          <p:cNvPr id="22" name="TextBox 22"/>
+          <p:cNvSpPr txBox="1"/>
           <p:nvPr/>
         </p:nvSpPr>
         <p:spPr>
-          <a:xfrm rot="0">
+          <a:xfrm>
             <a:off x="8965406" y="3386212"/>
             <a:ext cx="357039" cy="408235"/>
           </a:xfrm>
@@ -15069,7 +15681,7 @@
           </a:prstGeom>
         </p:spPr>
         <p:txBody>
-          <a:bodyPr anchor="t" rtlCol="false" tIns="0" lIns="0" bIns="0" rIns="0">
+          <a:bodyPr lIns="0" tIns="0" rIns="0" bIns="0" rtlCol="0" anchor="t">
             <a:spAutoFit/>
           </a:bodyPr>
           <a:lstStyle/>
@@ -15096,12 +15708,12 @@
       </p:sp>
       <p:sp>
         <p:nvSpPr>
-          <p:cNvPr name="TextBox 23" id="23"/>
-          <p:cNvSpPr txBox="true"/>
+          <p:cNvPr id="23" name="TextBox 23"/>
+          <p:cNvSpPr txBox="1"/>
           <p:nvPr/>
         </p:nvSpPr>
         <p:spPr>
-          <a:xfrm rot="0">
+          <a:xfrm>
             <a:off x="10334179" y="3366195"/>
             <a:ext cx="3453556" cy="390823"/>
           </a:xfrm>
@@ -15110,7 +15722,7 @@
           </a:prstGeom>
         </p:spPr>
         <p:txBody>
-          <a:bodyPr anchor="t" rtlCol="false" tIns="0" lIns="0" bIns="0" rIns="0">
+          <a:bodyPr lIns="0" tIns="0" rIns="0" bIns="0" rtlCol="0" anchor="t">
             <a:spAutoFit/>
           </a:bodyPr>
           <a:lstStyle/>
@@ -15137,12 +15749,12 @@
       </p:sp>
       <p:sp>
         <p:nvSpPr>
-          <p:cNvPr name="TextBox 24" id="24"/>
-          <p:cNvSpPr txBox="true"/>
+          <p:cNvPr id="24" name="TextBox 24"/>
+          <p:cNvSpPr txBox="1"/>
           <p:nvPr/>
         </p:nvSpPr>
         <p:spPr>
-          <a:xfrm rot="0">
+          <a:xfrm>
             <a:off x="10334179" y="3814019"/>
             <a:ext cx="7120681" cy="847725"/>
           </a:xfrm>
@@ -15151,7 +15763,7 @@
           </a:prstGeom>
         </p:spPr>
         <p:txBody>
-          <a:bodyPr anchor="t" rtlCol="false" tIns="0" lIns="0" bIns="0" rIns="0">
+          <a:bodyPr lIns="0" tIns="0" rIns="0" bIns="0" rtlCol="0" anchor="t">
             <a:spAutoFit/>
           </a:bodyPr>
           <a:lstStyle/>
@@ -15178,12 +15790,12 @@
       </p:sp>
       <p:grpSp>
         <p:nvGrpSpPr>
-          <p:cNvPr name="Group 25" id="25"/>
+          <p:cNvPr id="25" name="Group 25"/>
           <p:cNvGrpSpPr/>
           <p:nvPr/>
         </p:nvGrpSpPr>
         <p:grpSpPr>
-          <a:xfrm rot="0">
+          <a:xfrm>
             <a:off x="8190681" y="4788099"/>
             <a:ext cx="714078" cy="28575"/>
             <a:chOff x="0" y="0"/>
@@ -15192,12 +15804,12 @@
         </p:grpSpPr>
         <p:sp>
           <p:nvSpPr>
-            <p:cNvPr name="Freeform 26" id="26"/>
+            <p:cNvPr id="26" name="Freeform 26"/>
             <p:cNvSpPr/>
             <p:nvPr/>
           </p:nvSpPr>
           <p:spPr>
-            <a:xfrm flipH="false" flipV="false" rot="0">
+            <a:xfrm>
               <a:off x="0" y="0"/>
               <a:ext cx="952119" cy="38100"/>
             </a:xfrm>
@@ -15206,9 +15818,9 @@
               <a:gdLst/>
               <a:ahLst/>
               <a:cxnLst/>
-              <a:rect r="r" b="b" t="t" l="l"/>
+              <a:rect l="l" t="t" r="r" b="b"/>
               <a:pathLst>
-                <a:path h="38100" w="952119">
+                <a:path w="952119" h="38100">
                   <a:moveTo>
                     <a:pt x="0" y="19050"/>
                   </a:moveTo>
@@ -15251,16 +15863,23 @@
               </a:solidFill>
             </a:ln>
           </p:spPr>
+          <p:txBody>
+            <a:bodyPr/>
+            <a:lstStyle/>
+            <a:p>
+              <a:endParaRPr lang="en-US"/>
+            </a:p>
+          </p:txBody>
         </p:sp>
       </p:grpSp>
       <p:grpSp>
         <p:nvGrpSpPr>
-          <p:cNvPr name="Group 27" id="27"/>
+          <p:cNvPr id="27" name="Group 27"/>
           <p:cNvGrpSpPr/>
           <p:nvPr/>
         </p:nvGrpSpPr>
         <p:grpSpPr>
-          <a:xfrm rot="0">
+          <a:xfrm>
             <a:off x="8871421" y="4529881"/>
             <a:ext cx="545157" cy="545157"/>
             <a:chOff x="0" y="0"/>
@@ -15269,12 +15888,12 @@
         </p:grpSpPr>
         <p:sp>
           <p:nvSpPr>
-            <p:cNvPr name="Freeform 28" id="28"/>
+            <p:cNvPr id="28" name="Freeform 28"/>
             <p:cNvSpPr/>
             <p:nvPr/>
           </p:nvSpPr>
           <p:spPr>
-            <a:xfrm flipH="false" flipV="false" rot="0">
+            <a:xfrm>
               <a:off x="6350" y="6350"/>
               <a:ext cx="714248" cy="714248"/>
             </a:xfrm>
@@ -15283,9 +15902,9 @@
               <a:gdLst/>
               <a:ahLst/>
               <a:cxnLst/>
-              <a:rect r="r" b="b" t="t" l="l"/>
+              <a:rect l="l" t="t" r="r" b="b"/>
               <a:pathLst>
-                <a:path h="714248" w="714248">
+                <a:path w="714248" h="714248">
                   <a:moveTo>
                     <a:pt x="0" y="133350"/>
                   </a:moveTo>
@@ -15331,15 +15950,22 @@
               </a:solidFill>
             </a:ln>
           </p:spPr>
+          <p:txBody>
+            <a:bodyPr/>
+            <a:lstStyle/>
+            <a:p>
+              <a:endParaRPr lang="en-US"/>
+            </a:p>
+          </p:txBody>
         </p:sp>
         <p:sp>
           <p:nvSpPr>
-            <p:cNvPr name="Freeform 29" id="29"/>
+            <p:cNvPr id="29" name="Freeform 29"/>
             <p:cNvSpPr/>
             <p:nvPr/>
           </p:nvSpPr>
           <p:spPr>
-            <a:xfrm flipH="false" flipV="false" rot="0">
+            <a:xfrm>
               <a:off x="0" y="0"/>
               <a:ext cx="726948" cy="726948"/>
             </a:xfrm>
@@ -15348,9 +15974,9 @@
               <a:gdLst/>
               <a:ahLst/>
               <a:cxnLst/>
-              <a:rect r="r" b="b" t="t" l="l"/>
+              <a:rect l="l" t="t" r="r" b="b"/>
               <a:pathLst>
-                <a:path h="726948" w="726948">
+                <a:path w="726948" h="726948">
                   <a:moveTo>
                     <a:pt x="0" y="139700"/>
                   </a:moveTo>
@@ -15482,16 +16108,23 @@
               </a:solidFill>
             </a:ln>
           </p:spPr>
+          <p:txBody>
+            <a:bodyPr/>
+            <a:lstStyle/>
+            <a:p>
+              <a:endParaRPr lang="en-US"/>
+            </a:p>
+          </p:txBody>
         </p:sp>
       </p:grpSp>
       <p:sp>
         <p:nvSpPr>
-          <p:cNvPr name="TextBox 30" id="30"/>
-          <p:cNvSpPr txBox="true"/>
+          <p:cNvPr id="30" name="TextBox 30"/>
+          <p:cNvSpPr txBox="1"/>
           <p:nvPr/>
         </p:nvSpPr>
         <p:spPr>
-          <a:xfrm rot="0">
+          <a:xfrm>
             <a:off x="8965406" y="4617319"/>
             <a:ext cx="357039" cy="408235"/>
           </a:xfrm>
@@ -15500,7 +16133,7 @@
           </a:prstGeom>
         </p:spPr>
         <p:txBody>
-          <a:bodyPr anchor="t" rtlCol="false" tIns="0" lIns="0" bIns="0" rIns="0">
+          <a:bodyPr lIns="0" tIns="0" rIns="0" bIns="0" rtlCol="0" anchor="t">
             <a:spAutoFit/>
           </a:bodyPr>
           <a:lstStyle/>
@@ -15527,12 +16160,12 @@
       </p:sp>
       <p:sp>
         <p:nvSpPr>
-          <p:cNvPr name="TextBox 31" id="31"/>
-          <p:cNvSpPr txBox="true"/>
+          <p:cNvPr id="31" name="TextBox 31"/>
+          <p:cNvSpPr txBox="1"/>
           <p:nvPr/>
         </p:nvSpPr>
         <p:spPr>
-          <a:xfrm rot="0">
+          <a:xfrm>
             <a:off x="4978152" y="4597301"/>
             <a:ext cx="2975670" cy="390823"/>
           </a:xfrm>
@@ -15541,7 +16174,7 @@
           </a:prstGeom>
         </p:spPr>
         <p:txBody>
-          <a:bodyPr anchor="t" rtlCol="false" tIns="0" lIns="0" bIns="0" rIns="0">
+          <a:bodyPr lIns="0" tIns="0" rIns="0" bIns="0" rtlCol="0" anchor="t">
             <a:spAutoFit/>
           </a:bodyPr>
           <a:lstStyle/>
@@ -15568,12 +16201,12 @@
       </p:sp>
       <p:sp>
         <p:nvSpPr>
-          <p:cNvPr name="TextBox 32" id="32"/>
-          <p:cNvSpPr txBox="true"/>
+          <p:cNvPr id="32" name="TextBox 32"/>
+          <p:cNvSpPr txBox="1"/>
           <p:nvPr/>
         </p:nvSpPr>
         <p:spPr>
-          <a:xfrm rot="0">
+          <a:xfrm>
             <a:off x="833140" y="5045125"/>
             <a:ext cx="7120681" cy="466725"/>
           </a:xfrm>
@@ -15582,7 +16215,7 @@
           </a:prstGeom>
         </p:spPr>
         <p:txBody>
-          <a:bodyPr anchor="t" rtlCol="false" tIns="0" lIns="0" bIns="0" rIns="0">
+          <a:bodyPr lIns="0" tIns="0" rIns="0" bIns="0" rtlCol="0" anchor="t">
             <a:spAutoFit/>
           </a:bodyPr>
           <a:lstStyle/>
@@ -15609,12 +16242,12 @@
       </p:sp>
       <p:grpSp>
         <p:nvGrpSpPr>
-          <p:cNvPr name="Group 33" id="33"/>
+          <p:cNvPr id="33" name="Group 33"/>
           <p:cNvGrpSpPr/>
           <p:nvPr/>
         </p:nvGrpSpPr>
         <p:grpSpPr>
-          <a:xfrm rot="0">
+          <a:xfrm>
             <a:off x="9383241" y="6019205"/>
             <a:ext cx="714077" cy="28575"/>
             <a:chOff x="0" y="0"/>
@@ -15623,12 +16256,12 @@
         </p:grpSpPr>
         <p:sp>
           <p:nvSpPr>
-            <p:cNvPr name="Freeform 34" id="34"/>
+            <p:cNvPr id="34" name="Freeform 34"/>
             <p:cNvSpPr/>
             <p:nvPr/>
           </p:nvSpPr>
           <p:spPr>
-            <a:xfrm flipH="false" flipV="false" rot="0">
+            <a:xfrm>
               <a:off x="0" y="0"/>
               <a:ext cx="952119" cy="38100"/>
             </a:xfrm>
@@ -15637,9 +16270,9 @@
               <a:gdLst/>
               <a:ahLst/>
               <a:cxnLst/>
-              <a:rect r="r" b="b" t="t" l="l"/>
+              <a:rect l="l" t="t" r="r" b="b"/>
               <a:pathLst>
-                <a:path h="38100" w="952119">
+                <a:path w="952119" h="38100">
                   <a:moveTo>
                     <a:pt x="0" y="19050"/>
                   </a:moveTo>
@@ -15682,16 +16315,23 @@
               </a:solidFill>
             </a:ln>
           </p:spPr>
+          <p:txBody>
+            <a:bodyPr/>
+            <a:lstStyle/>
+            <a:p>
+              <a:endParaRPr lang="en-US"/>
+            </a:p>
+          </p:txBody>
         </p:sp>
       </p:grpSp>
       <p:grpSp>
         <p:nvGrpSpPr>
-          <p:cNvPr name="Group 35" id="35"/>
+          <p:cNvPr id="35" name="Group 35"/>
           <p:cNvGrpSpPr/>
           <p:nvPr/>
         </p:nvGrpSpPr>
         <p:grpSpPr>
-          <a:xfrm rot="0">
+          <a:xfrm>
             <a:off x="8871421" y="5760987"/>
             <a:ext cx="545157" cy="545157"/>
             <a:chOff x="0" y="0"/>
@@ -15700,12 +16340,12 @@
         </p:grpSpPr>
         <p:sp>
           <p:nvSpPr>
-            <p:cNvPr name="Freeform 36" id="36"/>
+            <p:cNvPr id="36" name="Freeform 36"/>
             <p:cNvSpPr/>
             <p:nvPr/>
           </p:nvSpPr>
           <p:spPr>
-            <a:xfrm flipH="false" flipV="false" rot="0">
+            <a:xfrm>
               <a:off x="6350" y="6350"/>
               <a:ext cx="714248" cy="714248"/>
             </a:xfrm>
@@ -15714,9 +16354,9 @@
               <a:gdLst/>
               <a:ahLst/>
               <a:cxnLst/>
-              <a:rect r="r" b="b" t="t" l="l"/>
+              <a:rect l="l" t="t" r="r" b="b"/>
               <a:pathLst>
-                <a:path h="714248" w="714248">
+                <a:path w="714248" h="714248">
                   <a:moveTo>
                     <a:pt x="0" y="133350"/>
                   </a:moveTo>
@@ -15762,15 +16402,22 @@
               </a:solidFill>
             </a:ln>
           </p:spPr>
+          <p:txBody>
+            <a:bodyPr/>
+            <a:lstStyle/>
+            <a:p>
+              <a:endParaRPr lang="en-US"/>
+            </a:p>
+          </p:txBody>
         </p:sp>
         <p:sp>
           <p:nvSpPr>
-            <p:cNvPr name="Freeform 37" id="37"/>
+            <p:cNvPr id="37" name="Freeform 37"/>
             <p:cNvSpPr/>
             <p:nvPr/>
           </p:nvSpPr>
           <p:spPr>
-            <a:xfrm flipH="false" flipV="false" rot="0">
+            <a:xfrm>
               <a:off x="0" y="0"/>
               <a:ext cx="726948" cy="726948"/>
             </a:xfrm>
@@ -15779,9 +16426,9 @@
               <a:gdLst/>
               <a:ahLst/>
               <a:cxnLst/>
-              <a:rect r="r" b="b" t="t" l="l"/>
+              <a:rect l="l" t="t" r="r" b="b"/>
               <a:pathLst>
-                <a:path h="726948" w="726948">
+                <a:path w="726948" h="726948">
                   <a:moveTo>
                     <a:pt x="0" y="139700"/>
                   </a:moveTo>
@@ -15913,16 +16560,23 @@
               </a:solidFill>
             </a:ln>
           </p:spPr>
+          <p:txBody>
+            <a:bodyPr/>
+            <a:lstStyle/>
+            <a:p>
+              <a:endParaRPr lang="en-US"/>
+            </a:p>
+          </p:txBody>
         </p:sp>
       </p:grpSp>
       <p:sp>
         <p:nvSpPr>
-          <p:cNvPr name="TextBox 38" id="38"/>
-          <p:cNvSpPr txBox="true"/>
+          <p:cNvPr id="38" name="TextBox 38"/>
+          <p:cNvSpPr txBox="1"/>
           <p:nvPr/>
         </p:nvSpPr>
         <p:spPr>
-          <a:xfrm rot="0">
+          <a:xfrm>
             <a:off x="8965406" y="5848425"/>
             <a:ext cx="357039" cy="408235"/>
           </a:xfrm>
@@ -15931,7 +16585,7 @@
           </a:prstGeom>
         </p:spPr>
         <p:txBody>
-          <a:bodyPr anchor="t" rtlCol="false" tIns="0" lIns="0" bIns="0" rIns="0">
+          <a:bodyPr lIns="0" tIns="0" rIns="0" bIns="0" rtlCol="0" anchor="t">
             <a:spAutoFit/>
           </a:bodyPr>
           <a:lstStyle/>
@@ -15958,12 +16612,12 @@
       </p:sp>
       <p:sp>
         <p:nvSpPr>
-          <p:cNvPr name="TextBox 39" id="39"/>
-          <p:cNvSpPr txBox="true"/>
+          <p:cNvPr id="39" name="TextBox 39"/>
+          <p:cNvSpPr txBox="1"/>
           <p:nvPr/>
         </p:nvSpPr>
         <p:spPr>
-          <a:xfrm rot="0">
+          <a:xfrm>
             <a:off x="10334179" y="5828408"/>
             <a:ext cx="2975670" cy="390822"/>
           </a:xfrm>
@@ -15972,7 +16626,7 @@
           </a:prstGeom>
         </p:spPr>
         <p:txBody>
-          <a:bodyPr anchor="t" rtlCol="false" tIns="0" lIns="0" bIns="0" rIns="0">
+          <a:bodyPr lIns="0" tIns="0" rIns="0" bIns="0" rtlCol="0" anchor="t">
             <a:spAutoFit/>
           </a:bodyPr>
           <a:lstStyle/>
@@ -15999,12 +16653,12 @@
       </p:sp>
       <p:sp>
         <p:nvSpPr>
-          <p:cNvPr name="TextBox 40" id="40"/>
-          <p:cNvSpPr txBox="true"/>
+          <p:cNvPr id="40" name="TextBox 40"/>
+          <p:cNvSpPr txBox="1"/>
           <p:nvPr/>
         </p:nvSpPr>
         <p:spPr>
-          <a:xfrm rot="0">
+          <a:xfrm>
             <a:off x="10334179" y="6276231"/>
             <a:ext cx="7120681" cy="466725"/>
           </a:xfrm>
@@ -16013,7 +16667,7 @@
           </a:prstGeom>
         </p:spPr>
         <p:txBody>
-          <a:bodyPr anchor="t" rtlCol="false" tIns="0" lIns="0" bIns="0" rIns="0">
+          <a:bodyPr lIns="0" tIns="0" rIns="0" bIns="0" rtlCol="0" anchor="t">
             <a:spAutoFit/>
           </a:bodyPr>
           <a:lstStyle/>
@@ -16040,12 +16694,12 @@
       </p:sp>
       <p:grpSp>
         <p:nvGrpSpPr>
-          <p:cNvPr name="Group 41" id="41"/>
+          <p:cNvPr id="41" name="Group 41"/>
           <p:cNvGrpSpPr/>
           <p:nvPr/>
         </p:nvGrpSpPr>
         <p:grpSpPr>
-          <a:xfrm rot="0">
+          <a:xfrm>
             <a:off x="8190681" y="7250311"/>
             <a:ext cx="714078" cy="28575"/>
             <a:chOff x="0" y="0"/>
@@ -16054,12 +16708,12 @@
         </p:grpSpPr>
         <p:sp>
           <p:nvSpPr>
-            <p:cNvPr name="Freeform 42" id="42"/>
+            <p:cNvPr id="42" name="Freeform 42"/>
             <p:cNvSpPr/>
             <p:nvPr/>
           </p:nvSpPr>
           <p:spPr>
-            <a:xfrm flipH="false" flipV="false" rot="0">
+            <a:xfrm>
               <a:off x="0" y="0"/>
               <a:ext cx="952119" cy="38100"/>
             </a:xfrm>
@@ -16068,9 +16722,9 @@
               <a:gdLst/>
               <a:ahLst/>
               <a:cxnLst/>
-              <a:rect r="r" b="b" t="t" l="l"/>
+              <a:rect l="l" t="t" r="r" b="b"/>
               <a:pathLst>
-                <a:path h="38100" w="952119">
+                <a:path w="952119" h="38100">
                   <a:moveTo>
                     <a:pt x="0" y="19050"/>
                   </a:moveTo>
@@ -16113,16 +16767,23 @@
               </a:solidFill>
             </a:ln>
           </p:spPr>
+          <p:txBody>
+            <a:bodyPr/>
+            <a:lstStyle/>
+            <a:p>
+              <a:endParaRPr lang="en-US"/>
+            </a:p>
+          </p:txBody>
         </p:sp>
       </p:grpSp>
       <p:grpSp>
         <p:nvGrpSpPr>
-          <p:cNvPr name="Group 43" id="43"/>
+          <p:cNvPr id="43" name="Group 43"/>
           <p:cNvGrpSpPr/>
           <p:nvPr/>
         </p:nvGrpSpPr>
         <p:grpSpPr>
-          <a:xfrm rot="0">
+          <a:xfrm>
             <a:off x="8871421" y="6992094"/>
             <a:ext cx="545157" cy="545157"/>
             <a:chOff x="0" y="0"/>
@@ -16131,12 +16792,12 @@
         </p:grpSpPr>
         <p:sp>
           <p:nvSpPr>
-            <p:cNvPr name="Freeform 44" id="44"/>
+            <p:cNvPr id="44" name="Freeform 44"/>
             <p:cNvSpPr/>
             <p:nvPr/>
           </p:nvSpPr>
           <p:spPr>
-            <a:xfrm flipH="false" flipV="false" rot="0">
+            <a:xfrm>
               <a:off x="6350" y="6350"/>
               <a:ext cx="714248" cy="714248"/>
             </a:xfrm>
@@ -16145,9 +16806,9 @@
               <a:gdLst/>
               <a:ahLst/>
               <a:cxnLst/>
-              <a:rect r="r" b="b" t="t" l="l"/>
+              <a:rect l="l" t="t" r="r" b="b"/>
               <a:pathLst>
-                <a:path h="714248" w="714248">
+                <a:path w="714248" h="714248">
                   <a:moveTo>
                     <a:pt x="0" y="133350"/>
                   </a:moveTo>
@@ -16193,15 +16854,22 @@
               </a:solidFill>
             </a:ln>
           </p:spPr>
+          <p:txBody>
+            <a:bodyPr/>
+            <a:lstStyle/>
+            <a:p>
+              <a:endParaRPr lang="en-US"/>
+            </a:p>
+          </p:txBody>
         </p:sp>
         <p:sp>
           <p:nvSpPr>
-            <p:cNvPr name="Freeform 45" id="45"/>
+            <p:cNvPr id="45" name="Freeform 45"/>
             <p:cNvSpPr/>
             <p:nvPr/>
           </p:nvSpPr>
           <p:spPr>
-            <a:xfrm flipH="false" flipV="false" rot="0">
+            <a:xfrm>
               <a:off x="0" y="0"/>
               <a:ext cx="726948" cy="726948"/>
             </a:xfrm>
@@ -16210,9 +16878,9 @@
               <a:gdLst/>
               <a:ahLst/>
               <a:cxnLst/>
-              <a:rect r="r" b="b" t="t" l="l"/>
+              <a:rect l="l" t="t" r="r" b="b"/>
               <a:pathLst>
-                <a:path h="726948" w="726948">
+                <a:path w="726948" h="726948">
                   <a:moveTo>
                     <a:pt x="0" y="139700"/>
                   </a:moveTo>
@@ -16344,16 +17012,23 @@
               </a:solidFill>
             </a:ln>
           </p:spPr>
+          <p:txBody>
+            <a:bodyPr/>
+            <a:lstStyle/>
+            <a:p>
+              <a:endParaRPr lang="en-US"/>
+            </a:p>
+          </p:txBody>
         </p:sp>
       </p:grpSp>
       <p:sp>
         <p:nvSpPr>
-          <p:cNvPr name="TextBox 46" id="46"/>
-          <p:cNvSpPr txBox="true"/>
+          <p:cNvPr id="46" name="TextBox 46"/>
+          <p:cNvSpPr txBox="1"/>
           <p:nvPr/>
         </p:nvSpPr>
         <p:spPr>
-          <a:xfrm rot="0">
+          <a:xfrm>
             <a:off x="8965406" y="7079531"/>
             <a:ext cx="357039" cy="408235"/>
           </a:xfrm>
@@ -16362,7 +17037,7 @@
           </a:prstGeom>
         </p:spPr>
         <p:txBody>
-          <a:bodyPr anchor="t" rtlCol="false" tIns="0" lIns="0" bIns="0" rIns="0">
+          <a:bodyPr lIns="0" tIns="0" rIns="0" bIns="0" rtlCol="0" anchor="t">
             <a:spAutoFit/>
           </a:bodyPr>
           <a:lstStyle/>
@@ -16389,12 +17064,12 @@
       </p:sp>
       <p:sp>
         <p:nvSpPr>
-          <p:cNvPr name="TextBox 47" id="47"/>
-          <p:cNvSpPr txBox="true"/>
+          <p:cNvPr id="47" name="TextBox 47"/>
+          <p:cNvSpPr txBox="1"/>
           <p:nvPr/>
         </p:nvSpPr>
         <p:spPr>
-          <a:xfrm rot="0">
+          <a:xfrm>
             <a:off x="4978152" y="7059514"/>
             <a:ext cx="2975670" cy="390822"/>
           </a:xfrm>
@@ -16403,7 +17078,7 @@
           </a:prstGeom>
         </p:spPr>
         <p:txBody>
-          <a:bodyPr anchor="t" rtlCol="false" tIns="0" lIns="0" bIns="0" rIns="0">
+          <a:bodyPr lIns="0" tIns="0" rIns="0" bIns="0" rtlCol="0" anchor="t">
             <a:spAutoFit/>
           </a:bodyPr>
           <a:lstStyle/>
@@ -16430,12 +17105,12 @@
       </p:sp>
       <p:sp>
         <p:nvSpPr>
-          <p:cNvPr name="TextBox 48" id="48"/>
-          <p:cNvSpPr txBox="true"/>
+          <p:cNvPr id="48" name="TextBox 48"/>
+          <p:cNvSpPr txBox="1"/>
           <p:nvPr/>
         </p:nvSpPr>
         <p:spPr>
-          <a:xfrm rot="0">
+          <a:xfrm>
             <a:off x="833140" y="7507337"/>
             <a:ext cx="7120681" cy="466725"/>
           </a:xfrm>
@@ -16444,7 +17119,7 @@
           </a:prstGeom>
         </p:spPr>
         <p:txBody>
-          <a:bodyPr anchor="t" rtlCol="false" tIns="0" lIns="0" bIns="0" rIns="0">
+          <a:bodyPr lIns="0" tIns="0" rIns="0" bIns="0" rtlCol="0" anchor="t">
             <a:spAutoFit/>
           </a:bodyPr>
           <a:lstStyle/>
@@ -16471,12 +17146,12 @@
       </p:sp>
       <p:sp>
         <p:nvSpPr>
-          <p:cNvPr name="TextBox 49" id="49"/>
-          <p:cNvSpPr txBox="true"/>
+          <p:cNvPr id="49" name="TextBox 49"/>
+          <p:cNvSpPr txBox="1"/>
           <p:nvPr/>
         </p:nvSpPr>
         <p:spPr>
-          <a:xfrm rot="0">
+          <a:xfrm>
             <a:off x="833140" y="9164985"/>
             <a:ext cx="16621720" cy="466725"/>
           </a:xfrm>
@@ -16485,7 +17160,7 @@
           </a:prstGeom>
         </p:spPr>
         <p:txBody>
-          <a:bodyPr anchor="t" rtlCol="false" tIns="0" lIns="0" bIns="0" rIns="0">
+          <a:bodyPr lIns="0" tIns="0" rIns="0" bIns="0" rtlCol="0" anchor="t">
             <a:spAutoFit/>
           </a:bodyPr>
           <a:lstStyle/>

--- a/CarRentalManagementSystemPresentation.pptx
+++ b/CarRentalManagementSystemPresentation.pptx
@@ -6754,14 +6754,14 @@
         <p:spPr>
           <a:xfrm>
             <a:off x="12343210" y="3943647"/>
-            <a:ext cx="3559225" cy="471487"/>
+            <a:ext cx="3658790" cy="411395"/>
           </a:xfrm>
           <a:prstGeom prst="rect">
             <a:avLst/>
           </a:prstGeom>
         </p:spPr>
         <p:txBody>
-          <a:bodyPr lIns="0" tIns="0" rIns="0" bIns="0" rtlCol="0" anchor="t">
+          <a:bodyPr wrap="square" lIns="0" tIns="0" rIns="0" bIns="0" rtlCol="0" anchor="t">
             <a:spAutoFit/>
           </a:bodyPr>
           <a:lstStyle/>
@@ -6772,7 +6772,7 @@
               </a:lnSpc>
             </a:pPr>
             <a:r>
-              <a:rPr lang="en-US" sz="2750">
+              <a:rPr lang="en-US" sz="2750" dirty="0">
                 <a:solidFill>
                   <a:srgbClr val="3C3939"/>
                 </a:solidFill>
@@ -11766,7 +11766,7 @@
               </a:lnSpc>
             </a:pPr>
             <a:r>
-              <a:rPr lang="en-US" sz="7312">
+              <a:rPr lang="en-US" sz="7312" dirty="0">
                 <a:solidFill>
                   <a:srgbClr val="3C3939"/>
                 </a:solidFill>
